--- a/bab 1.pptx
+++ b/bab 1.pptx
@@ -4008,7 +4008,7 @@
           <a:p>
             <a:r>
               <a:rPr lang="en-US" sz="1950" dirty="0"/>
-              <a:t>Bab I</a:t>
+              <a:t>Introduction</a:t>
             </a:r>
             <a:endParaRPr sz="1950" dirty="0"/>
           </a:p>
@@ -12148,14 +12148,14 @@
             <a:pPr algn="ctr"/>
             <a:r>
               <a:rPr lang="en-US" sz="1100" dirty="0"/>
-              <a:t>Sentiment</a:t>
+              <a:t>Machine</a:t>
             </a:r>
           </a:p>
           <a:p>
             <a:pPr algn="ctr"/>
             <a:r>
               <a:rPr lang="en-US" sz="1100" dirty="0"/>
-              <a:t>Analysis</a:t>
+              <a:t>Learning</a:t>
             </a:r>
             <a:endParaRPr lang="en-ID" sz="1100" dirty="0"/>
           </a:p>
@@ -12192,14 +12192,14 @@
             <a:pPr algn="ctr"/>
             <a:r>
               <a:rPr lang="en-US" sz="1100" dirty="0"/>
-              <a:t>Sentiment</a:t>
+              <a:t>Predicting</a:t>
             </a:r>
           </a:p>
           <a:p>
             <a:pPr algn="ctr"/>
             <a:r>
               <a:rPr lang="en-US" sz="1100" dirty="0"/>
-              <a:t>Analysis</a:t>
+              <a:t>Democracy</a:t>
             </a:r>
             <a:endParaRPr lang="en-ID" sz="1100" dirty="0"/>
           </a:p>
@@ -12290,6 +12290,493 @@
               <a:t>Democracy</a:t>
             </a:r>
             <a:endParaRPr lang="en-ID" sz="1100" dirty="0"/>
+          </a:p>
+        </p:txBody>
+      </p:sp>
+      <p:sp>
+        <p:nvSpPr>
+          <p:cNvPr id="3" name="TextBox 2">
+            <a:extLst>
+              <a:ext uri="{FF2B5EF4-FFF2-40B4-BE49-F238E27FC236}">
+                <a16:creationId xmlns:a16="http://schemas.microsoft.com/office/drawing/2014/main" id="{28878853-039E-42EE-9D58-3ABBDF82EF3F}"/>
+              </a:ext>
+            </a:extLst>
+          </p:cNvPr>
+          <p:cNvSpPr txBox="1"/>
+          <p:nvPr/>
+        </p:nvSpPr>
+        <p:spPr>
+          <a:xfrm>
+            <a:off x="5472830" y="3034145"/>
+            <a:ext cx="1239697" cy="523220"/>
+          </a:xfrm>
+          <a:prstGeom prst="rect">
+            <a:avLst/>
+          </a:prstGeom>
+          <a:noFill/>
+        </p:spPr>
+        <p:txBody>
+          <a:bodyPr wrap="square" rtlCol="0">
+            <a:spAutoFit/>
+          </a:bodyPr>
+          <a:lstStyle/>
+          <a:p>
+            <a:pPr algn="ctr"/>
+            <a:r>
+              <a:rPr lang="en-US" sz="1200" dirty="0">
+                <a:solidFill>
+                  <a:schemeClr val="bg1"/>
+                </a:solidFill>
+              </a:rPr>
+              <a:t>R. Faisal et al</a:t>
+            </a:r>
+            <a:r>
+              <a:rPr lang="en-US" dirty="0">
+                <a:solidFill>
+                  <a:schemeClr val="bg1"/>
+                </a:solidFill>
+              </a:rPr>
+              <a:t>, 2020</a:t>
+            </a:r>
+            <a:endParaRPr lang="en-ID" dirty="0">
+              <a:solidFill>
+                <a:schemeClr val="bg1"/>
+              </a:solidFill>
+            </a:endParaRPr>
+          </a:p>
+        </p:txBody>
+      </p:sp>
+      <p:sp>
+        <p:nvSpPr>
+          <p:cNvPr id="5" name="TextBox 4">
+            <a:extLst>
+              <a:ext uri="{FF2B5EF4-FFF2-40B4-BE49-F238E27FC236}">
+                <a16:creationId xmlns:a16="http://schemas.microsoft.com/office/drawing/2014/main" id="{CFC615DD-EFCC-49F4-98D5-45470DBE965C}"/>
+              </a:ext>
+            </a:extLst>
+          </p:cNvPr>
+          <p:cNvSpPr txBox="1"/>
+          <p:nvPr/>
+        </p:nvSpPr>
+        <p:spPr>
+          <a:xfrm>
+            <a:off x="5562073" y="3502399"/>
+            <a:ext cx="1295927" cy="900246"/>
+          </a:xfrm>
+          <a:prstGeom prst="rect">
+            <a:avLst/>
+          </a:prstGeom>
+          <a:noFill/>
+        </p:spPr>
+        <p:txBody>
+          <a:bodyPr wrap="square" rtlCol="0">
+            <a:spAutoFit/>
+          </a:bodyPr>
+          <a:lstStyle/>
+          <a:p>
+            <a:r>
+              <a:rPr lang="en-US" sz="1050" dirty="0">
+                <a:solidFill>
+                  <a:schemeClr val="tx2">
+                    <a:lumMod val="75000"/>
+                  </a:schemeClr>
+                </a:solidFill>
+              </a:rPr>
+              <a:t>Forecasting IDI 2019 Using Moving Average and </a:t>
+            </a:r>
+            <a:r>
+              <a:rPr lang="en-US" sz="1050" dirty="0" err="1">
+                <a:solidFill>
+                  <a:schemeClr val="tx2">
+                    <a:lumMod val="75000"/>
+                  </a:schemeClr>
+                </a:solidFill>
+              </a:rPr>
+              <a:t>Corelation</a:t>
+            </a:r>
+            <a:r>
+              <a:rPr lang="en-US" sz="1050" dirty="0">
+                <a:solidFill>
+                  <a:schemeClr val="tx2">
+                    <a:lumMod val="75000"/>
+                  </a:schemeClr>
+                </a:solidFill>
+              </a:rPr>
+              <a:t> between Aspect</a:t>
+            </a:r>
+            <a:endParaRPr lang="en-ID" sz="1050" dirty="0">
+              <a:solidFill>
+                <a:schemeClr val="tx2">
+                  <a:lumMod val="75000"/>
+                </a:schemeClr>
+              </a:solidFill>
+            </a:endParaRPr>
+          </a:p>
+        </p:txBody>
+      </p:sp>
+      <p:sp>
+        <p:nvSpPr>
+          <p:cNvPr id="40" name="TextBox 39">
+            <a:extLst>
+              <a:ext uri="{FF2B5EF4-FFF2-40B4-BE49-F238E27FC236}">
+                <a16:creationId xmlns:a16="http://schemas.microsoft.com/office/drawing/2014/main" id="{0BC09B1E-2C1C-4B4F-A611-4759207B2C67}"/>
+              </a:ext>
+            </a:extLst>
+          </p:cNvPr>
+          <p:cNvSpPr txBox="1"/>
+          <p:nvPr/>
+        </p:nvSpPr>
+        <p:spPr>
+          <a:xfrm>
+            <a:off x="4100561" y="3041755"/>
+            <a:ext cx="1239697" cy="477054"/>
+          </a:xfrm>
+          <a:prstGeom prst="rect">
+            <a:avLst/>
+          </a:prstGeom>
+          <a:noFill/>
+        </p:spPr>
+        <p:txBody>
+          <a:bodyPr wrap="square" rtlCol="0">
+            <a:spAutoFit/>
+          </a:bodyPr>
+          <a:lstStyle/>
+          <a:p>
+            <a:pPr algn="ctr"/>
+            <a:r>
+              <a:rPr lang="en-US" sz="1100" dirty="0">
+                <a:solidFill>
+                  <a:schemeClr val="bg1"/>
+                </a:solidFill>
+              </a:rPr>
+              <a:t>Huda, S Nurul</a:t>
+            </a:r>
+          </a:p>
+          <a:p>
+            <a:pPr algn="ctr"/>
+            <a:r>
+              <a:rPr lang="en-US" dirty="0">
+                <a:solidFill>
+                  <a:schemeClr val="bg1"/>
+                </a:solidFill>
+              </a:rPr>
+              <a:t> 2019</a:t>
+            </a:r>
+            <a:endParaRPr lang="en-ID" dirty="0">
+              <a:solidFill>
+                <a:schemeClr val="bg1"/>
+              </a:solidFill>
+            </a:endParaRPr>
+          </a:p>
+        </p:txBody>
+      </p:sp>
+      <p:sp>
+        <p:nvSpPr>
+          <p:cNvPr id="41" name="TextBox 40">
+            <a:extLst>
+              <a:ext uri="{FF2B5EF4-FFF2-40B4-BE49-F238E27FC236}">
+                <a16:creationId xmlns:a16="http://schemas.microsoft.com/office/drawing/2014/main" id="{C2D9C2B0-3DA2-4C52-B512-7169206707FC}"/>
+              </a:ext>
+            </a:extLst>
+          </p:cNvPr>
+          <p:cNvSpPr txBox="1"/>
+          <p:nvPr/>
+        </p:nvSpPr>
+        <p:spPr>
+          <a:xfrm>
+            <a:off x="4256111" y="3502399"/>
+            <a:ext cx="1131550" cy="738664"/>
+          </a:xfrm>
+          <a:prstGeom prst="rect">
+            <a:avLst/>
+          </a:prstGeom>
+          <a:noFill/>
+        </p:spPr>
+        <p:txBody>
+          <a:bodyPr wrap="square" rtlCol="0">
+            <a:spAutoFit/>
+          </a:bodyPr>
+          <a:lstStyle/>
+          <a:p>
+            <a:r>
+              <a:rPr lang="en-US" sz="1050" dirty="0">
+                <a:solidFill>
+                  <a:schemeClr val="tx2">
+                    <a:lumMod val="75000"/>
+                  </a:schemeClr>
+                </a:solidFill>
+              </a:rPr>
+              <a:t>Forecasting IDI 2018 Using Exponential Smoothing</a:t>
+            </a:r>
+            <a:endParaRPr lang="en-ID" sz="1050" dirty="0">
+              <a:solidFill>
+                <a:schemeClr val="tx2">
+                  <a:lumMod val="75000"/>
+                </a:schemeClr>
+              </a:solidFill>
+            </a:endParaRPr>
+          </a:p>
+        </p:txBody>
+      </p:sp>
+      <p:sp>
+        <p:nvSpPr>
+          <p:cNvPr id="42" name="TextBox 41">
+            <a:extLst>
+              <a:ext uri="{FF2B5EF4-FFF2-40B4-BE49-F238E27FC236}">
+                <a16:creationId xmlns:a16="http://schemas.microsoft.com/office/drawing/2014/main" id="{07E951F1-A709-4323-AAF3-BF46ECFE8780}"/>
+              </a:ext>
+            </a:extLst>
+          </p:cNvPr>
+          <p:cNvSpPr txBox="1"/>
+          <p:nvPr/>
+        </p:nvSpPr>
+        <p:spPr>
+          <a:xfrm>
+            <a:off x="2623136" y="3084902"/>
+            <a:ext cx="1374001" cy="477054"/>
+          </a:xfrm>
+          <a:prstGeom prst="rect">
+            <a:avLst/>
+          </a:prstGeom>
+          <a:noFill/>
+        </p:spPr>
+        <p:txBody>
+          <a:bodyPr wrap="square" rtlCol="0">
+            <a:spAutoFit/>
+          </a:bodyPr>
+          <a:lstStyle/>
+          <a:p>
+            <a:pPr algn="ctr"/>
+            <a:r>
+              <a:rPr lang="en-US" sz="1100" dirty="0">
+                <a:solidFill>
+                  <a:schemeClr val="bg1"/>
+                </a:solidFill>
+              </a:rPr>
+              <a:t>Bashar, A.K.M. R</a:t>
+            </a:r>
+          </a:p>
+          <a:p>
+            <a:pPr algn="ctr"/>
+            <a:r>
+              <a:rPr lang="en-US" dirty="0">
+                <a:solidFill>
+                  <a:schemeClr val="bg1"/>
+                </a:solidFill>
+              </a:rPr>
+              <a:t> 2019</a:t>
+            </a:r>
+            <a:endParaRPr lang="en-ID" dirty="0">
+              <a:solidFill>
+                <a:schemeClr val="bg1"/>
+              </a:solidFill>
+            </a:endParaRPr>
+          </a:p>
+        </p:txBody>
+      </p:sp>
+      <p:sp>
+        <p:nvSpPr>
+          <p:cNvPr id="43" name="TextBox 42">
+            <a:extLst>
+              <a:ext uri="{FF2B5EF4-FFF2-40B4-BE49-F238E27FC236}">
+                <a16:creationId xmlns:a16="http://schemas.microsoft.com/office/drawing/2014/main" id="{DA30087C-7083-4B07-88C0-14C75A446D45}"/>
+              </a:ext>
+            </a:extLst>
+          </p:cNvPr>
+          <p:cNvSpPr txBox="1"/>
+          <p:nvPr/>
+        </p:nvSpPr>
+        <p:spPr>
+          <a:xfrm>
+            <a:off x="1458482" y="3101900"/>
+            <a:ext cx="1374001" cy="815608"/>
+          </a:xfrm>
+          <a:prstGeom prst="rect">
+            <a:avLst/>
+          </a:prstGeom>
+          <a:noFill/>
+        </p:spPr>
+        <p:txBody>
+          <a:bodyPr wrap="square" rtlCol="0">
+            <a:spAutoFit/>
+          </a:bodyPr>
+          <a:lstStyle/>
+          <a:p>
+            <a:pPr algn="ctr"/>
+            <a:r>
+              <a:rPr lang="en-US" sz="1100" dirty="0" err="1">
+                <a:solidFill>
+                  <a:schemeClr val="bg1"/>
+                </a:solidFill>
+              </a:rPr>
+              <a:t>Grundler</a:t>
+            </a:r>
+            <a:r>
+              <a:rPr lang="en-US" sz="1100" dirty="0">
+                <a:solidFill>
+                  <a:schemeClr val="bg1"/>
+                </a:solidFill>
+              </a:rPr>
+              <a:t> Klaus and</a:t>
+            </a:r>
+          </a:p>
+          <a:p>
+            <a:pPr algn="ctr"/>
+            <a:r>
+              <a:rPr lang="en-US" sz="1100" dirty="0">
+                <a:solidFill>
+                  <a:schemeClr val="bg1"/>
+                </a:solidFill>
+              </a:rPr>
+              <a:t>Tommy Krieger</a:t>
+            </a:r>
+          </a:p>
+          <a:p>
+            <a:pPr algn="ctr"/>
+            <a:r>
+              <a:rPr lang="en-US" dirty="0">
+                <a:solidFill>
+                  <a:schemeClr val="bg1"/>
+                </a:solidFill>
+              </a:rPr>
+              <a:t> 2021</a:t>
+            </a:r>
+            <a:endParaRPr lang="en-ID" dirty="0">
+              <a:solidFill>
+                <a:schemeClr val="bg1"/>
+              </a:solidFill>
+            </a:endParaRPr>
+          </a:p>
+        </p:txBody>
+      </p:sp>
+      <p:sp>
+        <p:nvSpPr>
+          <p:cNvPr id="44" name="TextBox 43">
+            <a:extLst>
+              <a:ext uri="{FF2B5EF4-FFF2-40B4-BE49-F238E27FC236}">
+                <a16:creationId xmlns:a16="http://schemas.microsoft.com/office/drawing/2014/main" id="{6BFB5563-667F-4718-A243-B6B7C1FADF90}"/>
+              </a:ext>
+            </a:extLst>
+          </p:cNvPr>
+          <p:cNvSpPr txBox="1"/>
+          <p:nvPr/>
+        </p:nvSpPr>
+        <p:spPr>
+          <a:xfrm>
+            <a:off x="205621" y="3132518"/>
+            <a:ext cx="1374001" cy="646331"/>
+          </a:xfrm>
+          <a:prstGeom prst="rect">
+            <a:avLst/>
+          </a:prstGeom>
+          <a:noFill/>
+        </p:spPr>
+        <p:txBody>
+          <a:bodyPr wrap="square" rtlCol="0">
+            <a:spAutoFit/>
+          </a:bodyPr>
+          <a:lstStyle/>
+          <a:p>
+            <a:pPr algn="ctr"/>
+            <a:r>
+              <a:rPr lang="en-US" sz="1100" dirty="0">
+                <a:solidFill>
+                  <a:schemeClr val="bg1"/>
+                </a:solidFill>
+              </a:rPr>
+              <a:t>Lutz </a:t>
+            </a:r>
+            <a:r>
+              <a:rPr lang="en-US" sz="1100" dirty="0" err="1">
+                <a:solidFill>
+                  <a:schemeClr val="bg1"/>
+                </a:solidFill>
+              </a:rPr>
+              <a:t>Barenf</a:t>
+            </a:r>
+            <a:r>
+              <a:rPr lang="en-US" sz="1100" dirty="0">
+                <a:solidFill>
+                  <a:schemeClr val="bg1"/>
+                </a:solidFill>
+              </a:rPr>
+              <a:t> and</a:t>
+            </a:r>
+          </a:p>
+          <a:p>
+            <a:pPr algn="ctr"/>
+            <a:r>
+              <a:rPr lang="en-US" sz="1100" dirty="0">
+                <a:solidFill>
+                  <a:schemeClr val="bg1"/>
+                </a:solidFill>
+              </a:rPr>
+              <a:t>Pierre du Toit</a:t>
+            </a:r>
+          </a:p>
+          <a:p>
+            <a:pPr algn="ctr"/>
+            <a:r>
+              <a:rPr lang="en-US" dirty="0">
+                <a:solidFill>
+                  <a:schemeClr val="bg1"/>
+                </a:solidFill>
+              </a:rPr>
+              <a:t> 2014</a:t>
+            </a:r>
+            <a:endParaRPr lang="en-ID" dirty="0">
+              <a:solidFill>
+                <a:schemeClr val="bg1"/>
+              </a:solidFill>
+            </a:endParaRPr>
+          </a:p>
+        </p:txBody>
+      </p:sp>
+      <p:sp>
+        <p:nvSpPr>
+          <p:cNvPr id="45" name="TextBox 44">
+            <a:extLst>
+              <a:ext uri="{FF2B5EF4-FFF2-40B4-BE49-F238E27FC236}">
+                <a16:creationId xmlns:a16="http://schemas.microsoft.com/office/drawing/2014/main" id="{BCD581C3-E0F0-4A5F-914E-21BBCA427928}"/>
+              </a:ext>
+            </a:extLst>
+          </p:cNvPr>
+          <p:cNvSpPr txBox="1"/>
+          <p:nvPr/>
+        </p:nvSpPr>
+        <p:spPr>
+          <a:xfrm>
+            <a:off x="447330" y="3817422"/>
+            <a:ext cx="1131550" cy="900246"/>
+          </a:xfrm>
+          <a:prstGeom prst="rect">
+            <a:avLst/>
+          </a:prstGeom>
+          <a:noFill/>
+        </p:spPr>
+        <p:txBody>
+          <a:bodyPr wrap="square" rtlCol="0">
+            <a:spAutoFit/>
+          </a:bodyPr>
+          <a:lstStyle/>
+          <a:p>
+            <a:r>
+              <a:rPr lang="en-US" sz="1050" dirty="0">
+                <a:solidFill>
+                  <a:schemeClr val="tx2">
+                    <a:lumMod val="75000"/>
+                  </a:schemeClr>
+                </a:solidFill>
+              </a:rPr>
+              <a:t>Measuring democracy from twitter using sentiment analysis</a:t>
+            </a:r>
+            <a:endParaRPr lang="en-ID" sz="1050" dirty="0">
+              <a:solidFill>
+                <a:schemeClr val="tx2">
+                  <a:lumMod val="75000"/>
+                </a:schemeClr>
+              </a:solidFill>
+            </a:endParaRPr>
           </a:p>
         </p:txBody>
       </p:sp>

--- a/bab 1.pptx
+++ b/bab 1.pptx
@@ -12360,7 +12360,7 @@
         </p:nvSpPr>
         <p:spPr>
           <a:xfrm>
-            <a:off x="5562073" y="3502399"/>
+            <a:off x="5570826" y="3783199"/>
             <a:ext cx="1295927" cy="900246"/>
           </a:xfrm>
           <a:prstGeom prst="rect">
@@ -12484,7 +12484,7 @@
         </p:nvSpPr>
         <p:spPr>
           <a:xfrm>
-            <a:off x="4256111" y="3502399"/>
+            <a:off x="4224499" y="3783199"/>
             <a:ext cx="1131550" cy="738664"/>
           </a:xfrm>
           <a:prstGeom prst="rect">
@@ -12532,7 +12532,7 @@
         </p:nvSpPr>
         <p:spPr>
           <a:xfrm>
-            <a:off x="2623136" y="3084902"/>
+            <a:off x="2634771" y="3023374"/>
             <a:ext cx="1374001" cy="477054"/>
           </a:xfrm>
           <a:prstGeom prst="rect">
@@ -12588,7 +12588,7 @@
         </p:nvSpPr>
         <p:spPr>
           <a:xfrm>
-            <a:off x="1458482" y="3101900"/>
+            <a:off x="1456418" y="3002793"/>
             <a:ext cx="1374001" cy="815608"/>
           </a:xfrm>
           <a:prstGeom prst="rect">
@@ -12663,7 +12663,7 @@
         </p:nvSpPr>
         <p:spPr>
           <a:xfrm>
-            <a:off x="205621" y="3132518"/>
+            <a:off x="270858" y="3017262"/>
             <a:ext cx="1374001" cy="646331"/>
           </a:xfrm>
           <a:prstGeom prst="rect">
@@ -12769,6 +12769,102 @@
                 </a:solidFill>
               </a:rPr>
               <a:t>Measuring democracy from twitter using sentiment analysis</a:t>
+            </a:r>
+            <a:endParaRPr lang="en-ID" sz="1050" dirty="0">
+              <a:solidFill>
+                <a:schemeClr val="tx2">
+                  <a:lumMod val="75000"/>
+                </a:schemeClr>
+              </a:solidFill>
+            </a:endParaRPr>
+          </a:p>
+        </p:txBody>
+      </p:sp>
+      <p:sp>
+        <p:nvSpPr>
+          <p:cNvPr id="46" name="TextBox 45">
+            <a:extLst>
+              <a:ext uri="{FF2B5EF4-FFF2-40B4-BE49-F238E27FC236}">
+                <a16:creationId xmlns:a16="http://schemas.microsoft.com/office/drawing/2014/main" id="{1812C7E7-F034-407C-B6E0-9418D96B3576}"/>
+              </a:ext>
+            </a:extLst>
+          </p:cNvPr>
+          <p:cNvSpPr txBox="1"/>
+          <p:nvPr/>
+        </p:nvSpPr>
+        <p:spPr>
+          <a:xfrm>
+            <a:off x="2998517" y="3787597"/>
+            <a:ext cx="1131550" cy="1061829"/>
+          </a:xfrm>
+          <a:prstGeom prst="rect">
+            <a:avLst/>
+          </a:prstGeom>
+          <a:noFill/>
+        </p:spPr>
+        <p:txBody>
+          <a:bodyPr wrap="square" rtlCol="0">
+            <a:spAutoFit/>
+          </a:bodyPr>
+          <a:lstStyle/>
+          <a:p>
+            <a:r>
+              <a:rPr lang="en-US" sz="1050" dirty="0">
+                <a:solidFill>
+                  <a:schemeClr val="tx2">
+                    <a:lumMod val="75000"/>
+                  </a:schemeClr>
+                </a:solidFill>
+              </a:rPr>
+              <a:t>Using Non Response Analysis to predict democracy value</a:t>
+            </a:r>
+            <a:endParaRPr lang="en-ID" sz="1050" dirty="0">
+              <a:solidFill>
+                <a:schemeClr val="tx2">
+                  <a:lumMod val="75000"/>
+                </a:schemeClr>
+              </a:solidFill>
+            </a:endParaRPr>
+          </a:p>
+        </p:txBody>
+      </p:sp>
+      <p:sp>
+        <p:nvSpPr>
+          <p:cNvPr id="47" name="TextBox 46">
+            <a:extLst>
+              <a:ext uri="{FF2B5EF4-FFF2-40B4-BE49-F238E27FC236}">
+                <a16:creationId xmlns:a16="http://schemas.microsoft.com/office/drawing/2014/main" id="{562B812B-D773-4F6D-8BD4-960B7272183F}"/>
+              </a:ext>
+            </a:extLst>
+          </p:cNvPr>
+          <p:cNvSpPr txBox="1"/>
+          <p:nvPr/>
+        </p:nvSpPr>
+        <p:spPr>
+          <a:xfrm>
+            <a:off x="1711417" y="3787598"/>
+            <a:ext cx="1131550" cy="1061829"/>
+          </a:xfrm>
+          <a:prstGeom prst="rect">
+            <a:avLst/>
+          </a:prstGeom>
+          <a:noFill/>
+        </p:spPr>
+        <p:txBody>
+          <a:bodyPr wrap="square" rtlCol="0">
+            <a:spAutoFit/>
+          </a:bodyPr>
+          <a:lstStyle/>
+          <a:p>
+            <a:r>
+              <a:rPr lang="en-US" sz="1050" dirty="0">
+                <a:solidFill>
+                  <a:schemeClr val="tx2">
+                    <a:lumMod val="75000"/>
+                  </a:schemeClr>
+                </a:solidFill>
+              </a:rPr>
+              <a:t>Using machine learning to conduct research about democracy indicator</a:t>
             </a:r>
             <a:endParaRPr lang="en-ID" sz="1050" dirty="0">
               <a:solidFill>

--- a/bab 1.pptx
+++ b/bab 1.pptx
@@ -453,7 +453,7 @@
               <c:strCache>
                 <c:ptCount val="15"/>
                 <c:pt idx="0">
-                  <c:v>(Bagus Takwin et al,, 2015)</c:v>
+                  <c:v>(Bagus Takwin et al, 2015)</c:v>
                 </c:pt>
                 <c:pt idx="1">
                   <c:v>(Ayu Melisa et al,2016)</c:v>
@@ -4254,7 +4254,7 @@
                 <a:cs typeface="Muli"/>
                 <a:sym typeface="Muli"/>
               </a:rPr>
-              <a:t>Author 3	: Henock Lugo</a:t>
+              <a:t>Author 3	: Henokh Lugo</a:t>
             </a:r>
             <a:endParaRPr sz="1350" b="1" dirty="0">
               <a:solidFill>
@@ -10397,7 +10397,7 @@
           <p:nvPr>
             <p:extLst>
               <p:ext uri="{D42A27DB-BD31-4B8C-83A1-F6EECF244321}">
-                <p14:modId xmlns:p14="http://schemas.microsoft.com/office/powerpoint/2010/main" val="2626968734"/>
+                <p14:modId xmlns:p14="http://schemas.microsoft.com/office/powerpoint/2010/main" val="2671573109"/>
               </p:ext>
             </p:extLst>
           </p:nvPr>
@@ -12382,27 +12382,7 @@
                   </a:schemeClr>
                 </a:solidFill>
               </a:rPr>
-              <a:t>Forecasting IDI 2019 Using Moving Average and </a:t>
-            </a:r>
-            <a:r>
-              <a:rPr lang="en-US" sz="1050" dirty="0" err="1">
-                <a:solidFill>
-                  <a:schemeClr val="tx2">
-                    <a:lumMod val="75000"/>
-                  </a:schemeClr>
-                </a:solidFill>
-              </a:rPr>
-              <a:t>Corelation</a:t>
-            </a:r>
-            <a:r>
-              <a:rPr lang="en-US" sz="1050" dirty="0">
-                <a:solidFill>
-                  <a:schemeClr val="tx2">
-                    <a:lumMod val="75000"/>
-                  </a:schemeClr>
-                </a:solidFill>
-              </a:rPr>
-              <a:t> between Aspect</a:t>
+              <a:t>Forecasting IDI 2019 Using Moving Average and Correlation between Aspect</a:t>
             </a:r>
             <a:endParaRPr lang="en-ID" sz="1050" dirty="0">
               <a:solidFill>
@@ -12664,7 +12644,7 @@
         <p:spPr>
           <a:xfrm>
             <a:off x="270858" y="3017262"/>
-            <a:ext cx="1374001" cy="646331"/>
+            <a:ext cx="1374001" cy="430887"/>
           </a:xfrm>
           <a:prstGeom prst="rect">
             <a:avLst/>
@@ -12684,23 +12664,7 @@
                   <a:schemeClr val="bg1"/>
                 </a:solidFill>
               </a:rPr>
-              <a:t>Lutz </a:t>
-            </a:r>
-            <a:r>
-              <a:rPr lang="en-US" sz="1100" dirty="0" err="1">
-                <a:solidFill>
-                  <a:schemeClr val="bg1"/>
-                </a:solidFill>
-              </a:rPr>
-              <a:t>Barenf</a:t>
-            </a:r>
-            <a:r>
-              <a:rPr lang="en-US" sz="1100" dirty="0">
-                <a:solidFill>
-                  <a:schemeClr val="bg1"/>
-                </a:solidFill>
-              </a:rPr>
-              <a:t> and</a:t>
+              <a:t>(Lutz and</a:t>
             </a:r>
           </a:p>
           <a:p>
@@ -12711,24 +12675,8 @@
                   <a:schemeClr val="bg1"/>
                 </a:solidFill>
               </a:rPr>
-              <a:t>Pierre du Toit</a:t>
+              <a:t>du Toit, 2014)</a:t>
             </a:r>
-          </a:p>
-          <a:p>
-            <a:pPr algn="ctr"/>
-            <a:r>
-              <a:rPr lang="en-US" dirty="0">
-                <a:solidFill>
-                  <a:schemeClr val="bg1"/>
-                </a:solidFill>
-              </a:rPr>
-              <a:t> 2014</a:t>
-            </a:r>
-            <a:endParaRPr lang="en-ID" dirty="0">
-              <a:solidFill>
-                <a:schemeClr val="bg1"/>
-              </a:solidFill>
-            </a:endParaRPr>
           </a:p>
         </p:txBody>
       </p:sp>
@@ -13006,7 +12954,7 @@
                   <a:schemeClr val="tx2"/>
                 </a:solidFill>
               </a:rPr>
-              <a:t>Sentiment analysis can be used as an alternative method to measure democracy Index</a:t>
+              <a:t>Sentiment analysis can be used as an alternative method to measure democracy level</a:t>
             </a:r>
           </a:p>
           <a:p>

--- a/bab 1.pptx
+++ b/bab 1.pptx
@@ -11188,1111 +11188,6 @@
           </a:fontRef>
         </p:style>
       </p:cxnSp>
-      <p:grpSp>
-        <p:nvGrpSpPr>
-          <p:cNvPr id="18" name="Group 17">
-            <a:extLst>
-              <a:ext uri="{FF2B5EF4-FFF2-40B4-BE49-F238E27FC236}">
-                <a16:creationId xmlns:a16="http://schemas.microsoft.com/office/drawing/2014/main" id="{44A78FCB-EC35-4A77-AF51-066C5C5560D7}"/>
-              </a:ext>
-            </a:extLst>
-          </p:cNvPr>
-          <p:cNvGrpSpPr/>
-          <p:nvPr/>
-        </p:nvGrpSpPr>
-        <p:grpSpPr>
-          <a:xfrm>
-            <a:off x="352211" y="1770341"/>
-            <a:ext cx="1024639" cy="992195"/>
-            <a:chOff x="566520" y="1854137"/>
-            <a:chExt cx="1024639" cy="992195"/>
-          </a:xfrm>
-        </p:grpSpPr>
-        <p:sp>
-          <p:nvSpPr>
-            <p:cNvPr id="17" name="Flowchart: Connector 16">
-              <a:extLst>
-                <a:ext uri="{FF2B5EF4-FFF2-40B4-BE49-F238E27FC236}">
-                  <a16:creationId xmlns:a16="http://schemas.microsoft.com/office/drawing/2014/main" id="{592FAFBD-9B7D-4673-BC4C-1C6BAB8B7096}"/>
-                </a:ext>
-              </a:extLst>
-            </p:cNvPr>
-            <p:cNvSpPr/>
-            <p:nvPr/>
-          </p:nvSpPr>
-          <p:spPr>
-            <a:xfrm>
-              <a:off x="566520" y="1854137"/>
-              <a:ext cx="504000" cy="504000"/>
-            </a:xfrm>
-            <a:prstGeom prst="flowChartConnector">
-              <a:avLst/>
-            </a:prstGeom>
-            <a:solidFill>
-              <a:schemeClr val="bg1"/>
-            </a:solidFill>
-            <a:ln>
-              <a:noFill/>
-            </a:ln>
-          </p:spPr>
-          <p:style>
-            <a:lnRef idx="2">
-              <a:schemeClr val="accent1">
-                <a:shade val="50000"/>
-              </a:schemeClr>
-            </a:lnRef>
-            <a:fillRef idx="1">
-              <a:schemeClr val="accent1"/>
-            </a:fillRef>
-            <a:effectRef idx="0">
-              <a:schemeClr val="accent1"/>
-            </a:effectRef>
-            <a:fontRef idx="minor">
-              <a:schemeClr val="lt1"/>
-            </a:fontRef>
-          </p:style>
-          <p:txBody>
-            <a:bodyPr rtlCol="0" anchor="ctr"/>
-            <a:lstStyle/>
-            <a:p>
-              <a:pPr algn="ctr"/>
-              <a:endParaRPr lang="en-ID" dirty="0"/>
-            </a:p>
-          </p:txBody>
-        </p:sp>
-        <p:sp>
-          <p:nvSpPr>
-            <p:cNvPr id="16" name="Flowchart: Connector 15">
-              <a:extLst>
-                <a:ext uri="{FF2B5EF4-FFF2-40B4-BE49-F238E27FC236}">
-                  <a16:creationId xmlns:a16="http://schemas.microsoft.com/office/drawing/2014/main" id="{68342A15-6894-4361-A472-D40DAAB91F1E}"/>
-                </a:ext>
-              </a:extLst>
-            </p:cNvPr>
-            <p:cNvSpPr/>
-            <p:nvPr/>
-          </p:nvSpPr>
-          <p:spPr>
-            <a:xfrm>
-              <a:off x="1087159" y="1854137"/>
-              <a:ext cx="504000" cy="504000"/>
-            </a:xfrm>
-            <a:prstGeom prst="flowChartConnector">
-              <a:avLst/>
-            </a:prstGeom>
-            <a:solidFill>
-              <a:schemeClr val="bg1"/>
-            </a:solidFill>
-            <a:ln>
-              <a:noFill/>
-            </a:ln>
-          </p:spPr>
-          <p:style>
-            <a:lnRef idx="2">
-              <a:schemeClr val="accent1">
-                <a:shade val="50000"/>
-              </a:schemeClr>
-            </a:lnRef>
-            <a:fillRef idx="1">
-              <a:schemeClr val="accent1"/>
-            </a:fillRef>
-            <a:effectRef idx="0">
-              <a:schemeClr val="accent1"/>
-            </a:effectRef>
-            <a:fontRef idx="minor">
-              <a:schemeClr val="lt1"/>
-            </a:fontRef>
-          </p:style>
-          <p:txBody>
-            <a:bodyPr rtlCol="0" anchor="ctr"/>
-            <a:lstStyle/>
-            <a:p>
-              <a:pPr algn="ctr"/>
-              <a:endParaRPr lang="en-ID" dirty="0"/>
-            </a:p>
-          </p:txBody>
-        </p:sp>
-        <p:sp>
-          <p:nvSpPr>
-            <p:cNvPr id="11" name="Flowchart: Connector 10">
-              <a:extLst>
-                <a:ext uri="{FF2B5EF4-FFF2-40B4-BE49-F238E27FC236}">
-                  <a16:creationId xmlns:a16="http://schemas.microsoft.com/office/drawing/2014/main" id="{D759A25E-BBF7-4E5D-9983-C0795EF42856}"/>
-                </a:ext>
-              </a:extLst>
-            </p:cNvPr>
-            <p:cNvSpPr/>
-            <p:nvPr/>
-          </p:nvSpPr>
-          <p:spPr>
-            <a:xfrm>
-              <a:off x="664516" y="1982332"/>
-              <a:ext cx="864000" cy="864000"/>
-            </a:xfrm>
-            <a:prstGeom prst="flowChartConnector">
-              <a:avLst/>
-            </a:prstGeom>
-            <a:solidFill>
-              <a:srgbClr val="D8CFD0"/>
-            </a:solidFill>
-            <a:ln>
-              <a:noFill/>
-            </a:ln>
-          </p:spPr>
-          <p:style>
-            <a:lnRef idx="2">
-              <a:schemeClr val="accent1">
-                <a:shade val="50000"/>
-              </a:schemeClr>
-            </a:lnRef>
-            <a:fillRef idx="1">
-              <a:schemeClr val="accent1"/>
-            </a:fillRef>
-            <a:effectRef idx="0">
-              <a:schemeClr val="accent1"/>
-            </a:effectRef>
-            <a:fontRef idx="minor">
-              <a:schemeClr val="lt1"/>
-            </a:fontRef>
-          </p:style>
-          <p:txBody>
-            <a:bodyPr rtlCol="0" anchor="ctr"/>
-            <a:lstStyle/>
-            <a:p>
-              <a:pPr algn="ctr"/>
-              <a:endParaRPr lang="en-ID" dirty="0"/>
-            </a:p>
-          </p:txBody>
-        </p:sp>
-      </p:grpSp>
-      <p:grpSp>
-        <p:nvGrpSpPr>
-          <p:cNvPr id="19" name="Group 18">
-            <a:extLst>
-              <a:ext uri="{FF2B5EF4-FFF2-40B4-BE49-F238E27FC236}">
-                <a16:creationId xmlns:a16="http://schemas.microsoft.com/office/drawing/2014/main" id="{D7A2E7D9-338B-41EE-A1D2-E6DD580C1C39}"/>
-              </a:ext>
-            </a:extLst>
-          </p:cNvPr>
-          <p:cNvGrpSpPr/>
-          <p:nvPr/>
-        </p:nvGrpSpPr>
-        <p:grpSpPr>
-          <a:xfrm>
-            <a:off x="1579622" y="1770341"/>
-            <a:ext cx="1024639" cy="992195"/>
-            <a:chOff x="566520" y="1854137"/>
-            <a:chExt cx="1024639" cy="992195"/>
-          </a:xfrm>
-        </p:grpSpPr>
-        <p:sp>
-          <p:nvSpPr>
-            <p:cNvPr id="20" name="Flowchart: Connector 19">
-              <a:extLst>
-                <a:ext uri="{FF2B5EF4-FFF2-40B4-BE49-F238E27FC236}">
-                  <a16:creationId xmlns:a16="http://schemas.microsoft.com/office/drawing/2014/main" id="{902DAD7E-660E-4B2E-BAA1-951240C6FC5C}"/>
-                </a:ext>
-              </a:extLst>
-            </p:cNvPr>
-            <p:cNvSpPr/>
-            <p:nvPr/>
-          </p:nvSpPr>
-          <p:spPr>
-            <a:xfrm>
-              <a:off x="566520" y="1854137"/>
-              <a:ext cx="504000" cy="504000"/>
-            </a:xfrm>
-            <a:prstGeom prst="flowChartConnector">
-              <a:avLst/>
-            </a:prstGeom>
-            <a:solidFill>
-              <a:schemeClr val="bg1"/>
-            </a:solidFill>
-            <a:ln>
-              <a:noFill/>
-            </a:ln>
-          </p:spPr>
-          <p:style>
-            <a:lnRef idx="2">
-              <a:schemeClr val="accent1">
-                <a:shade val="50000"/>
-              </a:schemeClr>
-            </a:lnRef>
-            <a:fillRef idx="1">
-              <a:schemeClr val="accent1"/>
-            </a:fillRef>
-            <a:effectRef idx="0">
-              <a:schemeClr val="accent1"/>
-            </a:effectRef>
-            <a:fontRef idx="minor">
-              <a:schemeClr val="lt1"/>
-            </a:fontRef>
-          </p:style>
-          <p:txBody>
-            <a:bodyPr rtlCol="0" anchor="ctr"/>
-            <a:lstStyle/>
-            <a:p>
-              <a:pPr algn="ctr"/>
-              <a:endParaRPr lang="en-ID" dirty="0"/>
-            </a:p>
-          </p:txBody>
-        </p:sp>
-        <p:sp>
-          <p:nvSpPr>
-            <p:cNvPr id="21" name="Flowchart: Connector 20">
-              <a:extLst>
-                <a:ext uri="{FF2B5EF4-FFF2-40B4-BE49-F238E27FC236}">
-                  <a16:creationId xmlns:a16="http://schemas.microsoft.com/office/drawing/2014/main" id="{6A25F5BA-A842-4891-AF67-D9BC5B1348DA}"/>
-                </a:ext>
-              </a:extLst>
-            </p:cNvPr>
-            <p:cNvSpPr/>
-            <p:nvPr/>
-          </p:nvSpPr>
-          <p:spPr>
-            <a:xfrm>
-              <a:off x="1087159" y="1854137"/>
-              <a:ext cx="504000" cy="504000"/>
-            </a:xfrm>
-            <a:prstGeom prst="flowChartConnector">
-              <a:avLst/>
-            </a:prstGeom>
-            <a:solidFill>
-              <a:schemeClr val="bg1"/>
-            </a:solidFill>
-            <a:ln>
-              <a:noFill/>
-            </a:ln>
-          </p:spPr>
-          <p:style>
-            <a:lnRef idx="2">
-              <a:schemeClr val="accent1">
-                <a:shade val="50000"/>
-              </a:schemeClr>
-            </a:lnRef>
-            <a:fillRef idx="1">
-              <a:schemeClr val="accent1"/>
-            </a:fillRef>
-            <a:effectRef idx="0">
-              <a:schemeClr val="accent1"/>
-            </a:effectRef>
-            <a:fontRef idx="minor">
-              <a:schemeClr val="lt1"/>
-            </a:fontRef>
-          </p:style>
-          <p:txBody>
-            <a:bodyPr rtlCol="0" anchor="ctr"/>
-            <a:lstStyle/>
-            <a:p>
-              <a:pPr algn="ctr"/>
-              <a:endParaRPr lang="en-ID" dirty="0"/>
-            </a:p>
-          </p:txBody>
-        </p:sp>
-        <p:sp>
-          <p:nvSpPr>
-            <p:cNvPr id="22" name="Flowchart: Connector 21">
-              <a:extLst>
-                <a:ext uri="{FF2B5EF4-FFF2-40B4-BE49-F238E27FC236}">
-                  <a16:creationId xmlns:a16="http://schemas.microsoft.com/office/drawing/2014/main" id="{2E0C8A56-8054-4DEE-8FAD-8C6B969F5F01}"/>
-                </a:ext>
-              </a:extLst>
-            </p:cNvPr>
-            <p:cNvSpPr/>
-            <p:nvPr/>
-          </p:nvSpPr>
-          <p:spPr>
-            <a:xfrm>
-              <a:off x="664516" y="1982332"/>
-              <a:ext cx="864000" cy="864000"/>
-            </a:xfrm>
-            <a:prstGeom prst="flowChartConnector">
-              <a:avLst/>
-            </a:prstGeom>
-            <a:solidFill>
-              <a:srgbClr val="D8CFD0"/>
-            </a:solidFill>
-            <a:ln>
-              <a:noFill/>
-            </a:ln>
-          </p:spPr>
-          <p:style>
-            <a:lnRef idx="2">
-              <a:schemeClr val="accent1">
-                <a:shade val="50000"/>
-              </a:schemeClr>
-            </a:lnRef>
-            <a:fillRef idx="1">
-              <a:schemeClr val="accent1"/>
-            </a:fillRef>
-            <a:effectRef idx="0">
-              <a:schemeClr val="accent1"/>
-            </a:effectRef>
-            <a:fontRef idx="minor">
-              <a:schemeClr val="lt1"/>
-            </a:fontRef>
-          </p:style>
-          <p:txBody>
-            <a:bodyPr rtlCol="0" anchor="ctr"/>
-            <a:lstStyle/>
-            <a:p>
-              <a:pPr algn="ctr"/>
-              <a:endParaRPr lang="en-ID" dirty="0"/>
-            </a:p>
-          </p:txBody>
-        </p:sp>
-      </p:grpSp>
-      <p:grpSp>
-        <p:nvGrpSpPr>
-          <p:cNvPr id="23" name="Group 22">
-            <a:extLst>
-              <a:ext uri="{FF2B5EF4-FFF2-40B4-BE49-F238E27FC236}">
-                <a16:creationId xmlns:a16="http://schemas.microsoft.com/office/drawing/2014/main" id="{208D9E73-70CE-45A7-82DA-1DDAA71AF95F}"/>
-              </a:ext>
-            </a:extLst>
-          </p:cNvPr>
-          <p:cNvGrpSpPr/>
-          <p:nvPr/>
-        </p:nvGrpSpPr>
-        <p:grpSpPr>
-          <a:xfrm>
-            <a:off x="2837190" y="1744009"/>
-            <a:ext cx="1024639" cy="992195"/>
-            <a:chOff x="566520" y="1854137"/>
-            <a:chExt cx="1024639" cy="992195"/>
-          </a:xfrm>
-        </p:grpSpPr>
-        <p:sp>
-          <p:nvSpPr>
-            <p:cNvPr id="24" name="Flowchart: Connector 23">
-              <a:extLst>
-                <a:ext uri="{FF2B5EF4-FFF2-40B4-BE49-F238E27FC236}">
-                  <a16:creationId xmlns:a16="http://schemas.microsoft.com/office/drawing/2014/main" id="{F07D2B62-820F-4770-88BD-D34C9307280D}"/>
-                </a:ext>
-              </a:extLst>
-            </p:cNvPr>
-            <p:cNvSpPr/>
-            <p:nvPr/>
-          </p:nvSpPr>
-          <p:spPr>
-            <a:xfrm>
-              <a:off x="566520" y="1854137"/>
-              <a:ext cx="504000" cy="504000"/>
-            </a:xfrm>
-            <a:prstGeom prst="flowChartConnector">
-              <a:avLst/>
-            </a:prstGeom>
-            <a:solidFill>
-              <a:schemeClr val="bg1"/>
-            </a:solidFill>
-            <a:ln>
-              <a:noFill/>
-            </a:ln>
-          </p:spPr>
-          <p:style>
-            <a:lnRef idx="2">
-              <a:schemeClr val="accent1">
-                <a:shade val="50000"/>
-              </a:schemeClr>
-            </a:lnRef>
-            <a:fillRef idx="1">
-              <a:schemeClr val="accent1"/>
-            </a:fillRef>
-            <a:effectRef idx="0">
-              <a:schemeClr val="accent1"/>
-            </a:effectRef>
-            <a:fontRef idx="minor">
-              <a:schemeClr val="lt1"/>
-            </a:fontRef>
-          </p:style>
-          <p:txBody>
-            <a:bodyPr rtlCol="0" anchor="ctr"/>
-            <a:lstStyle/>
-            <a:p>
-              <a:pPr algn="ctr"/>
-              <a:endParaRPr lang="en-ID" dirty="0"/>
-            </a:p>
-          </p:txBody>
-        </p:sp>
-        <p:sp>
-          <p:nvSpPr>
-            <p:cNvPr id="25" name="Flowchart: Connector 24">
-              <a:extLst>
-                <a:ext uri="{FF2B5EF4-FFF2-40B4-BE49-F238E27FC236}">
-                  <a16:creationId xmlns:a16="http://schemas.microsoft.com/office/drawing/2014/main" id="{9F9F9ED8-5ADC-4086-B56C-952F96455350}"/>
-                </a:ext>
-              </a:extLst>
-            </p:cNvPr>
-            <p:cNvSpPr/>
-            <p:nvPr/>
-          </p:nvSpPr>
-          <p:spPr>
-            <a:xfrm>
-              <a:off x="1087159" y="1854137"/>
-              <a:ext cx="504000" cy="504000"/>
-            </a:xfrm>
-            <a:prstGeom prst="flowChartConnector">
-              <a:avLst/>
-            </a:prstGeom>
-            <a:solidFill>
-              <a:schemeClr val="bg1"/>
-            </a:solidFill>
-            <a:ln>
-              <a:noFill/>
-            </a:ln>
-          </p:spPr>
-          <p:style>
-            <a:lnRef idx="2">
-              <a:schemeClr val="accent1">
-                <a:shade val="50000"/>
-              </a:schemeClr>
-            </a:lnRef>
-            <a:fillRef idx="1">
-              <a:schemeClr val="accent1"/>
-            </a:fillRef>
-            <a:effectRef idx="0">
-              <a:schemeClr val="accent1"/>
-            </a:effectRef>
-            <a:fontRef idx="minor">
-              <a:schemeClr val="lt1"/>
-            </a:fontRef>
-          </p:style>
-          <p:txBody>
-            <a:bodyPr rtlCol="0" anchor="ctr"/>
-            <a:lstStyle/>
-            <a:p>
-              <a:pPr algn="ctr"/>
-              <a:endParaRPr lang="en-ID" dirty="0"/>
-            </a:p>
-          </p:txBody>
-        </p:sp>
-        <p:sp>
-          <p:nvSpPr>
-            <p:cNvPr id="26" name="Flowchart: Connector 25">
-              <a:extLst>
-                <a:ext uri="{FF2B5EF4-FFF2-40B4-BE49-F238E27FC236}">
-                  <a16:creationId xmlns:a16="http://schemas.microsoft.com/office/drawing/2014/main" id="{0364022E-CB0B-49AC-8258-8236CCAFC49C}"/>
-                </a:ext>
-              </a:extLst>
-            </p:cNvPr>
-            <p:cNvSpPr/>
-            <p:nvPr/>
-          </p:nvSpPr>
-          <p:spPr>
-            <a:xfrm>
-              <a:off x="664516" y="1982332"/>
-              <a:ext cx="864000" cy="864000"/>
-            </a:xfrm>
-            <a:prstGeom prst="flowChartConnector">
-              <a:avLst/>
-            </a:prstGeom>
-            <a:solidFill>
-              <a:srgbClr val="D8CFD0"/>
-            </a:solidFill>
-            <a:ln>
-              <a:noFill/>
-            </a:ln>
-          </p:spPr>
-          <p:style>
-            <a:lnRef idx="2">
-              <a:schemeClr val="accent1">
-                <a:shade val="50000"/>
-              </a:schemeClr>
-            </a:lnRef>
-            <a:fillRef idx="1">
-              <a:schemeClr val="accent1"/>
-            </a:fillRef>
-            <a:effectRef idx="0">
-              <a:schemeClr val="accent1"/>
-            </a:effectRef>
-            <a:fontRef idx="minor">
-              <a:schemeClr val="lt1"/>
-            </a:fontRef>
-          </p:style>
-          <p:txBody>
-            <a:bodyPr rtlCol="0" anchor="ctr"/>
-            <a:lstStyle/>
-            <a:p>
-              <a:pPr algn="ctr"/>
-              <a:endParaRPr lang="en-ID" dirty="0"/>
-            </a:p>
-          </p:txBody>
-        </p:sp>
-      </p:grpSp>
-      <p:grpSp>
-        <p:nvGrpSpPr>
-          <p:cNvPr id="27" name="Group 26">
-            <a:extLst>
-              <a:ext uri="{FF2B5EF4-FFF2-40B4-BE49-F238E27FC236}">
-                <a16:creationId xmlns:a16="http://schemas.microsoft.com/office/drawing/2014/main" id="{48CFBEFB-8B05-4959-AA2E-AC9E62E3090E}"/>
-              </a:ext>
-            </a:extLst>
-          </p:cNvPr>
-          <p:cNvGrpSpPr/>
-          <p:nvPr/>
-        </p:nvGrpSpPr>
-        <p:grpSpPr>
-          <a:xfrm>
-            <a:off x="4170074" y="1732350"/>
-            <a:ext cx="1024639" cy="992195"/>
-            <a:chOff x="566520" y="1854137"/>
-            <a:chExt cx="1024639" cy="992195"/>
-          </a:xfrm>
-        </p:grpSpPr>
-        <p:sp>
-          <p:nvSpPr>
-            <p:cNvPr id="28" name="Flowchart: Connector 27">
-              <a:extLst>
-                <a:ext uri="{FF2B5EF4-FFF2-40B4-BE49-F238E27FC236}">
-                  <a16:creationId xmlns:a16="http://schemas.microsoft.com/office/drawing/2014/main" id="{5CB34281-0180-4E27-B660-A30FAD187525}"/>
-                </a:ext>
-              </a:extLst>
-            </p:cNvPr>
-            <p:cNvSpPr/>
-            <p:nvPr/>
-          </p:nvSpPr>
-          <p:spPr>
-            <a:xfrm>
-              <a:off x="566520" y="1854137"/>
-              <a:ext cx="504000" cy="504000"/>
-            </a:xfrm>
-            <a:prstGeom prst="flowChartConnector">
-              <a:avLst/>
-            </a:prstGeom>
-            <a:solidFill>
-              <a:schemeClr val="bg1"/>
-            </a:solidFill>
-            <a:ln>
-              <a:noFill/>
-            </a:ln>
-          </p:spPr>
-          <p:style>
-            <a:lnRef idx="2">
-              <a:schemeClr val="accent1">
-                <a:shade val="50000"/>
-              </a:schemeClr>
-            </a:lnRef>
-            <a:fillRef idx="1">
-              <a:schemeClr val="accent1"/>
-            </a:fillRef>
-            <a:effectRef idx="0">
-              <a:schemeClr val="accent1"/>
-            </a:effectRef>
-            <a:fontRef idx="minor">
-              <a:schemeClr val="lt1"/>
-            </a:fontRef>
-          </p:style>
-          <p:txBody>
-            <a:bodyPr rtlCol="0" anchor="ctr"/>
-            <a:lstStyle/>
-            <a:p>
-              <a:pPr algn="ctr"/>
-              <a:endParaRPr lang="en-ID" dirty="0"/>
-            </a:p>
-          </p:txBody>
-        </p:sp>
-        <p:sp>
-          <p:nvSpPr>
-            <p:cNvPr id="29" name="Flowchart: Connector 28">
-              <a:extLst>
-                <a:ext uri="{FF2B5EF4-FFF2-40B4-BE49-F238E27FC236}">
-                  <a16:creationId xmlns:a16="http://schemas.microsoft.com/office/drawing/2014/main" id="{F4F17BB0-B918-4E1D-9DB9-01E6D3A1F21B}"/>
-                </a:ext>
-              </a:extLst>
-            </p:cNvPr>
-            <p:cNvSpPr/>
-            <p:nvPr/>
-          </p:nvSpPr>
-          <p:spPr>
-            <a:xfrm>
-              <a:off x="1087159" y="1854137"/>
-              <a:ext cx="504000" cy="504000"/>
-            </a:xfrm>
-            <a:prstGeom prst="flowChartConnector">
-              <a:avLst/>
-            </a:prstGeom>
-            <a:solidFill>
-              <a:schemeClr val="bg1"/>
-            </a:solidFill>
-            <a:ln>
-              <a:noFill/>
-            </a:ln>
-          </p:spPr>
-          <p:style>
-            <a:lnRef idx="2">
-              <a:schemeClr val="accent1">
-                <a:shade val="50000"/>
-              </a:schemeClr>
-            </a:lnRef>
-            <a:fillRef idx="1">
-              <a:schemeClr val="accent1"/>
-            </a:fillRef>
-            <a:effectRef idx="0">
-              <a:schemeClr val="accent1"/>
-            </a:effectRef>
-            <a:fontRef idx="minor">
-              <a:schemeClr val="lt1"/>
-            </a:fontRef>
-          </p:style>
-          <p:txBody>
-            <a:bodyPr rtlCol="0" anchor="ctr"/>
-            <a:lstStyle/>
-            <a:p>
-              <a:pPr algn="ctr"/>
-              <a:endParaRPr lang="en-ID" dirty="0"/>
-            </a:p>
-          </p:txBody>
-        </p:sp>
-        <p:sp>
-          <p:nvSpPr>
-            <p:cNvPr id="30" name="Flowchart: Connector 29">
-              <a:extLst>
-                <a:ext uri="{FF2B5EF4-FFF2-40B4-BE49-F238E27FC236}">
-                  <a16:creationId xmlns:a16="http://schemas.microsoft.com/office/drawing/2014/main" id="{7518A7F7-D6C6-4020-931B-10D2AAEA1D29}"/>
-                </a:ext>
-              </a:extLst>
-            </p:cNvPr>
-            <p:cNvSpPr/>
-            <p:nvPr/>
-          </p:nvSpPr>
-          <p:spPr>
-            <a:xfrm>
-              <a:off x="664516" y="1982332"/>
-              <a:ext cx="864000" cy="864000"/>
-            </a:xfrm>
-            <a:prstGeom prst="flowChartConnector">
-              <a:avLst/>
-            </a:prstGeom>
-            <a:solidFill>
-              <a:srgbClr val="D8CFD0"/>
-            </a:solidFill>
-            <a:ln>
-              <a:noFill/>
-            </a:ln>
-          </p:spPr>
-          <p:style>
-            <a:lnRef idx="2">
-              <a:schemeClr val="accent1">
-                <a:shade val="50000"/>
-              </a:schemeClr>
-            </a:lnRef>
-            <a:fillRef idx="1">
-              <a:schemeClr val="accent1"/>
-            </a:fillRef>
-            <a:effectRef idx="0">
-              <a:schemeClr val="accent1"/>
-            </a:effectRef>
-            <a:fontRef idx="minor">
-              <a:schemeClr val="lt1"/>
-            </a:fontRef>
-          </p:style>
-          <p:txBody>
-            <a:bodyPr rtlCol="0" anchor="ctr"/>
-            <a:lstStyle/>
-            <a:p>
-              <a:pPr algn="ctr"/>
-              <a:endParaRPr lang="en-ID" dirty="0"/>
-            </a:p>
-          </p:txBody>
-        </p:sp>
-      </p:grpSp>
-      <p:grpSp>
-        <p:nvGrpSpPr>
-          <p:cNvPr id="31" name="Group 30">
-            <a:extLst>
-              <a:ext uri="{FF2B5EF4-FFF2-40B4-BE49-F238E27FC236}">
-                <a16:creationId xmlns:a16="http://schemas.microsoft.com/office/drawing/2014/main" id="{547C776C-34C7-4A67-86BE-91CAEEA8E229}"/>
-              </a:ext>
-            </a:extLst>
-          </p:cNvPr>
-          <p:cNvGrpSpPr/>
-          <p:nvPr/>
-        </p:nvGrpSpPr>
-        <p:grpSpPr>
-          <a:xfrm>
-            <a:off x="5472830" y="1732350"/>
-            <a:ext cx="1024639" cy="992195"/>
-            <a:chOff x="566520" y="1854137"/>
-            <a:chExt cx="1024639" cy="992195"/>
-          </a:xfrm>
-        </p:grpSpPr>
-        <p:sp>
-          <p:nvSpPr>
-            <p:cNvPr id="32" name="Flowchart: Connector 31">
-              <a:extLst>
-                <a:ext uri="{FF2B5EF4-FFF2-40B4-BE49-F238E27FC236}">
-                  <a16:creationId xmlns:a16="http://schemas.microsoft.com/office/drawing/2014/main" id="{02F80699-98AB-43CE-A69A-271515D34899}"/>
-                </a:ext>
-              </a:extLst>
-            </p:cNvPr>
-            <p:cNvSpPr/>
-            <p:nvPr/>
-          </p:nvSpPr>
-          <p:spPr>
-            <a:xfrm>
-              <a:off x="566520" y="1854137"/>
-              <a:ext cx="504000" cy="504000"/>
-            </a:xfrm>
-            <a:prstGeom prst="flowChartConnector">
-              <a:avLst/>
-            </a:prstGeom>
-            <a:solidFill>
-              <a:schemeClr val="bg1"/>
-            </a:solidFill>
-            <a:ln>
-              <a:noFill/>
-            </a:ln>
-          </p:spPr>
-          <p:style>
-            <a:lnRef idx="2">
-              <a:schemeClr val="accent1">
-                <a:shade val="50000"/>
-              </a:schemeClr>
-            </a:lnRef>
-            <a:fillRef idx="1">
-              <a:schemeClr val="accent1"/>
-            </a:fillRef>
-            <a:effectRef idx="0">
-              <a:schemeClr val="accent1"/>
-            </a:effectRef>
-            <a:fontRef idx="minor">
-              <a:schemeClr val="lt1"/>
-            </a:fontRef>
-          </p:style>
-          <p:txBody>
-            <a:bodyPr rtlCol="0" anchor="ctr"/>
-            <a:lstStyle/>
-            <a:p>
-              <a:pPr algn="ctr"/>
-              <a:endParaRPr lang="en-ID" dirty="0"/>
-            </a:p>
-          </p:txBody>
-        </p:sp>
-        <p:sp>
-          <p:nvSpPr>
-            <p:cNvPr id="33" name="Flowchart: Connector 32">
-              <a:extLst>
-                <a:ext uri="{FF2B5EF4-FFF2-40B4-BE49-F238E27FC236}">
-                  <a16:creationId xmlns:a16="http://schemas.microsoft.com/office/drawing/2014/main" id="{6B4A8837-2B16-422E-AC24-888D00C9E00A}"/>
-                </a:ext>
-              </a:extLst>
-            </p:cNvPr>
-            <p:cNvSpPr/>
-            <p:nvPr/>
-          </p:nvSpPr>
-          <p:spPr>
-            <a:xfrm>
-              <a:off x="1087159" y="1854137"/>
-              <a:ext cx="504000" cy="504000"/>
-            </a:xfrm>
-            <a:prstGeom prst="flowChartConnector">
-              <a:avLst/>
-            </a:prstGeom>
-            <a:solidFill>
-              <a:schemeClr val="bg1"/>
-            </a:solidFill>
-            <a:ln>
-              <a:noFill/>
-            </a:ln>
-          </p:spPr>
-          <p:style>
-            <a:lnRef idx="2">
-              <a:schemeClr val="accent1">
-                <a:shade val="50000"/>
-              </a:schemeClr>
-            </a:lnRef>
-            <a:fillRef idx="1">
-              <a:schemeClr val="accent1"/>
-            </a:fillRef>
-            <a:effectRef idx="0">
-              <a:schemeClr val="accent1"/>
-            </a:effectRef>
-            <a:fontRef idx="minor">
-              <a:schemeClr val="lt1"/>
-            </a:fontRef>
-          </p:style>
-          <p:txBody>
-            <a:bodyPr rtlCol="0" anchor="ctr"/>
-            <a:lstStyle/>
-            <a:p>
-              <a:pPr algn="ctr"/>
-              <a:endParaRPr lang="en-ID" dirty="0"/>
-            </a:p>
-          </p:txBody>
-        </p:sp>
-        <p:sp>
-          <p:nvSpPr>
-            <p:cNvPr id="34" name="Flowchart: Connector 33">
-              <a:extLst>
-                <a:ext uri="{FF2B5EF4-FFF2-40B4-BE49-F238E27FC236}">
-                  <a16:creationId xmlns:a16="http://schemas.microsoft.com/office/drawing/2014/main" id="{AD07C3C0-9146-44DA-AF2F-2D57BC95EC78}"/>
-                </a:ext>
-              </a:extLst>
-            </p:cNvPr>
-            <p:cNvSpPr/>
-            <p:nvPr/>
-          </p:nvSpPr>
-          <p:spPr>
-            <a:xfrm>
-              <a:off x="664516" y="1982332"/>
-              <a:ext cx="864000" cy="864000"/>
-            </a:xfrm>
-            <a:prstGeom prst="flowChartConnector">
-              <a:avLst/>
-            </a:prstGeom>
-            <a:solidFill>
-              <a:srgbClr val="D8CFD0"/>
-            </a:solidFill>
-            <a:ln>
-              <a:noFill/>
-            </a:ln>
-          </p:spPr>
-          <p:style>
-            <a:lnRef idx="2">
-              <a:schemeClr val="accent1">
-                <a:shade val="50000"/>
-              </a:schemeClr>
-            </a:lnRef>
-            <a:fillRef idx="1">
-              <a:schemeClr val="accent1"/>
-            </a:fillRef>
-            <a:effectRef idx="0">
-              <a:schemeClr val="accent1"/>
-            </a:effectRef>
-            <a:fontRef idx="minor">
-              <a:schemeClr val="lt1"/>
-            </a:fontRef>
-          </p:style>
-          <p:txBody>
-            <a:bodyPr rtlCol="0" anchor="ctr"/>
-            <a:lstStyle/>
-            <a:p>
-              <a:pPr algn="ctr"/>
-              <a:endParaRPr lang="en-ID" dirty="0"/>
-            </a:p>
-          </p:txBody>
-        </p:sp>
-      </p:grpSp>
-      <p:sp>
-        <p:nvSpPr>
-          <p:cNvPr id="35" name="TextBox 34">
-            <a:extLst>
-              <a:ext uri="{FF2B5EF4-FFF2-40B4-BE49-F238E27FC236}">
-                <a16:creationId xmlns:a16="http://schemas.microsoft.com/office/drawing/2014/main" id="{AFBDA5F3-9361-4263-8F00-52A467F23A7F}"/>
-              </a:ext>
-            </a:extLst>
-          </p:cNvPr>
-          <p:cNvSpPr txBox="1"/>
-          <p:nvPr/>
-        </p:nvSpPr>
-        <p:spPr>
-          <a:xfrm>
-            <a:off x="354403" y="2087551"/>
-            <a:ext cx="1043514" cy="430887"/>
-          </a:xfrm>
-          <a:prstGeom prst="rect">
-            <a:avLst/>
-          </a:prstGeom>
-          <a:noFill/>
-        </p:spPr>
-        <p:txBody>
-          <a:bodyPr wrap="square" rtlCol="0">
-            <a:spAutoFit/>
-          </a:bodyPr>
-          <a:lstStyle/>
-          <a:p>
-            <a:pPr algn="ctr"/>
-            <a:r>
-              <a:rPr lang="en-US" sz="1100" dirty="0"/>
-              <a:t>Sentiment</a:t>
-            </a:r>
-          </a:p>
-          <a:p>
-            <a:pPr algn="ctr"/>
-            <a:r>
-              <a:rPr lang="en-US" sz="1100" dirty="0"/>
-              <a:t>Analysis</a:t>
-            </a:r>
-            <a:endParaRPr lang="en-ID" sz="1100" dirty="0"/>
-          </a:p>
-        </p:txBody>
-      </p:sp>
-      <p:sp>
-        <p:nvSpPr>
-          <p:cNvPr id="36" name="TextBox 35">
-            <a:extLst>
-              <a:ext uri="{FF2B5EF4-FFF2-40B4-BE49-F238E27FC236}">
-                <a16:creationId xmlns:a16="http://schemas.microsoft.com/office/drawing/2014/main" id="{E8BFA909-F32D-46FC-899F-A20156CB783B}"/>
-              </a:ext>
-            </a:extLst>
-          </p:cNvPr>
-          <p:cNvSpPr txBox="1"/>
-          <p:nvPr/>
-        </p:nvSpPr>
-        <p:spPr>
-          <a:xfrm>
-            <a:off x="1579622" y="2087551"/>
-            <a:ext cx="1043514" cy="430887"/>
-          </a:xfrm>
-          <a:prstGeom prst="rect">
-            <a:avLst/>
-          </a:prstGeom>
-          <a:noFill/>
-        </p:spPr>
-        <p:txBody>
-          <a:bodyPr wrap="square" rtlCol="0">
-            <a:spAutoFit/>
-          </a:bodyPr>
-          <a:lstStyle/>
-          <a:p>
-            <a:pPr algn="ctr"/>
-            <a:r>
-              <a:rPr lang="en-US" sz="1100" dirty="0"/>
-              <a:t>Machine</a:t>
-            </a:r>
-          </a:p>
-          <a:p>
-            <a:pPr algn="ctr"/>
-            <a:r>
-              <a:rPr lang="en-US" sz="1100" dirty="0"/>
-              <a:t>Learning</a:t>
-            </a:r>
-            <a:endParaRPr lang="en-ID" sz="1100" dirty="0"/>
-          </a:p>
-        </p:txBody>
-      </p:sp>
-      <p:sp>
-        <p:nvSpPr>
-          <p:cNvPr id="37" name="TextBox 36">
-            <a:extLst>
-              <a:ext uri="{FF2B5EF4-FFF2-40B4-BE49-F238E27FC236}">
-                <a16:creationId xmlns:a16="http://schemas.microsoft.com/office/drawing/2014/main" id="{A35F000E-E35D-47D7-BFA1-3AFFD4B10937}"/>
-              </a:ext>
-            </a:extLst>
-          </p:cNvPr>
-          <p:cNvSpPr txBox="1"/>
-          <p:nvPr/>
-        </p:nvSpPr>
-        <p:spPr>
-          <a:xfrm>
-            <a:off x="2836072" y="2070553"/>
-            <a:ext cx="1043514" cy="430887"/>
-          </a:xfrm>
-          <a:prstGeom prst="rect">
-            <a:avLst/>
-          </a:prstGeom>
-          <a:noFill/>
-        </p:spPr>
-        <p:txBody>
-          <a:bodyPr wrap="square" rtlCol="0">
-            <a:spAutoFit/>
-          </a:bodyPr>
-          <a:lstStyle/>
-          <a:p>
-            <a:pPr algn="ctr"/>
-            <a:r>
-              <a:rPr lang="en-US" sz="1100" dirty="0"/>
-              <a:t>Predicting</a:t>
-            </a:r>
-          </a:p>
-          <a:p>
-            <a:pPr algn="ctr"/>
-            <a:r>
-              <a:rPr lang="en-US" sz="1100" dirty="0"/>
-              <a:t>Democracy</a:t>
-            </a:r>
-            <a:endParaRPr lang="en-ID" sz="1100" dirty="0"/>
-          </a:p>
-        </p:txBody>
-      </p:sp>
-      <p:sp>
-        <p:nvSpPr>
-          <p:cNvPr id="38" name="TextBox 37">
-            <a:extLst>
-              <a:ext uri="{FF2B5EF4-FFF2-40B4-BE49-F238E27FC236}">
-                <a16:creationId xmlns:a16="http://schemas.microsoft.com/office/drawing/2014/main" id="{B7F0275C-B516-49A1-BCAB-AF19088D0632}"/>
-              </a:ext>
-            </a:extLst>
-          </p:cNvPr>
-          <p:cNvSpPr txBox="1"/>
-          <p:nvPr/>
-        </p:nvSpPr>
-        <p:spPr>
-          <a:xfrm>
-            <a:off x="4198653" y="2049560"/>
-            <a:ext cx="1043514" cy="430887"/>
-          </a:xfrm>
-          <a:prstGeom prst="rect">
-            <a:avLst/>
-          </a:prstGeom>
-          <a:noFill/>
-        </p:spPr>
-        <p:txBody>
-          <a:bodyPr wrap="square" rtlCol="0">
-            <a:spAutoFit/>
-          </a:bodyPr>
-          <a:lstStyle/>
-          <a:p>
-            <a:pPr algn="ctr"/>
-            <a:r>
-              <a:rPr lang="en-US" sz="1100" dirty="0"/>
-              <a:t>Predicting</a:t>
-            </a:r>
-          </a:p>
-          <a:p>
-            <a:pPr algn="ctr"/>
-            <a:r>
-              <a:rPr lang="en-US" sz="1100" dirty="0"/>
-              <a:t>Democracy</a:t>
-            </a:r>
-            <a:endParaRPr lang="en-ID" sz="1100" dirty="0"/>
-          </a:p>
-        </p:txBody>
-      </p:sp>
-      <p:sp>
-        <p:nvSpPr>
-          <p:cNvPr id="39" name="TextBox 38">
-            <a:extLst>
-              <a:ext uri="{FF2B5EF4-FFF2-40B4-BE49-F238E27FC236}">
-                <a16:creationId xmlns:a16="http://schemas.microsoft.com/office/drawing/2014/main" id="{446376BA-D08A-4640-98F3-B7E059DA0B41}"/>
-              </a:ext>
-            </a:extLst>
-          </p:cNvPr>
-          <p:cNvSpPr txBox="1"/>
-          <p:nvPr/>
-        </p:nvSpPr>
-        <p:spPr>
-          <a:xfrm>
-            <a:off x="5494580" y="2058897"/>
-            <a:ext cx="1043514" cy="430887"/>
-          </a:xfrm>
-          <a:prstGeom prst="rect">
-            <a:avLst/>
-          </a:prstGeom>
-          <a:noFill/>
-        </p:spPr>
-        <p:txBody>
-          <a:bodyPr wrap="square" rtlCol="0">
-            <a:spAutoFit/>
-          </a:bodyPr>
-          <a:lstStyle/>
-          <a:p>
-            <a:pPr algn="ctr"/>
-            <a:r>
-              <a:rPr lang="en-US" sz="1100" dirty="0"/>
-              <a:t>Predicting</a:t>
-            </a:r>
-          </a:p>
-          <a:p>
-            <a:pPr algn="ctr"/>
-            <a:r>
-              <a:rPr lang="en-US" sz="1100" dirty="0"/>
-              <a:t>Democracy</a:t>
-            </a:r>
-            <a:endParaRPr lang="en-ID" sz="1100" dirty="0"/>
-          </a:p>
-        </p:txBody>
-      </p:sp>
       <p:sp>
         <p:nvSpPr>
           <p:cNvPr id="3" name="TextBox 2">
@@ -12308,7 +11203,7 @@
         <p:spPr>
           <a:xfrm>
             <a:off x="5472830" y="3034145"/>
-            <a:ext cx="1239697" cy="523220"/>
+            <a:ext cx="1239697" cy="261610"/>
           </a:xfrm>
           <a:prstGeom prst="rect">
             <a:avLst/>
@@ -12323,22 +11218,14 @@
           <a:p>
             <a:pPr algn="ctr"/>
             <a:r>
-              <a:rPr lang="en-US" sz="1200" dirty="0">
+              <a:rPr lang="en-US" sz="1100" dirty="0">
                 <a:solidFill>
                   <a:schemeClr val="bg1"/>
                 </a:solidFill>
               </a:rPr>
-              <a:t>R. Faisal et al</a:t>
+              <a:t>(Faisal, 2020)</a:t>
             </a:r>
-            <a:r>
-              <a:rPr lang="en-US" dirty="0">
-                <a:solidFill>
-                  <a:schemeClr val="bg1"/>
-                </a:solidFill>
-              </a:rPr>
-              <a:t>, 2020</a:t>
-            </a:r>
-            <a:endParaRPr lang="en-ID" dirty="0">
+            <a:endParaRPr lang="en-ID" sz="1100" dirty="0">
               <a:solidFill>
                 <a:schemeClr val="bg1"/>
               </a:solidFill>
@@ -12360,7 +11247,7 @@
         </p:nvSpPr>
         <p:spPr>
           <a:xfrm>
-            <a:off x="5570826" y="3783199"/>
+            <a:off x="5590464" y="3527671"/>
             <a:ext cx="1295927" cy="900246"/>
           </a:xfrm>
           <a:prstGeom prst="rect">
@@ -12409,7 +11296,7 @@
         <p:spPr>
           <a:xfrm>
             <a:off x="4100561" y="3041755"/>
-            <a:ext cx="1239697" cy="477054"/>
+            <a:ext cx="1239697" cy="261610"/>
           </a:xfrm>
           <a:prstGeom prst="rect">
             <a:avLst/>
@@ -12429,24 +11316,8 @@
                   <a:schemeClr val="bg1"/>
                 </a:solidFill>
               </a:rPr>
-              <a:t>Huda, S Nurul</a:t>
+              <a:t>(Huda,2019)</a:t>
             </a:r>
-          </a:p>
-          <a:p>
-            <a:pPr algn="ctr"/>
-            <a:r>
-              <a:rPr lang="en-US" dirty="0">
-                <a:solidFill>
-                  <a:schemeClr val="bg1"/>
-                </a:solidFill>
-              </a:rPr>
-              <a:t> 2019</a:t>
-            </a:r>
-            <a:endParaRPr lang="en-ID" dirty="0">
-              <a:solidFill>
-                <a:schemeClr val="bg1"/>
-              </a:solidFill>
-            </a:endParaRPr>
           </a:p>
         </p:txBody>
       </p:sp>
@@ -12464,7 +11335,7 @@
         </p:nvSpPr>
         <p:spPr>
           <a:xfrm>
-            <a:off x="4224499" y="3783199"/>
+            <a:off x="4337329" y="3543409"/>
             <a:ext cx="1131550" cy="738664"/>
           </a:xfrm>
           <a:prstGeom prst="rect">
@@ -12512,8 +11383,8 @@
         </p:nvSpPr>
         <p:spPr>
           <a:xfrm>
-            <a:off x="2634771" y="3023374"/>
-            <a:ext cx="1374001" cy="477054"/>
+            <a:off x="2820392" y="3060263"/>
+            <a:ext cx="1374001" cy="261610"/>
           </a:xfrm>
           <a:prstGeom prst="rect">
             <a:avLst/>
@@ -12533,18 +11404,7 @@
                   <a:schemeClr val="bg1"/>
                 </a:solidFill>
               </a:rPr>
-              <a:t>Bashar, A.K.M. R</a:t>
-            </a:r>
-          </a:p>
-          <a:p>
-            <a:pPr algn="ctr"/>
-            <a:r>
-              <a:rPr lang="en-US" dirty="0">
-                <a:solidFill>
-                  <a:schemeClr val="bg1"/>
-                </a:solidFill>
-              </a:rPr>
-              <a:t> 2019</a:t>
+              <a:t>(Bashar, 2019)</a:t>
             </a:r>
             <a:endParaRPr lang="en-ID" dirty="0">
               <a:solidFill>
@@ -12569,7 +11429,7 @@
         <p:spPr>
           <a:xfrm>
             <a:off x="1456418" y="3002793"/>
-            <a:ext cx="1374001" cy="815608"/>
+            <a:ext cx="1374001" cy="430887"/>
           </a:xfrm>
           <a:prstGeom prst="rect">
             <a:avLst/>
@@ -12584,20 +11444,12 @@
           <a:p>
             <a:pPr algn="ctr"/>
             <a:r>
-              <a:rPr lang="en-US" sz="1100" dirty="0" err="1">
-                <a:solidFill>
-                  <a:schemeClr val="bg1"/>
-                </a:solidFill>
-              </a:rPr>
-              <a:t>Grundler</a:t>
-            </a:r>
-            <a:r>
               <a:rPr lang="en-US" sz="1100" dirty="0">
                 <a:solidFill>
                   <a:schemeClr val="bg1"/>
                 </a:solidFill>
               </a:rPr>
-              <a:t> Klaus and</a:t>
+              <a:t>(Klaus and</a:t>
             </a:r>
           </a:p>
           <a:p>
@@ -12608,24 +11460,8 @@
                   <a:schemeClr val="bg1"/>
                 </a:solidFill>
               </a:rPr>
-              <a:t>Tommy Krieger</a:t>
+              <a:t>Krieger, 2021)</a:t>
             </a:r>
-          </a:p>
-          <a:p>
-            <a:pPr algn="ctr"/>
-            <a:r>
-              <a:rPr lang="en-US" dirty="0">
-                <a:solidFill>
-                  <a:schemeClr val="bg1"/>
-                </a:solidFill>
-              </a:rPr>
-              <a:t> 2021</a:t>
-            </a:r>
-            <a:endParaRPr lang="en-ID" dirty="0">
-              <a:solidFill>
-                <a:schemeClr val="bg1"/>
-              </a:solidFill>
-            </a:endParaRPr>
           </a:p>
         </p:txBody>
       </p:sp>
@@ -12694,7 +11530,7 @@
         </p:nvSpPr>
         <p:spPr>
           <a:xfrm>
-            <a:off x="447330" y="3817422"/>
+            <a:off x="479126" y="3462618"/>
             <a:ext cx="1131550" cy="900246"/>
           </a:xfrm>
           <a:prstGeom prst="rect">
@@ -12742,7 +11578,7 @@
         </p:nvSpPr>
         <p:spPr>
           <a:xfrm>
-            <a:off x="2998517" y="3787597"/>
+            <a:off x="3103832" y="3491150"/>
             <a:ext cx="1131550" cy="1061829"/>
           </a:xfrm>
           <a:prstGeom prst="rect">
@@ -12790,7 +11626,7 @@
         </p:nvSpPr>
         <p:spPr>
           <a:xfrm>
-            <a:off x="1711417" y="3787598"/>
+            <a:off x="1688842" y="3491150"/>
             <a:ext cx="1131550" cy="1061829"/>
           </a:xfrm>
           <a:prstGeom prst="rect">
@@ -12824,6 +11660,156 @@
           </a:p>
         </p:txBody>
       </p:sp>
+      <p:pic>
+        <p:nvPicPr>
+          <p:cNvPr id="14" name="Picture 13">
+            <a:extLst>
+              <a:ext uri="{FF2B5EF4-FFF2-40B4-BE49-F238E27FC236}">
+                <a16:creationId xmlns:a16="http://schemas.microsoft.com/office/drawing/2014/main" id="{4C5EC857-F847-44DB-8FD8-F528DA2DF180}"/>
+              </a:ext>
+            </a:extLst>
+          </p:cNvPr>
+          <p:cNvPicPr>
+            <a:picLocks noChangeAspect="1"/>
+          </p:cNvPicPr>
+          <p:nvPr/>
+        </p:nvPicPr>
+        <p:blipFill>
+          <a:blip r:embed="rId2"/>
+          <a:stretch>
+            <a:fillRect/>
+          </a:stretch>
+        </p:blipFill>
+        <p:spPr>
+          <a:xfrm>
+            <a:off x="145362" y="1657065"/>
+            <a:ext cx="1436553" cy="1436553"/>
+          </a:xfrm>
+          <a:prstGeom prst="rect">
+            <a:avLst/>
+          </a:prstGeom>
+        </p:spPr>
+      </p:pic>
+      <p:pic>
+        <p:nvPicPr>
+          <p:cNvPr id="48" name="Picture 47">
+            <a:extLst>
+              <a:ext uri="{FF2B5EF4-FFF2-40B4-BE49-F238E27FC236}">
+                <a16:creationId xmlns:a16="http://schemas.microsoft.com/office/drawing/2014/main" id="{F5894F37-5371-4100-9DE5-EBFCDA8F1F64}"/>
+              </a:ext>
+            </a:extLst>
+          </p:cNvPr>
+          <p:cNvPicPr>
+            <a:picLocks noChangeAspect="1"/>
+          </p:cNvPicPr>
+          <p:nvPr/>
+        </p:nvPicPr>
+        <p:blipFill>
+          <a:blip r:embed="rId2"/>
+          <a:stretch>
+            <a:fillRect/>
+          </a:stretch>
+        </p:blipFill>
+        <p:spPr>
+          <a:xfrm>
+            <a:off x="1481135" y="1655128"/>
+            <a:ext cx="1436553" cy="1436553"/>
+          </a:xfrm>
+          <a:prstGeom prst="rect">
+            <a:avLst/>
+          </a:prstGeom>
+        </p:spPr>
+      </p:pic>
+      <p:pic>
+        <p:nvPicPr>
+          <p:cNvPr id="50" name="Picture 49">
+            <a:extLst>
+              <a:ext uri="{FF2B5EF4-FFF2-40B4-BE49-F238E27FC236}">
+                <a16:creationId xmlns:a16="http://schemas.microsoft.com/office/drawing/2014/main" id="{FA28961B-AF38-4BC6-A39D-847FD429BCF2}"/>
+              </a:ext>
+            </a:extLst>
+          </p:cNvPr>
+          <p:cNvPicPr>
+            <a:picLocks noChangeAspect="1"/>
+          </p:cNvPicPr>
+          <p:nvPr/>
+        </p:nvPicPr>
+        <p:blipFill>
+          <a:blip r:embed="rId2"/>
+          <a:stretch>
+            <a:fillRect/>
+          </a:stretch>
+        </p:blipFill>
+        <p:spPr>
+          <a:xfrm>
+            <a:off x="2798829" y="1649829"/>
+            <a:ext cx="1436553" cy="1436553"/>
+          </a:xfrm>
+          <a:prstGeom prst="rect">
+            <a:avLst/>
+          </a:prstGeom>
+        </p:spPr>
+      </p:pic>
+      <p:pic>
+        <p:nvPicPr>
+          <p:cNvPr id="51" name="Picture 50">
+            <a:extLst>
+              <a:ext uri="{FF2B5EF4-FFF2-40B4-BE49-F238E27FC236}">
+                <a16:creationId xmlns:a16="http://schemas.microsoft.com/office/drawing/2014/main" id="{147975B7-AB9A-487C-A712-49AA4A95D9A0}"/>
+              </a:ext>
+            </a:extLst>
+          </p:cNvPr>
+          <p:cNvPicPr>
+            <a:picLocks noChangeAspect="1"/>
+          </p:cNvPicPr>
+          <p:nvPr/>
+        </p:nvPicPr>
+        <p:blipFill>
+          <a:blip r:embed="rId2"/>
+          <a:stretch>
+            <a:fillRect/>
+          </a:stretch>
+        </p:blipFill>
+        <p:spPr>
+          <a:xfrm>
+            <a:off x="4100561" y="1649829"/>
+            <a:ext cx="1436553" cy="1436553"/>
+          </a:xfrm>
+          <a:prstGeom prst="rect">
+            <a:avLst/>
+          </a:prstGeom>
+        </p:spPr>
+      </p:pic>
+      <p:pic>
+        <p:nvPicPr>
+          <p:cNvPr id="52" name="Picture 51">
+            <a:extLst>
+              <a:ext uri="{FF2B5EF4-FFF2-40B4-BE49-F238E27FC236}">
+                <a16:creationId xmlns:a16="http://schemas.microsoft.com/office/drawing/2014/main" id="{E6F0D117-BD40-4480-BAAB-67C40943993A}"/>
+              </a:ext>
+            </a:extLst>
+          </p:cNvPr>
+          <p:cNvPicPr>
+            <a:picLocks noChangeAspect="1"/>
+          </p:cNvPicPr>
+          <p:nvPr/>
+        </p:nvPicPr>
+        <p:blipFill>
+          <a:blip r:embed="rId2"/>
+          <a:stretch>
+            <a:fillRect/>
+          </a:stretch>
+        </p:blipFill>
+        <p:spPr>
+          <a:xfrm>
+            <a:off x="5421447" y="1607048"/>
+            <a:ext cx="1436553" cy="1436553"/>
+          </a:xfrm>
+          <a:prstGeom prst="rect">
+            <a:avLst/>
+          </a:prstGeom>
+        </p:spPr>
+      </p:pic>
     </p:spTree>
     <p:extLst>
       <p:ext uri="{BB962C8B-B14F-4D97-AF65-F5344CB8AC3E}">

--- a/bab 1.pptx
+++ b/bab 1.pptx
@@ -5,33 +5,40 @@
     <p:sldMasterId id="2147483659" r:id="rId1"/>
   </p:sldMasterIdLst>
   <p:notesMasterIdLst>
-    <p:notesMasterId r:id="rId7"/>
+    <p:notesMasterId r:id="rId14"/>
   </p:notesMasterIdLst>
   <p:sldIdLst>
     <p:sldId id="256" r:id="rId2"/>
     <p:sldId id="304" r:id="rId3"/>
     <p:sldId id="297" r:id="rId4"/>
     <p:sldId id="365" r:id="rId5"/>
-    <p:sldId id="366" r:id="rId6"/>
+    <p:sldId id="369" r:id="rId6"/>
+    <p:sldId id="370" r:id="rId7"/>
+    <p:sldId id="371" r:id="rId8"/>
+    <p:sldId id="372" r:id="rId9"/>
+    <p:sldId id="373" r:id="rId10"/>
+    <p:sldId id="367" r:id="rId11"/>
+    <p:sldId id="368" r:id="rId12"/>
+    <p:sldId id="366" r:id="rId13"/>
   </p:sldIdLst>
   <p:sldSz cx="6858000" cy="5143500"/>
   <p:notesSz cx="6858000" cy="9144000"/>
   <p:embeddedFontLst>
     <p:embeddedFont>
       <p:font typeface="Cambria Math" panose="02040503050406030204" pitchFamily="18" charset="0"/>
-      <p:regular r:id="rId8"/>
+      <p:regular r:id="rId15"/>
     </p:embeddedFont>
     <p:embeddedFont>
       <p:font typeface="Lexend Deca" panose="020B0604020202020204" charset="0"/>
-      <p:regular r:id="rId9"/>
-      <p:bold r:id="rId10"/>
+      <p:regular r:id="rId16"/>
+      <p:bold r:id="rId17"/>
     </p:embeddedFont>
     <p:embeddedFont>
       <p:font typeface="Muli" panose="02000503000000000000" pitchFamily="2" charset="0"/>
-      <p:regular r:id="rId11"/>
-      <p:bold r:id="rId12"/>
-      <p:italic r:id="rId13"/>
-      <p:boldItalic r:id="rId14"/>
+      <p:regular r:id="rId18"/>
+      <p:bold r:id="rId19"/>
+      <p:italic r:id="rId20"/>
+      <p:boldItalic r:id="rId21"/>
     </p:embeddedFont>
   </p:embeddedFontLst>
   <p:defaultTextStyle>
@@ -272,6 +279,13 @@
             <p14:sldId id="304"/>
             <p14:sldId id="297"/>
             <p14:sldId id="365"/>
+            <p14:sldId id="369"/>
+            <p14:sldId id="370"/>
+            <p14:sldId id="371"/>
+            <p14:sldId id="372"/>
+            <p14:sldId id="373"/>
+            <p14:sldId id="367"/>
+            <p14:sldId id="368"/>
             <p14:sldId id="366"/>
           </p14:sldIdLst>
         </p14:section>
@@ -4369,6 +4383,2160 @@
 </p:sld>
 </file>
 
+<file path=ppt/slides/slide10.xml><?xml version="1.0" encoding="utf-8"?>
+<p:sld xmlns:a="http://schemas.openxmlformats.org/drawingml/2006/main" xmlns:r="http://schemas.openxmlformats.org/officeDocument/2006/relationships" xmlns:p="http://schemas.openxmlformats.org/presentationml/2006/main">
+  <p:cSld>
+    <p:spTree>
+      <p:nvGrpSpPr>
+        <p:cNvPr id="1" name=""/>
+        <p:cNvGrpSpPr/>
+        <p:nvPr/>
+      </p:nvGrpSpPr>
+      <p:grpSpPr>
+        <a:xfrm>
+          <a:off x="0" y="0"/>
+          <a:ext cx="0" cy="0"/>
+          <a:chOff x="0" y="0"/>
+          <a:chExt cx="0" cy="0"/>
+        </a:xfrm>
+      </p:grpSpPr>
+      <p:sp>
+        <p:nvSpPr>
+          <p:cNvPr id="2" name="Title 1">
+            <a:extLst>
+              <a:ext uri="{FF2B5EF4-FFF2-40B4-BE49-F238E27FC236}">
+                <a16:creationId xmlns:a16="http://schemas.microsoft.com/office/drawing/2014/main" id="{374C575E-F5F7-4C39-A9BE-1C9362C489AA}"/>
+              </a:ext>
+            </a:extLst>
+          </p:cNvPr>
+          <p:cNvSpPr>
+            <a:spLocks noGrp="1"/>
+          </p:cNvSpPr>
+          <p:nvPr>
+            <p:ph type="title"/>
+          </p:nvPr>
+        </p:nvSpPr>
+        <p:spPr/>
+        <p:txBody>
+          <a:bodyPr/>
+          <a:lstStyle/>
+          <a:p>
+            <a:r>
+              <a:rPr lang="en-US" dirty="0"/>
+              <a:t>Literature Map</a:t>
+            </a:r>
+            <a:endParaRPr lang="en-ID" dirty="0"/>
+          </a:p>
+        </p:txBody>
+      </p:sp>
+      <p:sp>
+        <p:nvSpPr>
+          <p:cNvPr id="3" name="Slide Number Placeholder 2">
+            <a:extLst>
+              <a:ext uri="{FF2B5EF4-FFF2-40B4-BE49-F238E27FC236}">
+                <a16:creationId xmlns:a16="http://schemas.microsoft.com/office/drawing/2014/main" id="{C392F243-0512-4E4A-BE6C-963029369A57}"/>
+              </a:ext>
+            </a:extLst>
+          </p:cNvPr>
+          <p:cNvSpPr>
+            <a:spLocks noGrp="1"/>
+          </p:cNvSpPr>
+          <p:nvPr>
+            <p:ph type="sldNum" idx="12"/>
+          </p:nvPr>
+        </p:nvSpPr>
+        <p:spPr/>
+        <p:txBody>
+          <a:bodyPr/>
+          <a:lstStyle/>
+          <a:p>
+            <a:fld id="{00000000-1234-1234-1234-123412341234}" type="slidenum">
+              <a:rPr lang="en" smtClean="0"/>
+              <a:pPr/>
+              <a:t>10</a:t>
+            </a:fld>
+            <a:endParaRPr lang="en"/>
+          </a:p>
+        </p:txBody>
+      </p:sp>
+      <p:sp>
+        <p:nvSpPr>
+          <p:cNvPr id="6" name="Rectangle 5">
+            <a:extLst>
+              <a:ext uri="{FF2B5EF4-FFF2-40B4-BE49-F238E27FC236}">
+                <a16:creationId xmlns:a16="http://schemas.microsoft.com/office/drawing/2014/main" id="{36EF7D91-56C9-446C-B2D2-9B8C77BA4749}"/>
+              </a:ext>
+            </a:extLst>
+          </p:cNvPr>
+          <p:cNvSpPr/>
+          <p:nvPr/>
+        </p:nvSpPr>
+        <p:spPr>
+          <a:xfrm>
+            <a:off x="0" y="1111827"/>
+            <a:ext cx="6858000" cy="4156364"/>
+          </a:xfrm>
+          <a:prstGeom prst="rect">
+            <a:avLst/>
+          </a:prstGeom>
+          <a:solidFill>
+            <a:schemeClr val="accent6">
+              <a:lumMod val="20000"/>
+              <a:lumOff val="80000"/>
+            </a:schemeClr>
+          </a:solidFill>
+          <a:ln>
+            <a:noFill/>
+          </a:ln>
+        </p:spPr>
+        <p:style>
+          <a:lnRef idx="2">
+            <a:schemeClr val="accent6"/>
+          </a:lnRef>
+          <a:fillRef idx="1">
+            <a:schemeClr val="lt1"/>
+          </a:fillRef>
+          <a:effectRef idx="0">
+            <a:schemeClr val="accent6"/>
+          </a:effectRef>
+          <a:fontRef idx="minor">
+            <a:schemeClr val="dk1"/>
+          </a:fontRef>
+        </p:style>
+        <p:txBody>
+          <a:bodyPr rtlCol="0" anchor="ctr"/>
+          <a:lstStyle/>
+          <a:p>
+            <a:pPr algn="ctr"/>
+            <a:endParaRPr lang="en-ID" dirty="0"/>
+          </a:p>
+        </p:txBody>
+      </p:sp>
+      <p:cxnSp>
+        <p:nvCxnSpPr>
+          <p:cNvPr id="8" name="Straight Connector 7">
+            <a:extLst>
+              <a:ext uri="{FF2B5EF4-FFF2-40B4-BE49-F238E27FC236}">
+                <a16:creationId xmlns:a16="http://schemas.microsoft.com/office/drawing/2014/main" id="{E6F9B0B8-48F2-4BEF-9C1F-31F2D86761C7}"/>
+              </a:ext>
+            </a:extLst>
+          </p:cNvPr>
+          <p:cNvCxnSpPr>
+            <a:cxnSpLocks/>
+          </p:cNvCxnSpPr>
+          <p:nvPr/>
+        </p:nvCxnSpPr>
+        <p:spPr>
+          <a:xfrm>
+            <a:off x="207818" y="3699166"/>
+            <a:ext cx="2358731" cy="0"/>
+          </a:xfrm>
+          <a:prstGeom prst="line">
+            <a:avLst/>
+          </a:prstGeom>
+          <a:ln w="76200">
+            <a:solidFill>
+              <a:schemeClr val="accent2"/>
+            </a:solidFill>
+          </a:ln>
+        </p:spPr>
+        <p:style>
+          <a:lnRef idx="1">
+            <a:schemeClr val="accent1"/>
+          </a:lnRef>
+          <a:fillRef idx="0">
+            <a:schemeClr val="accent1"/>
+          </a:fillRef>
+          <a:effectRef idx="0">
+            <a:schemeClr val="accent1"/>
+          </a:effectRef>
+          <a:fontRef idx="minor">
+            <a:schemeClr val="tx1"/>
+          </a:fontRef>
+        </p:style>
+      </p:cxnSp>
+      <p:cxnSp>
+        <p:nvCxnSpPr>
+          <p:cNvPr id="9" name="Straight Connector 8">
+            <a:extLst>
+              <a:ext uri="{FF2B5EF4-FFF2-40B4-BE49-F238E27FC236}">
+                <a16:creationId xmlns:a16="http://schemas.microsoft.com/office/drawing/2014/main" id="{99D6E61D-9B8E-4F80-AE81-5677028F4639}"/>
+              </a:ext>
+            </a:extLst>
+          </p:cNvPr>
+          <p:cNvCxnSpPr>
+            <a:cxnSpLocks/>
+          </p:cNvCxnSpPr>
+          <p:nvPr/>
+        </p:nvCxnSpPr>
+        <p:spPr>
+          <a:xfrm>
+            <a:off x="2576940" y="3699166"/>
+            <a:ext cx="4031678" cy="0"/>
+          </a:xfrm>
+          <a:prstGeom prst="line">
+            <a:avLst/>
+          </a:prstGeom>
+          <a:ln w="76200">
+            <a:solidFill>
+              <a:srgbClr val="00B050"/>
+            </a:solidFill>
+          </a:ln>
+        </p:spPr>
+        <p:style>
+          <a:lnRef idx="1">
+            <a:schemeClr val="accent1"/>
+          </a:lnRef>
+          <a:fillRef idx="0">
+            <a:schemeClr val="accent1"/>
+          </a:fillRef>
+          <a:effectRef idx="0">
+            <a:schemeClr val="accent1"/>
+          </a:effectRef>
+          <a:fontRef idx="minor">
+            <a:schemeClr val="tx1"/>
+          </a:fontRef>
+        </p:style>
+      </p:cxnSp>
+      <p:sp>
+        <p:nvSpPr>
+          <p:cNvPr id="10" name="TextBox 9">
+            <a:extLst>
+              <a:ext uri="{FF2B5EF4-FFF2-40B4-BE49-F238E27FC236}">
+                <a16:creationId xmlns:a16="http://schemas.microsoft.com/office/drawing/2014/main" id="{E96B6900-3825-47E1-ADB7-1A6BAC01F83B}"/>
+              </a:ext>
+            </a:extLst>
+          </p:cNvPr>
+          <p:cNvSpPr txBox="1"/>
+          <p:nvPr/>
+        </p:nvSpPr>
+        <p:spPr>
+          <a:xfrm>
+            <a:off x="789709" y="3965379"/>
+            <a:ext cx="1350818" cy="307777"/>
+          </a:xfrm>
+          <a:prstGeom prst="rect">
+            <a:avLst/>
+          </a:prstGeom>
+          <a:noFill/>
+        </p:spPr>
+        <p:txBody>
+          <a:bodyPr wrap="square" rtlCol="0">
+            <a:spAutoFit/>
+          </a:bodyPr>
+          <a:lstStyle/>
+          <a:p>
+            <a:r>
+              <a:rPr lang="en-US" b="1" dirty="0">
+                <a:solidFill>
+                  <a:schemeClr val="accent2"/>
+                </a:solidFill>
+              </a:rPr>
+              <a:t>Measurement</a:t>
+            </a:r>
+            <a:endParaRPr lang="en-ID" b="1" dirty="0">
+              <a:solidFill>
+                <a:schemeClr val="accent2"/>
+              </a:solidFill>
+            </a:endParaRPr>
+          </a:p>
+        </p:txBody>
+      </p:sp>
+      <p:sp>
+        <p:nvSpPr>
+          <p:cNvPr id="11" name="TextBox 10">
+            <a:extLst>
+              <a:ext uri="{FF2B5EF4-FFF2-40B4-BE49-F238E27FC236}">
+                <a16:creationId xmlns:a16="http://schemas.microsoft.com/office/drawing/2014/main" id="{2B3FE7D8-AFFD-4A0D-B8DD-49F16BE50345}"/>
+              </a:ext>
+            </a:extLst>
+          </p:cNvPr>
+          <p:cNvSpPr txBox="1"/>
+          <p:nvPr/>
+        </p:nvSpPr>
+        <p:spPr>
+          <a:xfrm>
+            <a:off x="4042066" y="3981696"/>
+            <a:ext cx="1350818" cy="307777"/>
+          </a:xfrm>
+          <a:prstGeom prst="rect">
+            <a:avLst/>
+          </a:prstGeom>
+          <a:noFill/>
+        </p:spPr>
+        <p:txBody>
+          <a:bodyPr wrap="square" rtlCol="0">
+            <a:spAutoFit/>
+          </a:bodyPr>
+          <a:lstStyle/>
+          <a:p>
+            <a:r>
+              <a:rPr lang="en-US" b="1" dirty="0">
+                <a:solidFill>
+                  <a:srgbClr val="00B050"/>
+                </a:solidFill>
+              </a:rPr>
+              <a:t>Prediction</a:t>
+            </a:r>
+            <a:endParaRPr lang="en-ID" b="1" dirty="0">
+              <a:solidFill>
+                <a:srgbClr val="00B050"/>
+              </a:solidFill>
+            </a:endParaRPr>
+          </a:p>
+        </p:txBody>
+      </p:sp>
+      <p:sp>
+        <p:nvSpPr>
+          <p:cNvPr id="12" name="Rectangle 11">
+            <a:extLst>
+              <a:ext uri="{FF2B5EF4-FFF2-40B4-BE49-F238E27FC236}">
+                <a16:creationId xmlns:a16="http://schemas.microsoft.com/office/drawing/2014/main" id="{D2C29BC5-978E-4A57-9714-A4B7006E5281}"/>
+              </a:ext>
+            </a:extLst>
+          </p:cNvPr>
+          <p:cNvSpPr/>
+          <p:nvPr/>
+        </p:nvSpPr>
+        <p:spPr>
+          <a:xfrm>
+            <a:off x="166110" y="1808018"/>
+            <a:ext cx="831418" cy="342899"/>
+          </a:xfrm>
+          <a:prstGeom prst="rect">
+            <a:avLst/>
+          </a:prstGeom>
+          <a:ln>
+            <a:noFill/>
+          </a:ln>
+        </p:spPr>
+        <p:style>
+          <a:lnRef idx="2">
+            <a:schemeClr val="accent1">
+              <a:shade val="50000"/>
+            </a:schemeClr>
+          </a:lnRef>
+          <a:fillRef idx="1">
+            <a:schemeClr val="accent1"/>
+          </a:fillRef>
+          <a:effectRef idx="0">
+            <a:schemeClr val="accent1"/>
+          </a:effectRef>
+          <a:fontRef idx="minor">
+            <a:schemeClr val="lt1"/>
+          </a:fontRef>
+        </p:style>
+        <p:txBody>
+          <a:bodyPr rtlCol="0" anchor="ctr"/>
+          <a:lstStyle/>
+          <a:p>
+            <a:pPr algn="ctr"/>
+            <a:r>
+              <a:rPr lang="en-US" dirty="0"/>
+              <a:t>(Lutz,</a:t>
+            </a:r>
+          </a:p>
+          <a:p>
+            <a:pPr algn="ctr"/>
+            <a:r>
+              <a:rPr lang="en-US" dirty="0"/>
+              <a:t> 2014)</a:t>
+            </a:r>
+          </a:p>
+        </p:txBody>
+      </p:sp>
+      <p:sp>
+        <p:nvSpPr>
+          <p:cNvPr id="13" name="Rectangle 12">
+            <a:extLst>
+              <a:ext uri="{FF2B5EF4-FFF2-40B4-BE49-F238E27FC236}">
+                <a16:creationId xmlns:a16="http://schemas.microsoft.com/office/drawing/2014/main" id="{B45DDA09-1830-44CA-B218-189231A20BC6}"/>
+              </a:ext>
+            </a:extLst>
+          </p:cNvPr>
+          <p:cNvSpPr/>
+          <p:nvPr/>
+        </p:nvSpPr>
+        <p:spPr>
+          <a:xfrm>
+            <a:off x="1891140" y="1808017"/>
+            <a:ext cx="685800" cy="342899"/>
+          </a:xfrm>
+          <a:prstGeom prst="rect">
+            <a:avLst/>
+          </a:prstGeom>
+          <a:ln>
+            <a:noFill/>
+          </a:ln>
+        </p:spPr>
+        <p:style>
+          <a:lnRef idx="2">
+            <a:schemeClr val="accent1">
+              <a:shade val="50000"/>
+            </a:schemeClr>
+          </a:lnRef>
+          <a:fillRef idx="1">
+            <a:schemeClr val="accent1"/>
+          </a:fillRef>
+          <a:effectRef idx="0">
+            <a:schemeClr val="accent1"/>
+          </a:effectRef>
+          <a:fontRef idx="minor">
+            <a:schemeClr val="lt1"/>
+          </a:fontRef>
+        </p:style>
+        <p:txBody>
+          <a:bodyPr rtlCol="0" anchor="ctr"/>
+          <a:lstStyle/>
+          <a:p>
+            <a:pPr algn="ctr"/>
+            <a:endParaRPr lang="en-US" dirty="0"/>
+          </a:p>
+        </p:txBody>
+      </p:sp>
+      <p:sp>
+        <p:nvSpPr>
+          <p:cNvPr id="14" name="Rectangle 13">
+            <a:extLst>
+              <a:ext uri="{FF2B5EF4-FFF2-40B4-BE49-F238E27FC236}">
+                <a16:creationId xmlns:a16="http://schemas.microsoft.com/office/drawing/2014/main" id="{32C86247-015E-475D-A85D-D4311EF09908}"/>
+              </a:ext>
+            </a:extLst>
+          </p:cNvPr>
+          <p:cNvSpPr/>
+          <p:nvPr/>
+        </p:nvSpPr>
+        <p:spPr>
+          <a:xfrm>
+            <a:off x="2566549" y="1808017"/>
+            <a:ext cx="685800" cy="342899"/>
+          </a:xfrm>
+          <a:prstGeom prst="rect">
+            <a:avLst/>
+          </a:prstGeom>
+          <a:solidFill>
+            <a:srgbClr val="00B050"/>
+          </a:solidFill>
+          <a:ln>
+            <a:noFill/>
+          </a:ln>
+        </p:spPr>
+        <p:style>
+          <a:lnRef idx="2">
+            <a:schemeClr val="accent1">
+              <a:shade val="50000"/>
+            </a:schemeClr>
+          </a:lnRef>
+          <a:fillRef idx="1">
+            <a:schemeClr val="accent1"/>
+          </a:fillRef>
+          <a:effectRef idx="0">
+            <a:schemeClr val="accent1"/>
+          </a:effectRef>
+          <a:fontRef idx="minor">
+            <a:schemeClr val="lt1"/>
+          </a:fontRef>
+        </p:style>
+        <p:txBody>
+          <a:bodyPr rtlCol="0" anchor="ctr"/>
+          <a:lstStyle/>
+          <a:p>
+            <a:pPr algn="ctr"/>
+            <a:endParaRPr lang="en-US" dirty="0"/>
+          </a:p>
+        </p:txBody>
+      </p:sp>
+      <p:sp>
+        <p:nvSpPr>
+          <p:cNvPr id="15" name="TextBox 14">
+            <a:extLst>
+              <a:ext uri="{FF2B5EF4-FFF2-40B4-BE49-F238E27FC236}">
+                <a16:creationId xmlns:a16="http://schemas.microsoft.com/office/drawing/2014/main" id="{0B46A6B1-40A9-40AB-B439-665BE817B3F2}"/>
+              </a:ext>
+            </a:extLst>
+          </p:cNvPr>
+          <p:cNvSpPr txBox="1"/>
+          <p:nvPr/>
+        </p:nvSpPr>
+        <p:spPr>
+          <a:xfrm>
+            <a:off x="1808168" y="1830515"/>
+            <a:ext cx="1516762" cy="307777"/>
+          </a:xfrm>
+          <a:prstGeom prst="rect">
+            <a:avLst/>
+          </a:prstGeom>
+          <a:noFill/>
+        </p:spPr>
+        <p:txBody>
+          <a:bodyPr wrap="none" rtlCol="0">
+            <a:spAutoFit/>
+          </a:bodyPr>
+          <a:lstStyle/>
+          <a:p>
+            <a:r>
+              <a:rPr lang="en-US" dirty="0">
+                <a:solidFill>
+                  <a:schemeClr val="bg1"/>
+                </a:solidFill>
+              </a:rPr>
+              <a:t>(Nurviana, 2022)</a:t>
+            </a:r>
+            <a:endParaRPr lang="en-ID" dirty="0">
+              <a:solidFill>
+                <a:schemeClr val="bg1"/>
+              </a:solidFill>
+            </a:endParaRPr>
+          </a:p>
+        </p:txBody>
+      </p:sp>
+      <p:cxnSp>
+        <p:nvCxnSpPr>
+          <p:cNvPr id="17" name="Straight Connector 16">
+            <a:extLst>
+              <a:ext uri="{FF2B5EF4-FFF2-40B4-BE49-F238E27FC236}">
+                <a16:creationId xmlns:a16="http://schemas.microsoft.com/office/drawing/2014/main" id="{6F7459C1-904C-414E-B7BA-3B6E80DC2584}"/>
+              </a:ext>
+            </a:extLst>
+          </p:cNvPr>
+          <p:cNvCxnSpPr>
+            <a:cxnSpLocks/>
+            <a:stCxn id="12" idx="3"/>
+          </p:cNvCxnSpPr>
+          <p:nvPr/>
+        </p:nvCxnSpPr>
+        <p:spPr>
+          <a:xfrm>
+            <a:off x="997528" y="1979468"/>
+            <a:ext cx="893612" cy="0"/>
+          </a:xfrm>
+          <a:prstGeom prst="line">
+            <a:avLst/>
+          </a:prstGeom>
+          <a:ln w="19050"/>
+        </p:spPr>
+        <p:style>
+          <a:lnRef idx="1">
+            <a:schemeClr val="accent2"/>
+          </a:lnRef>
+          <a:fillRef idx="0">
+            <a:schemeClr val="accent2"/>
+          </a:fillRef>
+          <a:effectRef idx="0">
+            <a:schemeClr val="accent2"/>
+          </a:effectRef>
+          <a:fontRef idx="minor">
+            <a:schemeClr val="tx1"/>
+          </a:fontRef>
+        </p:style>
+      </p:cxnSp>
+      <p:sp>
+        <p:nvSpPr>
+          <p:cNvPr id="18" name="Rectangle 17">
+            <a:extLst>
+              <a:ext uri="{FF2B5EF4-FFF2-40B4-BE49-F238E27FC236}">
+                <a16:creationId xmlns:a16="http://schemas.microsoft.com/office/drawing/2014/main" id="{0E1A35F0-6DCC-460E-B002-AED3B2DAE4E3}"/>
+              </a:ext>
+            </a:extLst>
+          </p:cNvPr>
+          <p:cNvSpPr/>
+          <p:nvPr/>
+        </p:nvSpPr>
+        <p:spPr>
+          <a:xfrm>
+            <a:off x="904007" y="2704131"/>
+            <a:ext cx="1226124" cy="342899"/>
+          </a:xfrm>
+          <a:prstGeom prst="rect">
+            <a:avLst/>
+          </a:prstGeom>
+          <a:ln>
+            <a:noFill/>
+          </a:ln>
+        </p:spPr>
+        <p:style>
+          <a:lnRef idx="2">
+            <a:schemeClr val="accent1">
+              <a:shade val="50000"/>
+            </a:schemeClr>
+          </a:lnRef>
+          <a:fillRef idx="1">
+            <a:schemeClr val="accent1"/>
+          </a:fillRef>
+          <a:effectRef idx="0">
+            <a:schemeClr val="accent1"/>
+          </a:effectRef>
+          <a:fontRef idx="minor">
+            <a:schemeClr val="lt1"/>
+          </a:fontRef>
+        </p:style>
+        <p:txBody>
+          <a:bodyPr rtlCol="0" anchor="ctr"/>
+          <a:lstStyle/>
+          <a:p>
+            <a:pPr algn="ctr"/>
+            <a:r>
+              <a:rPr lang="en-US" dirty="0"/>
+              <a:t>(</a:t>
+            </a:r>
+            <a:r>
+              <a:rPr lang="en-US" dirty="0" err="1"/>
+              <a:t>Grundler</a:t>
+            </a:r>
+            <a:r>
+              <a:rPr lang="en-US" dirty="0"/>
+              <a:t>,</a:t>
+            </a:r>
+          </a:p>
+          <a:p>
+            <a:pPr algn="ctr"/>
+            <a:r>
+              <a:rPr lang="en-US" dirty="0"/>
+              <a:t> 2021)</a:t>
+            </a:r>
+          </a:p>
+        </p:txBody>
+      </p:sp>
+      <p:cxnSp>
+        <p:nvCxnSpPr>
+          <p:cNvPr id="20" name="Straight Connector 19">
+            <a:extLst>
+              <a:ext uri="{FF2B5EF4-FFF2-40B4-BE49-F238E27FC236}">
+                <a16:creationId xmlns:a16="http://schemas.microsoft.com/office/drawing/2014/main" id="{DE5175F3-5CED-4371-97A8-1215090540A2}"/>
+              </a:ext>
+            </a:extLst>
+          </p:cNvPr>
+          <p:cNvCxnSpPr/>
+          <p:nvPr/>
+        </p:nvCxnSpPr>
+        <p:spPr>
+          <a:xfrm>
+            <a:off x="1506679" y="1969227"/>
+            <a:ext cx="0" cy="734904"/>
+          </a:xfrm>
+          <a:prstGeom prst="line">
+            <a:avLst/>
+          </a:prstGeom>
+          <a:ln w="19050">
+            <a:solidFill>
+              <a:schemeClr val="accent2"/>
+            </a:solidFill>
+          </a:ln>
+        </p:spPr>
+        <p:style>
+          <a:lnRef idx="1">
+            <a:schemeClr val="accent1"/>
+          </a:lnRef>
+          <a:fillRef idx="0">
+            <a:schemeClr val="accent1"/>
+          </a:fillRef>
+          <a:effectRef idx="0">
+            <a:schemeClr val="accent1"/>
+          </a:effectRef>
+          <a:fontRef idx="minor">
+            <a:schemeClr val="tx1"/>
+          </a:fontRef>
+        </p:style>
+      </p:cxnSp>
+      <p:sp>
+        <p:nvSpPr>
+          <p:cNvPr id="21" name="Rectangle 20">
+            <a:extLst>
+              <a:ext uri="{FF2B5EF4-FFF2-40B4-BE49-F238E27FC236}">
+                <a16:creationId xmlns:a16="http://schemas.microsoft.com/office/drawing/2014/main" id="{02314A83-E14E-4689-B7A6-A51A8CA45F1F}"/>
+              </a:ext>
+            </a:extLst>
+          </p:cNvPr>
+          <p:cNvSpPr/>
+          <p:nvPr/>
+        </p:nvSpPr>
+        <p:spPr>
+          <a:xfrm>
+            <a:off x="3392767" y="1830515"/>
+            <a:ext cx="1065210" cy="342899"/>
+          </a:xfrm>
+          <a:prstGeom prst="rect">
+            <a:avLst/>
+          </a:prstGeom>
+          <a:solidFill>
+            <a:srgbClr val="00B050"/>
+          </a:solidFill>
+          <a:ln>
+            <a:noFill/>
+          </a:ln>
+        </p:spPr>
+        <p:style>
+          <a:lnRef idx="2">
+            <a:schemeClr val="accent1">
+              <a:shade val="50000"/>
+            </a:schemeClr>
+          </a:lnRef>
+          <a:fillRef idx="1">
+            <a:schemeClr val="accent1"/>
+          </a:fillRef>
+          <a:effectRef idx="0">
+            <a:schemeClr val="accent1"/>
+          </a:effectRef>
+          <a:fontRef idx="minor">
+            <a:schemeClr val="lt1"/>
+          </a:fontRef>
+        </p:style>
+        <p:txBody>
+          <a:bodyPr rtlCol="0" anchor="ctr"/>
+          <a:lstStyle/>
+          <a:p>
+            <a:pPr algn="ctr"/>
+            <a:r>
+              <a:rPr lang="en-US" dirty="0"/>
+              <a:t>(Bashar, </a:t>
+            </a:r>
+          </a:p>
+          <a:p>
+            <a:pPr algn="ctr"/>
+            <a:r>
+              <a:rPr lang="en-US" dirty="0"/>
+              <a:t>2019)</a:t>
+            </a:r>
+          </a:p>
+        </p:txBody>
+      </p:sp>
+      <p:sp>
+        <p:nvSpPr>
+          <p:cNvPr id="22" name="Rectangle 21">
+            <a:extLst>
+              <a:ext uri="{FF2B5EF4-FFF2-40B4-BE49-F238E27FC236}">
+                <a16:creationId xmlns:a16="http://schemas.microsoft.com/office/drawing/2014/main" id="{4484744B-E62E-4530-93BB-0571ACB6811C}"/>
+              </a:ext>
+            </a:extLst>
+          </p:cNvPr>
+          <p:cNvSpPr/>
+          <p:nvPr/>
+        </p:nvSpPr>
+        <p:spPr>
+          <a:xfrm>
+            <a:off x="4568680" y="1849023"/>
+            <a:ext cx="782641" cy="342899"/>
+          </a:xfrm>
+          <a:prstGeom prst="rect">
+            <a:avLst/>
+          </a:prstGeom>
+          <a:solidFill>
+            <a:srgbClr val="00B050"/>
+          </a:solidFill>
+          <a:ln>
+            <a:noFill/>
+          </a:ln>
+        </p:spPr>
+        <p:style>
+          <a:lnRef idx="2">
+            <a:schemeClr val="accent1">
+              <a:shade val="50000"/>
+            </a:schemeClr>
+          </a:lnRef>
+          <a:fillRef idx="1">
+            <a:schemeClr val="accent1"/>
+          </a:fillRef>
+          <a:effectRef idx="0">
+            <a:schemeClr val="accent1"/>
+          </a:effectRef>
+          <a:fontRef idx="minor">
+            <a:schemeClr val="lt1"/>
+          </a:fontRef>
+        </p:style>
+        <p:txBody>
+          <a:bodyPr rtlCol="0" anchor="ctr"/>
+          <a:lstStyle/>
+          <a:p>
+            <a:pPr algn="ctr"/>
+            <a:r>
+              <a:rPr lang="en-US" dirty="0"/>
+              <a:t>(Huda, 2019)</a:t>
+            </a:r>
+          </a:p>
+        </p:txBody>
+      </p:sp>
+      <p:sp>
+        <p:nvSpPr>
+          <p:cNvPr id="24" name="Rectangle 23">
+            <a:extLst>
+              <a:ext uri="{FF2B5EF4-FFF2-40B4-BE49-F238E27FC236}">
+                <a16:creationId xmlns:a16="http://schemas.microsoft.com/office/drawing/2014/main" id="{B38EE94E-F411-46C1-8485-C22006FD2B2C}"/>
+              </a:ext>
+            </a:extLst>
+          </p:cNvPr>
+          <p:cNvSpPr/>
+          <p:nvPr/>
+        </p:nvSpPr>
+        <p:spPr>
+          <a:xfrm>
+            <a:off x="5465620" y="1849022"/>
+            <a:ext cx="1226124" cy="342899"/>
+          </a:xfrm>
+          <a:prstGeom prst="rect">
+            <a:avLst/>
+          </a:prstGeom>
+          <a:solidFill>
+            <a:srgbClr val="00B050"/>
+          </a:solidFill>
+          <a:ln>
+            <a:noFill/>
+          </a:ln>
+        </p:spPr>
+        <p:style>
+          <a:lnRef idx="2">
+            <a:schemeClr val="accent1">
+              <a:shade val="50000"/>
+            </a:schemeClr>
+          </a:lnRef>
+          <a:fillRef idx="1">
+            <a:schemeClr val="accent1"/>
+          </a:fillRef>
+          <a:effectRef idx="0">
+            <a:schemeClr val="accent1"/>
+          </a:effectRef>
+          <a:fontRef idx="minor">
+            <a:schemeClr val="lt1"/>
+          </a:fontRef>
+        </p:style>
+        <p:txBody>
+          <a:bodyPr rtlCol="0" anchor="ctr"/>
+          <a:lstStyle/>
+          <a:p>
+            <a:pPr algn="ctr"/>
+            <a:r>
+              <a:rPr lang="en-US" dirty="0"/>
+              <a:t>(</a:t>
+            </a:r>
+            <a:r>
+              <a:rPr lang="en-US" dirty="0" err="1"/>
+              <a:t>Rahutomo</a:t>
+            </a:r>
+            <a:r>
+              <a:rPr lang="en-US" dirty="0"/>
+              <a:t>, 2020)</a:t>
+            </a:r>
+          </a:p>
+        </p:txBody>
+      </p:sp>
+      <p:cxnSp>
+        <p:nvCxnSpPr>
+          <p:cNvPr id="36" name="Straight Connector 35">
+            <a:extLst>
+              <a:ext uri="{FF2B5EF4-FFF2-40B4-BE49-F238E27FC236}">
+                <a16:creationId xmlns:a16="http://schemas.microsoft.com/office/drawing/2014/main" id="{71D4CD5F-2147-4C93-BDA4-3026DD46620E}"/>
+              </a:ext>
+            </a:extLst>
+          </p:cNvPr>
+          <p:cNvCxnSpPr>
+            <a:cxnSpLocks/>
+          </p:cNvCxnSpPr>
+          <p:nvPr/>
+        </p:nvCxnSpPr>
+        <p:spPr>
+          <a:xfrm>
+            <a:off x="3210364" y="1979468"/>
+            <a:ext cx="218636" cy="0"/>
+          </a:xfrm>
+          <a:prstGeom prst="line">
+            <a:avLst/>
+          </a:prstGeom>
+          <a:ln w="19050">
+            <a:solidFill>
+              <a:srgbClr val="00B050"/>
+            </a:solidFill>
+          </a:ln>
+        </p:spPr>
+        <p:style>
+          <a:lnRef idx="1">
+            <a:schemeClr val="accent1"/>
+          </a:lnRef>
+          <a:fillRef idx="0">
+            <a:schemeClr val="accent1"/>
+          </a:fillRef>
+          <a:effectRef idx="0">
+            <a:schemeClr val="accent1"/>
+          </a:effectRef>
+          <a:fontRef idx="minor">
+            <a:schemeClr val="tx1"/>
+          </a:fontRef>
+        </p:style>
+      </p:cxnSp>
+      <p:cxnSp>
+        <p:nvCxnSpPr>
+          <p:cNvPr id="40" name="Straight Connector 39">
+            <a:extLst>
+              <a:ext uri="{FF2B5EF4-FFF2-40B4-BE49-F238E27FC236}">
+                <a16:creationId xmlns:a16="http://schemas.microsoft.com/office/drawing/2014/main" id="{9C0FE012-9869-4B4F-8D43-80B1BFDCF844}"/>
+              </a:ext>
+            </a:extLst>
+          </p:cNvPr>
+          <p:cNvCxnSpPr>
+            <a:cxnSpLocks/>
+          </p:cNvCxnSpPr>
+          <p:nvPr/>
+        </p:nvCxnSpPr>
+        <p:spPr>
+          <a:xfrm>
+            <a:off x="4350044" y="1979468"/>
+            <a:ext cx="218636" cy="0"/>
+          </a:xfrm>
+          <a:prstGeom prst="line">
+            <a:avLst/>
+          </a:prstGeom>
+          <a:ln w="19050">
+            <a:solidFill>
+              <a:srgbClr val="00B050"/>
+            </a:solidFill>
+          </a:ln>
+        </p:spPr>
+        <p:style>
+          <a:lnRef idx="1">
+            <a:schemeClr val="accent1"/>
+          </a:lnRef>
+          <a:fillRef idx="0">
+            <a:schemeClr val="accent1"/>
+          </a:fillRef>
+          <a:effectRef idx="0">
+            <a:schemeClr val="accent1"/>
+          </a:effectRef>
+          <a:fontRef idx="minor">
+            <a:schemeClr val="tx1"/>
+          </a:fontRef>
+        </p:style>
+      </p:cxnSp>
+      <p:cxnSp>
+        <p:nvCxnSpPr>
+          <p:cNvPr id="41" name="Straight Connector 40">
+            <a:extLst>
+              <a:ext uri="{FF2B5EF4-FFF2-40B4-BE49-F238E27FC236}">
+                <a16:creationId xmlns:a16="http://schemas.microsoft.com/office/drawing/2014/main" id="{93EC9256-8D8D-4F60-B18E-AFDD5AFCEA89}"/>
+              </a:ext>
+            </a:extLst>
+          </p:cNvPr>
+          <p:cNvCxnSpPr>
+            <a:cxnSpLocks/>
+          </p:cNvCxnSpPr>
+          <p:nvPr/>
+        </p:nvCxnSpPr>
+        <p:spPr>
+          <a:xfrm>
+            <a:off x="5283566" y="1979468"/>
+            <a:ext cx="218636" cy="0"/>
+          </a:xfrm>
+          <a:prstGeom prst="line">
+            <a:avLst/>
+          </a:prstGeom>
+          <a:ln w="19050">
+            <a:solidFill>
+              <a:srgbClr val="00B050"/>
+            </a:solidFill>
+          </a:ln>
+        </p:spPr>
+        <p:style>
+          <a:lnRef idx="1">
+            <a:schemeClr val="accent1"/>
+          </a:lnRef>
+          <a:fillRef idx="0">
+            <a:schemeClr val="accent1"/>
+          </a:fillRef>
+          <a:effectRef idx="0">
+            <a:schemeClr val="accent1"/>
+          </a:effectRef>
+          <a:fontRef idx="minor">
+            <a:schemeClr val="tx1"/>
+          </a:fontRef>
+        </p:style>
+      </p:cxnSp>
+    </p:spTree>
+    <p:extLst>
+      <p:ext uri="{BB962C8B-B14F-4D97-AF65-F5344CB8AC3E}">
+        <p14:creationId xmlns:p14="http://schemas.microsoft.com/office/powerpoint/2010/main" val="810884287"/>
+      </p:ext>
+    </p:extLst>
+  </p:cSld>
+  <p:clrMapOvr>
+    <a:masterClrMapping/>
+  </p:clrMapOvr>
+</p:sld>
+</file>
+
+<file path=ppt/slides/slide11.xml><?xml version="1.0" encoding="utf-8"?>
+<p:sld xmlns:a="http://schemas.openxmlformats.org/drawingml/2006/main" xmlns:r="http://schemas.openxmlformats.org/officeDocument/2006/relationships" xmlns:p="http://schemas.openxmlformats.org/presentationml/2006/main">
+  <p:cSld>
+    <p:spTree>
+      <p:nvGrpSpPr>
+        <p:cNvPr id="1" name=""/>
+        <p:cNvGrpSpPr/>
+        <p:nvPr/>
+      </p:nvGrpSpPr>
+      <p:grpSpPr>
+        <a:xfrm>
+          <a:off x="0" y="0"/>
+          <a:ext cx="0" cy="0"/>
+          <a:chOff x="0" y="0"/>
+          <a:chExt cx="0" cy="0"/>
+        </a:xfrm>
+      </p:grpSpPr>
+      <p:sp>
+        <p:nvSpPr>
+          <p:cNvPr id="2" name="Title 1">
+            <a:extLst>
+              <a:ext uri="{FF2B5EF4-FFF2-40B4-BE49-F238E27FC236}">
+                <a16:creationId xmlns:a16="http://schemas.microsoft.com/office/drawing/2014/main" id="{374C575E-F5F7-4C39-A9BE-1C9362C489AA}"/>
+              </a:ext>
+            </a:extLst>
+          </p:cNvPr>
+          <p:cNvSpPr>
+            <a:spLocks noGrp="1"/>
+          </p:cNvSpPr>
+          <p:nvPr>
+            <p:ph type="title"/>
+          </p:nvPr>
+        </p:nvSpPr>
+        <p:spPr>
+          <a:xfrm>
+            <a:off x="207818" y="225955"/>
+            <a:ext cx="5788743" cy="857400"/>
+          </a:xfrm>
+        </p:spPr>
+        <p:txBody>
+          <a:bodyPr/>
+          <a:lstStyle/>
+          <a:p>
+            <a:r>
+              <a:rPr lang="en-US" dirty="0"/>
+              <a:t>Indonesia Literature Map</a:t>
+            </a:r>
+            <a:endParaRPr lang="en-ID" dirty="0"/>
+          </a:p>
+        </p:txBody>
+      </p:sp>
+      <p:sp>
+        <p:nvSpPr>
+          <p:cNvPr id="3" name="Slide Number Placeholder 2">
+            <a:extLst>
+              <a:ext uri="{FF2B5EF4-FFF2-40B4-BE49-F238E27FC236}">
+                <a16:creationId xmlns:a16="http://schemas.microsoft.com/office/drawing/2014/main" id="{C392F243-0512-4E4A-BE6C-963029369A57}"/>
+              </a:ext>
+            </a:extLst>
+          </p:cNvPr>
+          <p:cNvSpPr>
+            <a:spLocks noGrp="1"/>
+          </p:cNvSpPr>
+          <p:nvPr>
+            <p:ph type="sldNum" idx="12"/>
+          </p:nvPr>
+        </p:nvSpPr>
+        <p:spPr/>
+        <p:txBody>
+          <a:bodyPr/>
+          <a:lstStyle/>
+          <a:p>
+            <a:fld id="{00000000-1234-1234-1234-123412341234}" type="slidenum">
+              <a:rPr lang="en" smtClean="0"/>
+              <a:pPr/>
+              <a:t>11</a:t>
+            </a:fld>
+            <a:endParaRPr lang="en"/>
+          </a:p>
+        </p:txBody>
+      </p:sp>
+      <p:sp>
+        <p:nvSpPr>
+          <p:cNvPr id="6" name="Rectangle 5">
+            <a:extLst>
+              <a:ext uri="{FF2B5EF4-FFF2-40B4-BE49-F238E27FC236}">
+                <a16:creationId xmlns:a16="http://schemas.microsoft.com/office/drawing/2014/main" id="{36EF7D91-56C9-446C-B2D2-9B8C77BA4749}"/>
+              </a:ext>
+            </a:extLst>
+          </p:cNvPr>
+          <p:cNvSpPr/>
+          <p:nvPr/>
+        </p:nvSpPr>
+        <p:spPr>
+          <a:xfrm>
+            <a:off x="0" y="1111827"/>
+            <a:ext cx="6858000" cy="4156364"/>
+          </a:xfrm>
+          <a:prstGeom prst="rect">
+            <a:avLst/>
+          </a:prstGeom>
+          <a:solidFill>
+            <a:schemeClr val="accent6">
+              <a:lumMod val="20000"/>
+              <a:lumOff val="80000"/>
+            </a:schemeClr>
+          </a:solidFill>
+          <a:ln>
+            <a:noFill/>
+          </a:ln>
+        </p:spPr>
+        <p:style>
+          <a:lnRef idx="2">
+            <a:schemeClr val="accent6"/>
+          </a:lnRef>
+          <a:fillRef idx="1">
+            <a:schemeClr val="lt1"/>
+          </a:fillRef>
+          <a:effectRef idx="0">
+            <a:schemeClr val="accent6"/>
+          </a:effectRef>
+          <a:fontRef idx="minor">
+            <a:schemeClr val="dk1"/>
+          </a:fontRef>
+        </p:style>
+        <p:txBody>
+          <a:bodyPr rtlCol="0" anchor="ctr"/>
+          <a:lstStyle/>
+          <a:p>
+            <a:pPr algn="ctr"/>
+            <a:endParaRPr lang="en-ID" dirty="0"/>
+          </a:p>
+        </p:txBody>
+      </p:sp>
+      <p:sp>
+        <p:nvSpPr>
+          <p:cNvPr id="4" name="Rectangle: Rounded Corners 3">
+            <a:extLst>
+              <a:ext uri="{FF2B5EF4-FFF2-40B4-BE49-F238E27FC236}">
+                <a16:creationId xmlns:a16="http://schemas.microsoft.com/office/drawing/2014/main" id="{CEDC4A86-DB11-4573-A922-4D697F1F0A32}"/>
+              </a:ext>
+            </a:extLst>
+          </p:cNvPr>
+          <p:cNvSpPr/>
+          <p:nvPr/>
+        </p:nvSpPr>
+        <p:spPr>
+          <a:xfrm>
+            <a:off x="602673" y="1485896"/>
+            <a:ext cx="2421082" cy="673953"/>
+          </a:xfrm>
+          <a:prstGeom prst="roundRect">
+            <a:avLst/>
+          </a:prstGeom>
+          <a:solidFill>
+            <a:schemeClr val="accent2"/>
+          </a:solidFill>
+          <a:ln>
+            <a:noFill/>
+          </a:ln>
+        </p:spPr>
+        <p:style>
+          <a:lnRef idx="2">
+            <a:schemeClr val="accent1">
+              <a:shade val="50000"/>
+            </a:schemeClr>
+          </a:lnRef>
+          <a:fillRef idx="1">
+            <a:schemeClr val="accent1"/>
+          </a:fillRef>
+          <a:effectRef idx="0">
+            <a:schemeClr val="accent1"/>
+          </a:effectRef>
+          <a:fontRef idx="minor">
+            <a:schemeClr val="lt1"/>
+          </a:fontRef>
+        </p:style>
+        <p:txBody>
+          <a:bodyPr rtlCol="0" anchor="ctr"/>
+          <a:lstStyle/>
+          <a:p>
+            <a:pPr algn="ctr"/>
+            <a:endParaRPr lang="en-ID"/>
+          </a:p>
+        </p:txBody>
+      </p:sp>
+      <p:sp>
+        <p:nvSpPr>
+          <p:cNvPr id="25" name="Rectangle: Rounded Corners 24">
+            <a:extLst>
+              <a:ext uri="{FF2B5EF4-FFF2-40B4-BE49-F238E27FC236}">
+                <a16:creationId xmlns:a16="http://schemas.microsoft.com/office/drawing/2014/main" id="{43848F9E-937F-48FA-897C-02DBF4DE2BD5}"/>
+              </a:ext>
+            </a:extLst>
+          </p:cNvPr>
+          <p:cNvSpPr/>
+          <p:nvPr/>
+        </p:nvSpPr>
+        <p:spPr>
+          <a:xfrm>
+            <a:off x="602673" y="2047006"/>
+            <a:ext cx="2421082" cy="2870539"/>
+          </a:xfrm>
+          <a:prstGeom prst="roundRect">
+            <a:avLst/>
+          </a:prstGeom>
+          <a:solidFill>
+            <a:schemeClr val="accent2">
+              <a:lumMod val="20000"/>
+              <a:lumOff val="80000"/>
+            </a:schemeClr>
+          </a:solidFill>
+          <a:ln>
+            <a:noFill/>
+          </a:ln>
+        </p:spPr>
+        <p:style>
+          <a:lnRef idx="2">
+            <a:schemeClr val="accent1">
+              <a:shade val="50000"/>
+            </a:schemeClr>
+          </a:lnRef>
+          <a:fillRef idx="1">
+            <a:schemeClr val="accent1"/>
+          </a:fillRef>
+          <a:effectRef idx="0">
+            <a:schemeClr val="accent1"/>
+          </a:effectRef>
+          <a:fontRef idx="minor">
+            <a:schemeClr val="lt1"/>
+          </a:fontRef>
+        </p:style>
+        <p:txBody>
+          <a:bodyPr rtlCol="0" anchor="ctr"/>
+          <a:lstStyle/>
+          <a:p>
+            <a:pPr algn="ctr"/>
+            <a:r>
+              <a:rPr lang="en-US" dirty="0">
+                <a:solidFill>
+                  <a:schemeClr val="tx1"/>
+                </a:solidFill>
+              </a:rPr>
+              <a:t>Nurviana, 2022</a:t>
+            </a:r>
+            <a:endParaRPr lang="en-ID" dirty="0">
+              <a:solidFill>
+                <a:schemeClr val="tx1"/>
+              </a:solidFill>
+            </a:endParaRPr>
+          </a:p>
+        </p:txBody>
+      </p:sp>
+      <p:sp>
+        <p:nvSpPr>
+          <p:cNvPr id="7" name="Isosceles Triangle 6">
+            <a:extLst>
+              <a:ext uri="{FF2B5EF4-FFF2-40B4-BE49-F238E27FC236}">
+                <a16:creationId xmlns:a16="http://schemas.microsoft.com/office/drawing/2014/main" id="{1B7D341A-AA90-446B-946E-AE108EDF059B}"/>
+              </a:ext>
+            </a:extLst>
+          </p:cNvPr>
+          <p:cNvSpPr/>
+          <p:nvPr/>
+        </p:nvSpPr>
+        <p:spPr>
+          <a:xfrm flipV="1">
+            <a:off x="1433946" y="2036613"/>
+            <a:ext cx="758536" cy="324497"/>
+          </a:xfrm>
+          <a:prstGeom prst="triangle">
+            <a:avLst/>
+          </a:prstGeom>
+          <a:solidFill>
+            <a:schemeClr val="accent2"/>
+          </a:solidFill>
+          <a:ln>
+            <a:noFill/>
+          </a:ln>
+        </p:spPr>
+        <p:style>
+          <a:lnRef idx="2">
+            <a:schemeClr val="accent1">
+              <a:shade val="50000"/>
+            </a:schemeClr>
+          </a:lnRef>
+          <a:fillRef idx="1">
+            <a:schemeClr val="accent1"/>
+          </a:fillRef>
+          <a:effectRef idx="0">
+            <a:schemeClr val="accent1"/>
+          </a:effectRef>
+          <a:fontRef idx="minor">
+            <a:schemeClr val="lt1"/>
+          </a:fontRef>
+        </p:style>
+        <p:txBody>
+          <a:bodyPr rtlCol="0" anchor="ctr"/>
+          <a:lstStyle/>
+          <a:p>
+            <a:pPr algn="ctr"/>
+            <a:endParaRPr lang="en-ID"/>
+          </a:p>
+        </p:txBody>
+      </p:sp>
+      <p:sp>
+        <p:nvSpPr>
+          <p:cNvPr id="16" name="Rectangle: Rounded Corners 15">
+            <a:extLst>
+              <a:ext uri="{FF2B5EF4-FFF2-40B4-BE49-F238E27FC236}">
+                <a16:creationId xmlns:a16="http://schemas.microsoft.com/office/drawing/2014/main" id="{63509FB2-46C6-44F3-BF48-5688D3FEFA1E}"/>
+              </a:ext>
+            </a:extLst>
+          </p:cNvPr>
+          <p:cNvSpPr/>
+          <p:nvPr/>
+        </p:nvSpPr>
+        <p:spPr>
+          <a:xfrm>
+            <a:off x="602673" y="2565368"/>
+            <a:ext cx="2421082" cy="319746"/>
+          </a:xfrm>
+          <a:prstGeom prst="roundRect">
+            <a:avLst/>
+          </a:prstGeom>
+          <a:solidFill>
+            <a:schemeClr val="accent2"/>
+          </a:solidFill>
+          <a:ln>
+            <a:noFill/>
+          </a:ln>
+        </p:spPr>
+        <p:style>
+          <a:lnRef idx="2">
+            <a:schemeClr val="accent1">
+              <a:shade val="50000"/>
+            </a:schemeClr>
+          </a:lnRef>
+          <a:fillRef idx="1">
+            <a:schemeClr val="accent1"/>
+          </a:fillRef>
+          <a:effectRef idx="0">
+            <a:schemeClr val="accent1"/>
+          </a:effectRef>
+          <a:fontRef idx="minor">
+            <a:schemeClr val="lt1"/>
+          </a:fontRef>
+        </p:style>
+        <p:txBody>
+          <a:bodyPr rtlCol="0" anchor="ctr"/>
+          <a:lstStyle/>
+          <a:p>
+            <a:pPr algn="ctr"/>
+            <a:r>
+              <a:rPr lang="en-US" dirty="0"/>
+              <a:t>Measurement</a:t>
+            </a:r>
+            <a:endParaRPr lang="en-ID" dirty="0"/>
+          </a:p>
+        </p:txBody>
+      </p:sp>
+      <p:pic>
+        <p:nvPicPr>
+          <p:cNvPr id="23" name="Graphic 22" descr="Gauge">
+            <a:extLst>
+              <a:ext uri="{FF2B5EF4-FFF2-40B4-BE49-F238E27FC236}">
+                <a16:creationId xmlns:a16="http://schemas.microsoft.com/office/drawing/2014/main" id="{677565BF-C7B9-4125-AD6C-2854B8687A8E}"/>
+              </a:ext>
+            </a:extLst>
+          </p:cNvPr>
+          <p:cNvPicPr>
+            <a:picLocks noChangeAspect="1"/>
+          </p:cNvPicPr>
+          <p:nvPr/>
+        </p:nvPicPr>
+        <p:blipFill>
+          <a:blip r:embed="rId2">
+            <a:extLst>
+              <a:ext uri="{96DAC541-7B7A-43D3-8B79-37D633B846F1}">
+                <asvg:svgBlip xmlns:asvg="http://schemas.microsoft.com/office/drawing/2016/SVG/main" r:embed="rId3"/>
+              </a:ext>
+            </a:extLst>
+          </a:blip>
+          <a:stretch>
+            <a:fillRect/>
+          </a:stretch>
+        </p:blipFill>
+        <p:spPr>
+          <a:xfrm>
+            <a:off x="1356014" y="1298858"/>
+            <a:ext cx="914400" cy="914400"/>
+          </a:xfrm>
+          <a:prstGeom prst="rect">
+            <a:avLst/>
+          </a:prstGeom>
+        </p:spPr>
+      </p:pic>
+      <p:sp>
+        <p:nvSpPr>
+          <p:cNvPr id="29" name="Rectangle: Rounded Corners 28">
+            <a:extLst>
+              <a:ext uri="{FF2B5EF4-FFF2-40B4-BE49-F238E27FC236}">
+                <a16:creationId xmlns:a16="http://schemas.microsoft.com/office/drawing/2014/main" id="{313EB97D-995A-4146-899D-F69F5251FC6C}"/>
+              </a:ext>
+            </a:extLst>
+          </p:cNvPr>
+          <p:cNvSpPr/>
+          <p:nvPr/>
+        </p:nvSpPr>
+        <p:spPr>
+          <a:xfrm>
+            <a:off x="3740725" y="1474047"/>
+            <a:ext cx="2421082" cy="673953"/>
+          </a:xfrm>
+          <a:prstGeom prst="roundRect">
+            <a:avLst/>
+          </a:prstGeom>
+          <a:solidFill>
+            <a:srgbClr val="00B050"/>
+          </a:solidFill>
+          <a:ln>
+            <a:noFill/>
+          </a:ln>
+        </p:spPr>
+        <p:style>
+          <a:lnRef idx="2">
+            <a:schemeClr val="accent1">
+              <a:shade val="50000"/>
+            </a:schemeClr>
+          </a:lnRef>
+          <a:fillRef idx="1">
+            <a:schemeClr val="accent1"/>
+          </a:fillRef>
+          <a:effectRef idx="0">
+            <a:schemeClr val="accent1"/>
+          </a:effectRef>
+          <a:fontRef idx="minor">
+            <a:schemeClr val="lt1"/>
+          </a:fontRef>
+        </p:style>
+        <p:txBody>
+          <a:bodyPr rtlCol="0" anchor="ctr"/>
+          <a:lstStyle/>
+          <a:p>
+            <a:pPr algn="ctr"/>
+            <a:endParaRPr lang="en-ID"/>
+          </a:p>
+        </p:txBody>
+      </p:sp>
+      <p:sp>
+        <p:nvSpPr>
+          <p:cNvPr id="30" name="Rectangle: Rounded Corners 29">
+            <a:extLst>
+              <a:ext uri="{FF2B5EF4-FFF2-40B4-BE49-F238E27FC236}">
+                <a16:creationId xmlns:a16="http://schemas.microsoft.com/office/drawing/2014/main" id="{F089FF1D-48CC-4619-8E6E-566DE84C9B52}"/>
+              </a:ext>
+            </a:extLst>
+          </p:cNvPr>
+          <p:cNvSpPr/>
+          <p:nvPr/>
+        </p:nvSpPr>
+        <p:spPr>
+          <a:xfrm>
+            <a:off x="3740725" y="2035157"/>
+            <a:ext cx="2421082" cy="2870539"/>
+          </a:xfrm>
+          <a:prstGeom prst="roundRect">
+            <a:avLst/>
+          </a:prstGeom>
+          <a:solidFill>
+            <a:srgbClr val="FFDFBA"/>
+          </a:solidFill>
+          <a:ln>
+            <a:solidFill>
+              <a:schemeClr val="accent6">
+                <a:lumMod val="40000"/>
+                <a:lumOff val="60000"/>
+              </a:schemeClr>
+            </a:solidFill>
+          </a:ln>
+        </p:spPr>
+        <p:style>
+          <a:lnRef idx="2">
+            <a:schemeClr val="accent1">
+              <a:shade val="50000"/>
+            </a:schemeClr>
+          </a:lnRef>
+          <a:fillRef idx="1">
+            <a:schemeClr val="accent1"/>
+          </a:fillRef>
+          <a:effectRef idx="0">
+            <a:schemeClr val="accent1"/>
+          </a:effectRef>
+          <a:fontRef idx="minor">
+            <a:schemeClr val="lt1"/>
+          </a:fontRef>
+        </p:style>
+        <p:txBody>
+          <a:bodyPr rtlCol="0" anchor="ctr"/>
+          <a:lstStyle/>
+          <a:p>
+            <a:pPr algn="ctr">
+              <a:lnSpc>
+                <a:spcPct val="200000"/>
+              </a:lnSpc>
+            </a:pPr>
+            <a:r>
+              <a:rPr lang="en-US" dirty="0">
+                <a:solidFill>
+                  <a:schemeClr val="tx1"/>
+                </a:solidFill>
+              </a:rPr>
+              <a:t>Nurviana, 2022</a:t>
+            </a:r>
+          </a:p>
+          <a:p>
+            <a:pPr algn="ctr">
+              <a:lnSpc>
+                <a:spcPct val="200000"/>
+              </a:lnSpc>
+            </a:pPr>
+            <a:r>
+              <a:rPr lang="en-US" dirty="0" err="1">
+                <a:solidFill>
+                  <a:schemeClr val="tx1"/>
+                </a:solidFill>
+              </a:rPr>
+              <a:t>Rahutomo</a:t>
+            </a:r>
+            <a:r>
+              <a:rPr lang="en-US" dirty="0">
+                <a:solidFill>
+                  <a:schemeClr val="tx1"/>
+                </a:solidFill>
+              </a:rPr>
+              <a:t>, 2020</a:t>
+            </a:r>
+          </a:p>
+          <a:p>
+            <a:pPr algn="ctr">
+              <a:lnSpc>
+                <a:spcPct val="200000"/>
+              </a:lnSpc>
+            </a:pPr>
+            <a:r>
+              <a:rPr lang="en-US" dirty="0">
+                <a:solidFill>
+                  <a:schemeClr val="tx1"/>
+                </a:solidFill>
+              </a:rPr>
+              <a:t>Huda, 2019</a:t>
+            </a:r>
+            <a:endParaRPr lang="en-ID" dirty="0">
+              <a:solidFill>
+                <a:schemeClr val="tx1"/>
+              </a:solidFill>
+            </a:endParaRPr>
+          </a:p>
+        </p:txBody>
+      </p:sp>
+      <p:sp>
+        <p:nvSpPr>
+          <p:cNvPr id="31" name="Isosceles Triangle 30">
+            <a:extLst>
+              <a:ext uri="{FF2B5EF4-FFF2-40B4-BE49-F238E27FC236}">
+                <a16:creationId xmlns:a16="http://schemas.microsoft.com/office/drawing/2014/main" id="{2FADA87B-E7C3-4F4A-B03F-D994B6E50C24}"/>
+              </a:ext>
+            </a:extLst>
+          </p:cNvPr>
+          <p:cNvSpPr/>
+          <p:nvPr/>
+        </p:nvSpPr>
+        <p:spPr>
+          <a:xfrm flipV="1">
+            <a:off x="4571998" y="2024764"/>
+            <a:ext cx="758536" cy="324497"/>
+          </a:xfrm>
+          <a:prstGeom prst="triangle">
+            <a:avLst/>
+          </a:prstGeom>
+          <a:solidFill>
+            <a:srgbClr val="00B050"/>
+          </a:solidFill>
+          <a:ln>
+            <a:noFill/>
+          </a:ln>
+        </p:spPr>
+        <p:style>
+          <a:lnRef idx="2">
+            <a:schemeClr val="accent1">
+              <a:shade val="50000"/>
+            </a:schemeClr>
+          </a:lnRef>
+          <a:fillRef idx="1">
+            <a:schemeClr val="accent1"/>
+          </a:fillRef>
+          <a:effectRef idx="0">
+            <a:schemeClr val="accent1"/>
+          </a:effectRef>
+          <a:fontRef idx="minor">
+            <a:schemeClr val="lt1"/>
+          </a:fontRef>
+        </p:style>
+        <p:txBody>
+          <a:bodyPr rtlCol="0" anchor="ctr"/>
+          <a:lstStyle/>
+          <a:p>
+            <a:pPr algn="ctr"/>
+            <a:endParaRPr lang="en-ID"/>
+          </a:p>
+        </p:txBody>
+      </p:sp>
+      <p:sp>
+        <p:nvSpPr>
+          <p:cNvPr id="32" name="Rectangle: Rounded Corners 31">
+            <a:extLst>
+              <a:ext uri="{FF2B5EF4-FFF2-40B4-BE49-F238E27FC236}">
+                <a16:creationId xmlns:a16="http://schemas.microsoft.com/office/drawing/2014/main" id="{68532776-0467-4CB3-B7E7-96A25103B2C9}"/>
+              </a:ext>
+            </a:extLst>
+          </p:cNvPr>
+          <p:cNvSpPr/>
+          <p:nvPr/>
+        </p:nvSpPr>
+        <p:spPr>
+          <a:xfrm>
+            <a:off x="3740725" y="2553519"/>
+            <a:ext cx="2421082" cy="319746"/>
+          </a:xfrm>
+          <a:prstGeom prst="roundRect">
+            <a:avLst/>
+          </a:prstGeom>
+          <a:solidFill>
+            <a:srgbClr val="00B050"/>
+          </a:solidFill>
+          <a:ln>
+            <a:noFill/>
+          </a:ln>
+        </p:spPr>
+        <p:style>
+          <a:lnRef idx="2">
+            <a:schemeClr val="accent1">
+              <a:shade val="50000"/>
+            </a:schemeClr>
+          </a:lnRef>
+          <a:fillRef idx="1">
+            <a:schemeClr val="accent1"/>
+          </a:fillRef>
+          <a:effectRef idx="0">
+            <a:schemeClr val="accent1"/>
+          </a:effectRef>
+          <a:fontRef idx="minor">
+            <a:schemeClr val="lt1"/>
+          </a:fontRef>
+        </p:style>
+        <p:txBody>
+          <a:bodyPr rtlCol="0" anchor="ctr"/>
+          <a:lstStyle/>
+          <a:p>
+            <a:pPr algn="ctr"/>
+            <a:r>
+              <a:rPr lang="en-US" dirty="0"/>
+              <a:t>Prediction</a:t>
+            </a:r>
+            <a:endParaRPr lang="en-ID" dirty="0"/>
+          </a:p>
+        </p:txBody>
+      </p:sp>
+      <p:pic>
+        <p:nvPicPr>
+          <p:cNvPr id="27" name="Graphic 26" descr="Statistics">
+            <a:extLst>
+              <a:ext uri="{FF2B5EF4-FFF2-40B4-BE49-F238E27FC236}">
+                <a16:creationId xmlns:a16="http://schemas.microsoft.com/office/drawing/2014/main" id="{9CB2FBCE-8DEB-4C4E-941F-46AB70DABA02}"/>
+              </a:ext>
+            </a:extLst>
+          </p:cNvPr>
+          <p:cNvPicPr>
+            <a:picLocks noChangeAspect="1"/>
+          </p:cNvPicPr>
+          <p:nvPr/>
+        </p:nvPicPr>
+        <p:blipFill>
+          <a:blip r:embed="rId4">
+            <a:extLst>
+              <a:ext uri="{96DAC541-7B7A-43D3-8B79-37D633B846F1}">
+                <asvg:svgBlip xmlns:asvg="http://schemas.microsoft.com/office/drawing/2016/SVG/main" r:embed="rId5"/>
+              </a:ext>
+            </a:extLst>
+          </a:blip>
+          <a:stretch>
+            <a:fillRect/>
+          </a:stretch>
+        </p:blipFill>
+        <p:spPr>
+          <a:xfrm>
+            <a:off x="4656580" y="1483529"/>
+            <a:ext cx="673954" cy="673954"/>
+          </a:xfrm>
+          <a:prstGeom prst="rect">
+            <a:avLst/>
+          </a:prstGeom>
+        </p:spPr>
+      </p:pic>
+      <p:sp>
+        <p:nvSpPr>
+          <p:cNvPr id="35" name="Rectangle: Rounded Corners 34">
+            <a:extLst>
+              <a:ext uri="{FF2B5EF4-FFF2-40B4-BE49-F238E27FC236}">
+                <a16:creationId xmlns:a16="http://schemas.microsoft.com/office/drawing/2014/main" id="{A1D87FBF-99FB-4B4B-B99E-D2AFBCFAAF52}"/>
+              </a:ext>
+            </a:extLst>
+          </p:cNvPr>
+          <p:cNvSpPr/>
+          <p:nvPr/>
+        </p:nvSpPr>
+        <p:spPr>
+          <a:xfrm>
+            <a:off x="602673" y="4585950"/>
+            <a:ext cx="2421082" cy="319746"/>
+          </a:xfrm>
+          <a:prstGeom prst="roundRect">
+            <a:avLst/>
+          </a:prstGeom>
+          <a:solidFill>
+            <a:schemeClr val="accent2"/>
+          </a:solidFill>
+          <a:ln>
+            <a:noFill/>
+          </a:ln>
+        </p:spPr>
+        <p:style>
+          <a:lnRef idx="2">
+            <a:schemeClr val="accent1">
+              <a:shade val="50000"/>
+            </a:schemeClr>
+          </a:lnRef>
+          <a:fillRef idx="1">
+            <a:schemeClr val="accent1"/>
+          </a:fillRef>
+          <a:effectRef idx="0">
+            <a:schemeClr val="accent1"/>
+          </a:effectRef>
+          <a:fontRef idx="minor">
+            <a:schemeClr val="lt1"/>
+          </a:fontRef>
+        </p:style>
+        <p:txBody>
+          <a:bodyPr rtlCol="0" anchor="ctr"/>
+          <a:lstStyle/>
+          <a:p>
+            <a:pPr algn="ctr"/>
+            <a:endParaRPr lang="en-ID" dirty="0"/>
+          </a:p>
+        </p:txBody>
+      </p:sp>
+      <p:sp>
+        <p:nvSpPr>
+          <p:cNvPr id="37" name="Rectangle: Rounded Corners 36">
+            <a:extLst>
+              <a:ext uri="{FF2B5EF4-FFF2-40B4-BE49-F238E27FC236}">
+                <a16:creationId xmlns:a16="http://schemas.microsoft.com/office/drawing/2014/main" id="{1D2907EA-9960-4DD0-916C-4565BE37A0C7}"/>
+              </a:ext>
+            </a:extLst>
+          </p:cNvPr>
+          <p:cNvSpPr/>
+          <p:nvPr/>
+        </p:nvSpPr>
+        <p:spPr>
+          <a:xfrm>
+            <a:off x="3740725" y="4585950"/>
+            <a:ext cx="2421082" cy="319746"/>
+          </a:xfrm>
+          <a:prstGeom prst="roundRect">
+            <a:avLst/>
+          </a:prstGeom>
+          <a:solidFill>
+            <a:srgbClr val="00B050"/>
+          </a:solidFill>
+          <a:ln>
+            <a:noFill/>
+          </a:ln>
+        </p:spPr>
+        <p:style>
+          <a:lnRef idx="2">
+            <a:schemeClr val="accent1">
+              <a:shade val="50000"/>
+            </a:schemeClr>
+          </a:lnRef>
+          <a:fillRef idx="1">
+            <a:schemeClr val="accent1"/>
+          </a:fillRef>
+          <a:effectRef idx="0">
+            <a:schemeClr val="accent1"/>
+          </a:effectRef>
+          <a:fontRef idx="minor">
+            <a:schemeClr val="lt1"/>
+          </a:fontRef>
+        </p:style>
+        <p:txBody>
+          <a:bodyPr rtlCol="0" anchor="ctr"/>
+          <a:lstStyle/>
+          <a:p>
+            <a:pPr algn="ctr"/>
+            <a:endParaRPr lang="en-ID" dirty="0"/>
+          </a:p>
+        </p:txBody>
+      </p:sp>
+    </p:spTree>
+    <p:extLst>
+      <p:ext uri="{BB962C8B-B14F-4D97-AF65-F5344CB8AC3E}">
+        <p14:creationId xmlns:p14="http://schemas.microsoft.com/office/powerpoint/2010/main" val="2646424295"/>
+      </p:ext>
+    </p:extLst>
+  </p:cSld>
+  <p:clrMapOvr>
+    <a:masterClrMapping/>
+  </p:clrMapOvr>
+</p:sld>
+</file>
+
+<file path=ppt/slides/slide12.xml><?xml version="1.0" encoding="utf-8"?>
+<p:sld xmlns:a="http://schemas.openxmlformats.org/drawingml/2006/main" xmlns:r="http://schemas.openxmlformats.org/officeDocument/2006/relationships" xmlns:p="http://schemas.openxmlformats.org/presentationml/2006/main">
+  <p:cSld>
+    <p:spTree>
+      <p:nvGrpSpPr>
+        <p:cNvPr id="1" name=""/>
+        <p:cNvGrpSpPr/>
+        <p:nvPr/>
+      </p:nvGrpSpPr>
+      <p:grpSpPr>
+        <a:xfrm>
+          <a:off x="0" y="0"/>
+          <a:ext cx="0" cy="0"/>
+          <a:chOff x="0" y="0"/>
+          <a:chExt cx="0" cy="0"/>
+        </a:xfrm>
+      </p:grpSpPr>
+      <p:sp>
+        <p:nvSpPr>
+          <p:cNvPr id="7" name="Title 6">
+            <a:extLst>
+              <a:ext uri="{FF2B5EF4-FFF2-40B4-BE49-F238E27FC236}">
+                <a16:creationId xmlns:a16="http://schemas.microsoft.com/office/drawing/2014/main" id="{46D4ADE7-BD43-4E79-AF6C-49A07A4ED6FF}"/>
+              </a:ext>
+            </a:extLst>
+          </p:cNvPr>
+          <p:cNvSpPr>
+            <a:spLocks noGrp="1"/>
+          </p:cNvSpPr>
+          <p:nvPr>
+            <p:ph type="title"/>
+          </p:nvPr>
+        </p:nvSpPr>
+        <p:spPr>
+          <a:xfrm>
+            <a:off x="1038588" y="129884"/>
+            <a:ext cx="4157370" cy="706582"/>
+          </a:xfrm>
+          <a:noFill/>
+        </p:spPr>
+        <p:txBody>
+          <a:bodyPr/>
+          <a:lstStyle/>
+          <a:p>
+            <a:pPr algn="ctr"/>
+            <a:r>
+              <a:rPr lang="en-US" sz="2800" dirty="0"/>
+              <a:t>Hypothesis</a:t>
+            </a:r>
+            <a:endParaRPr lang="en-ID" dirty="0"/>
+          </a:p>
+        </p:txBody>
+      </p:sp>
+      <p:pic>
+        <p:nvPicPr>
+          <p:cNvPr id="9" name="Picture 8">
+            <a:extLst>
+              <a:ext uri="{FF2B5EF4-FFF2-40B4-BE49-F238E27FC236}">
+                <a16:creationId xmlns:a16="http://schemas.microsoft.com/office/drawing/2014/main" id="{F16F2EC4-9C94-4B6D-9C72-11CBCA6A82DA}"/>
+              </a:ext>
+            </a:extLst>
+          </p:cNvPr>
+          <p:cNvPicPr>
+            <a:picLocks noChangeAspect="1"/>
+          </p:cNvPicPr>
+          <p:nvPr/>
+        </p:nvPicPr>
+        <p:blipFill>
+          <a:blip r:embed="rId2"/>
+          <a:stretch>
+            <a:fillRect/>
+          </a:stretch>
+        </p:blipFill>
+        <p:spPr>
+          <a:xfrm>
+            <a:off x="1510722" y="1630340"/>
+            <a:ext cx="3436360" cy="2237242"/>
+          </a:xfrm>
+          <a:prstGeom prst="rect">
+            <a:avLst/>
+          </a:prstGeom>
+        </p:spPr>
+      </p:pic>
+      <p:sp>
+        <p:nvSpPr>
+          <p:cNvPr id="10" name="TextBox 9">
+            <a:extLst>
+              <a:ext uri="{FF2B5EF4-FFF2-40B4-BE49-F238E27FC236}">
+                <a16:creationId xmlns:a16="http://schemas.microsoft.com/office/drawing/2014/main" id="{4380E99C-493D-47FC-9B8E-EFF5D4908768}"/>
+              </a:ext>
+            </a:extLst>
+          </p:cNvPr>
+          <p:cNvSpPr txBox="1"/>
+          <p:nvPr/>
+        </p:nvSpPr>
+        <p:spPr>
+          <a:xfrm>
+            <a:off x="-20926" y="1422112"/>
+            <a:ext cx="2254827" cy="861774"/>
+          </a:xfrm>
+          <a:prstGeom prst="rect">
+            <a:avLst/>
+          </a:prstGeom>
+          <a:noFill/>
+        </p:spPr>
+        <p:txBody>
+          <a:bodyPr wrap="square" rtlCol="0">
+            <a:spAutoFit/>
+          </a:bodyPr>
+          <a:lstStyle/>
+          <a:p>
+            <a:r>
+              <a:rPr lang="en-US" sz="1200" dirty="0">
+                <a:solidFill>
+                  <a:schemeClr val="tx2"/>
+                </a:solidFill>
+              </a:rPr>
+              <a:t>Sentiment analysis can be used as an alternative method to measure democracy level</a:t>
+            </a:r>
+          </a:p>
+          <a:p>
+            <a:endParaRPr lang="en-ID" dirty="0"/>
+          </a:p>
+        </p:txBody>
+      </p:sp>
+      <p:cxnSp>
+        <p:nvCxnSpPr>
+          <p:cNvPr id="13" name="Straight Connector 12">
+            <a:extLst>
+              <a:ext uri="{FF2B5EF4-FFF2-40B4-BE49-F238E27FC236}">
+                <a16:creationId xmlns:a16="http://schemas.microsoft.com/office/drawing/2014/main" id="{3AD2D465-AE02-4056-9B70-7278B03A1945}"/>
+              </a:ext>
+            </a:extLst>
+          </p:cNvPr>
+          <p:cNvCxnSpPr/>
+          <p:nvPr/>
+        </p:nvCxnSpPr>
+        <p:spPr>
+          <a:xfrm>
+            <a:off x="9888" y="2251363"/>
+            <a:ext cx="2057399" cy="0"/>
+          </a:xfrm>
+          <a:prstGeom prst="line">
+            <a:avLst/>
+          </a:prstGeom>
+          <a:ln w="38100">
+            <a:solidFill>
+              <a:schemeClr val="tx2">
+                <a:lumMod val="75000"/>
+              </a:schemeClr>
+            </a:solidFill>
+          </a:ln>
+        </p:spPr>
+        <p:style>
+          <a:lnRef idx="1">
+            <a:schemeClr val="accent1"/>
+          </a:lnRef>
+          <a:fillRef idx="0">
+            <a:schemeClr val="accent1"/>
+          </a:fillRef>
+          <a:effectRef idx="0">
+            <a:schemeClr val="accent1"/>
+          </a:effectRef>
+          <a:fontRef idx="minor">
+            <a:schemeClr val="tx1"/>
+          </a:fontRef>
+        </p:style>
+      </p:cxnSp>
+      <p:sp>
+        <p:nvSpPr>
+          <p:cNvPr id="40" name="TextBox 39">
+            <a:extLst>
+              <a:ext uri="{FF2B5EF4-FFF2-40B4-BE49-F238E27FC236}">
+                <a16:creationId xmlns:a16="http://schemas.microsoft.com/office/drawing/2014/main" id="{D58B6FC2-6105-42B9-A26F-0814B83DAB5D}"/>
+              </a:ext>
+            </a:extLst>
+          </p:cNvPr>
+          <p:cNvSpPr txBox="1"/>
+          <p:nvPr/>
+        </p:nvSpPr>
+        <p:spPr>
+          <a:xfrm>
+            <a:off x="4322618" y="1275918"/>
+            <a:ext cx="2254827" cy="1154162"/>
+          </a:xfrm>
+          <a:prstGeom prst="rect">
+            <a:avLst/>
+          </a:prstGeom>
+          <a:noFill/>
+        </p:spPr>
+        <p:txBody>
+          <a:bodyPr wrap="square" rtlCol="0">
+            <a:spAutoFit/>
+          </a:bodyPr>
+          <a:lstStyle/>
+          <a:p>
+            <a:r>
+              <a:rPr lang="en-US" sz="1100" dirty="0">
+                <a:solidFill>
+                  <a:schemeClr val="tx2"/>
+                </a:solidFill>
+              </a:rPr>
+              <a:t>The prediction of democracy level using sentiment analysis has higher time resolution than using regression of democracy index value</a:t>
+            </a:r>
+          </a:p>
+          <a:p>
+            <a:endParaRPr lang="en-ID" dirty="0"/>
+          </a:p>
+        </p:txBody>
+      </p:sp>
+      <p:cxnSp>
+        <p:nvCxnSpPr>
+          <p:cNvPr id="41" name="Straight Connector 40">
+            <a:extLst>
+              <a:ext uri="{FF2B5EF4-FFF2-40B4-BE49-F238E27FC236}">
+                <a16:creationId xmlns:a16="http://schemas.microsoft.com/office/drawing/2014/main" id="{3C7FC8B3-B631-4C73-A9D9-211ABBBB4F40}"/>
+              </a:ext>
+            </a:extLst>
+          </p:cNvPr>
+          <p:cNvCxnSpPr/>
+          <p:nvPr/>
+        </p:nvCxnSpPr>
+        <p:spPr>
+          <a:xfrm>
+            <a:off x="4421331" y="2251363"/>
+            <a:ext cx="2057399" cy="0"/>
+          </a:xfrm>
+          <a:prstGeom prst="line">
+            <a:avLst/>
+          </a:prstGeom>
+          <a:ln w="38100">
+            <a:solidFill>
+              <a:schemeClr val="tx2">
+                <a:lumMod val="75000"/>
+              </a:schemeClr>
+            </a:solidFill>
+          </a:ln>
+        </p:spPr>
+        <p:style>
+          <a:lnRef idx="1">
+            <a:schemeClr val="accent1"/>
+          </a:lnRef>
+          <a:fillRef idx="0">
+            <a:schemeClr val="accent1"/>
+          </a:fillRef>
+          <a:effectRef idx="0">
+            <a:schemeClr val="accent1"/>
+          </a:effectRef>
+          <a:fontRef idx="minor">
+            <a:schemeClr val="tx1"/>
+          </a:fontRef>
+        </p:style>
+      </p:cxnSp>
+      <p:sp>
+        <p:nvSpPr>
+          <p:cNvPr id="42" name="TextBox 41">
+            <a:extLst>
+              <a:ext uri="{FF2B5EF4-FFF2-40B4-BE49-F238E27FC236}">
+                <a16:creationId xmlns:a16="http://schemas.microsoft.com/office/drawing/2014/main" id="{5533EB84-6C7A-45B9-A7AA-85432640C56B}"/>
+              </a:ext>
+            </a:extLst>
+          </p:cNvPr>
+          <p:cNvSpPr txBox="1"/>
+          <p:nvPr/>
+        </p:nvSpPr>
+        <p:spPr>
+          <a:xfrm>
+            <a:off x="2166504" y="3724709"/>
+            <a:ext cx="2254827" cy="1323439"/>
+          </a:xfrm>
+          <a:prstGeom prst="rect">
+            <a:avLst/>
+          </a:prstGeom>
+          <a:noFill/>
+        </p:spPr>
+        <p:txBody>
+          <a:bodyPr wrap="square" rtlCol="0">
+            <a:spAutoFit/>
+          </a:bodyPr>
+          <a:lstStyle/>
+          <a:p>
+            <a:r>
+              <a:rPr lang="en-US" sz="1100" dirty="0">
+                <a:solidFill>
+                  <a:schemeClr val="tx2"/>
+                </a:solidFill>
+              </a:rPr>
+              <a:t>We expect there is relation between democracy index and sentiment analysis where sentiment analysis can predict democracy index in any specific year</a:t>
+            </a:r>
+            <a:endParaRPr lang="en-ID" sz="1100" dirty="0">
+              <a:solidFill>
+                <a:schemeClr val="tx2"/>
+              </a:solidFill>
+            </a:endParaRPr>
+          </a:p>
+          <a:p>
+            <a:endParaRPr lang="en-ID" dirty="0"/>
+          </a:p>
+        </p:txBody>
+      </p:sp>
+      <p:cxnSp>
+        <p:nvCxnSpPr>
+          <p:cNvPr id="43" name="Straight Connector 42">
+            <a:extLst>
+              <a:ext uri="{FF2B5EF4-FFF2-40B4-BE49-F238E27FC236}">
+                <a16:creationId xmlns:a16="http://schemas.microsoft.com/office/drawing/2014/main" id="{1C685467-FD84-4642-8C5E-090074635D95}"/>
+              </a:ext>
+            </a:extLst>
+          </p:cNvPr>
+          <p:cNvCxnSpPr/>
+          <p:nvPr/>
+        </p:nvCxnSpPr>
+        <p:spPr>
+          <a:xfrm>
+            <a:off x="2233901" y="4876800"/>
+            <a:ext cx="2057399" cy="0"/>
+          </a:xfrm>
+          <a:prstGeom prst="line">
+            <a:avLst/>
+          </a:prstGeom>
+          <a:ln w="38100">
+            <a:solidFill>
+              <a:schemeClr val="tx2">
+                <a:lumMod val="75000"/>
+              </a:schemeClr>
+            </a:solidFill>
+          </a:ln>
+        </p:spPr>
+        <p:style>
+          <a:lnRef idx="1">
+            <a:schemeClr val="accent1"/>
+          </a:lnRef>
+          <a:fillRef idx="0">
+            <a:schemeClr val="accent1"/>
+          </a:fillRef>
+          <a:effectRef idx="0">
+            <a:schemeClr val="accent1"/>
+          </a:effectRef>
+          <a:fontRef idx="minor">
+            <a:schemeClr val="tx1"/>
+          </a:fontRef>
+        </p:style>
+      </p:cxnSp>
+    </p:spTree>
+    <p:extLst>
+      <p:ext uri="{BB962C8B-B14F-4D97-AF65-F5344CB8AC3E}">
+        <p14:creationId xmlns:p14="http://schemas.microsoft.com/office/powerpoint/2010/main" val="133471204"/>
+      </p:ext>
+    </p:extLst>
+  </p:cSld>
+  <p:clrMapOvr>
+    <a:masterClrMapping/>
+  </p:clrMapOvr>
+</p:sld>
+</file>
+
 <file path=ppt/slides/slide2.xml><?xml version="1.0" encoding="utf-8"?>
 <p:sld xmlns:a="http://schemas.openxmlformats.org/drawingml/2006/main" xmlns:r="http://schemas.openxmlformats.org/officeDocument/2006/relationships" xmlns:p="http://schemas.openxmlformats.org/presentationml/2006/main">
   <p:cSld>
@@ -11842,10 +14010,10 @@
       </p:grpSpPr>
       <p:sp>
         <p:nvSpPr>
-          <p:cNvPr id="7" name="Title 6">
+          <p:cNvPr id="2" name="Title 1">
             <a:extLst>
               <a:ext uri="{FF2B5EF4-FFF2-40B4-BE49-F238E27FC236}">
-                <a16:creationId xmlns:a16="http://schemas.microsoft.com/office/drawing/2014/main" id="{46D4ADE7-BD43-4E79-AF6C-49A07A4ED6FF}"/>
+                <a16:creationId xmlns:a16="http://schemas.microsoft.com/office/drawing/2014/main" id="{040A3796-EA1A-4D57-9FBA-98217EBB94BD}"/>
               </a:ext>
             </a:extLst>
           </p:cNvPr>
@@ -11856,32 +14024,55 @@
             <p:ph type="title"/>
           </p:nvPr>
         </p:nvSpPr>
-        <p:spPr>
-          <a:xfrm>
-            <a:off x="1038588" y="129884"/>
-            <a:ext cx="4157370" cy="706582"/>
-          </a:xfrm>
-          <a:noFill/>
-        </p:spPr>
+        <p:spPr/>
         <p:txBody>
           <a:bodyPr/>
           <a:lstStyle/>
           <a:p>
-            <a:pPr algn="ctr"/>
             <a:r>
-              <a:rPr lang="en-US" sz="2800" dirty="0"/>
-              <a:t>Hypothesis</a:t>
+              <a:rPr lang="en-US" dirty="0"/>
+              <a:t>Literature 1</a:t>
             </a:r>
             <a:endParaRPr lang="en-ID" dirty="0"/>
           </a:p>
         </p:txBody>
       </p:sp>
+      <p:sp>
+        <p:nvSpPr>
+          <p:cNvPr id="3" name="Slide Number Placeholder 2">
+            <a:extLst>
+              <a:ext uri="{FF2B5EF4-FFF2-40B4-BE49-F238E27FC236}">
+                <a16:creationId xmlns:a16="http://schemas.microsoft.com/office/drawing/2014/main" id="{CA40326C-907A-4982-9134-1C5D4ACDA2CA}"/>
+              </a:ext>
+            </a:extLst>
+          </p:cNvPr>
+          <p:cNvSpPr>
+            <a:spLocks noGrp="1"/>
+          </p:cNvSpPr>
+          <p:nvPr>
+            <p:ph type="sldNum" idx="12"/>
+          </p:nvPr>
+        </p:nvSpPr>
+        <p:spPr/>
+        <p:txBody>
+          <a:bodyPr/>
+          <a:lstStyle/>
+          <a:p>
+            <a:fld id="{00000000-1234-1234-1234-123412341234}" type="slidenum">
+              <a:rPr lang="en" smtClean="0"/>
+              <a:pPr/>
+              <a:t>5</a:t>
+            </a:fld>
+            <a:endParaRPr lang="en"/>
+          </a:p>
+        </p:txBody>
+      </p:sp>
       <p:pic>
         <p:nvPicPr>
-          <p:cNvPr id="9" name="Picture 8">
+          <p:cNvPr id="5" name="Picture 4">
             <a:extLst>
               <a:ext uri="{FF2B5EF4-FFF2-40B4-BE49-F238E27FC236}">
-                <a16:creationId xmlns:a16="http://schemas.microsoft.com/office/drawing/2014/main" id="{F16F2EC4-9C94-4B6D-9C72-11CBCA6A82DA}"/>
+                <a16:creationId xmlns:a16="http://schemas.microsoft.com/office/drawing/2014/main" id="{05DFA7AC-EFFD-4182-A1A3-0FA30491350D}"/>
               </a:ext>
             </a:extLst>
           </p:cNvPr>
@@ -11898,278 +14089,2880 @@
         </p:blipFill>
         <p:spPr>
           <a:xfrm>
-            <a:off x="1510722" y="1630340"/>
-            <a:ext cx="3436360" cy="2237242"/>
+            <a:off x="390385" y="1120780"/>
+            <a:ext cx="2587336" cy="845853"/>
           </a:xfrm>
           <a:prstGeom prst="rect">
             <a:avLst/>
           </a:prstGeom>
         </p:spPr>
       </p:pic>
-      <p:sp>
-        <p:nvSpPr>
-          <p:cNvPr id="10" name="TextBox 9">
+      <p:pic>
+        <p:nvPicPr>
+          <p:cNvPr id="7" name="Picture 6">
             <a:extLst>
               <a:ext uri="{FF2B5EF4-FFF2-40B4-BE49-F238E27FC236}">
-                <a16:creationId xmlns:a16="http://schemas.microsoft.com/office/drawing/2014/main" id="{4380E99C-493D-47FC-9B8E-EFF5D4908768}"/>
+                <a16:creationId xmlns:a16="http://schemas.microsoft.com/office/drawing/2014/main" id="{6F3B7598-3360-41A9-9206-83716659677A}"/>
               </a:ext>
             </a:extLst>
           </p:cNvPr>
-          <p:cNvSpPr txBox="1"/>
+          <p:cNvPicPr>
+            <a:picLocks noChangeAspect="1"/>
+          </p:cNvPicPr>
           <p:nvPr/>
-        </p:nvSpPr>
+        </p:nvPicPr>
+        <p:blipFill>
+          <a:blip r:embed="rId3"/>
+          <a:stretch>
+            <a:fillRect/>
+          </a:stretch>
+        </p:blipFill>
         <p:spPr>
           <a:xfrm>
-            <a:off x="-20926" y="1422112"/>
-            <a:ext cx="2254827" cy="861774"/>
+            <a:off x="3429000" y="61562"/>
+            <a:ext cx="3324689" cy="5020376"/>
           </a:xfrm>
           <a:prstGeom prst="rect">
             <a:avLst/>
           </a:prstGeom>
-          <a:noFill/>
+        </p:spPr>
+      </p:pic>
+      <p:pic>
+        <p:nvPicPr>
+          <p:cNvPr id="9" name="Picture 8">
+            <a:extLst>
+              <a:ext uri="{FF2B5EF4-FFF2-40B4-BE49-F238E27FC236}">
+                <a16:creationId xmlns:a16="http://schemas.microsoft.com/office/drawing/2014/main" id="{21A77C3E-22BC-490A-A39D-D221BE17C02E}"/>
+              </a:ext>
+            </a:extLst>
+          </p:cNvPr>
+          <p:cNvPicPr>
+            <a:picLocks noChangeAspect="1"/>
+          </p:cNvPicPr>
+          <p:nvPr/>
+        </p:nvPicPr>
+        <p:blipFill>
+          <a:blip r:embed="rId4"/>
+          <a:stretch>
+            <a:fillRect/>
+          </a:stretch>
+        </p:blipFill>
+        <p:spPr>
+          <a:xfrm>
+            <a:off x="472422" y="1930129"/>
+            <a:ext cx="1219200" cy="1219200"/>
+          </a:xfrm>
+          <a:prstGeom prst="rect">
+            <a:avLst/>
+          </a:prstGeom>
+        </p:spPr>
+      </p:pic>
+      <p:pic>
+        <p:nvPicPr>
+          <p:cNvPr id="11" name="Picture 10">
+            <a:extLst>
+              <a:ext uri="{FF2B5EF4-FFF2-40B4-BE49-F238E27FC236}">
+                <a16:creationId xmlns:a16="http://schemas.microsoft.com/office/drawing/2014/main" id="{D9E2AA9D-DB07-45F0-9C5B-8255B07BE155}"/>
+              </a:ext>
+            </a:extLst>
+          </p:cNvPr>
+          <p:cNvPicPr>
+            <a:picLocks noChangeAspect="1"/>
+          </p:cNvPicPr>
+          <p:nvPr/>
+        </p:nvPicPr>
+        <p:blipFill>
+          <a:blip r:embed="rId5"/>
+          <a:stretch>
+            <a:fillRect/>
+          </a:stretch>
+        </p:blipFill>
+        <p:spPr>
+          <a:xfrm>
+            <a:off x="1917261" y="2159351"/>
+            <a:ext cx="857400" cy="857400"/>
+          </a:xfrm>
+          <a:prstGeom prst="rect">
+            <a:avLst/>
+          </a:prstGeom>
+        </p:spPr>
+      </p:pic>
+      <p:pic>
+        <p:nvPicPr>
+          <p:cNvPr id="13" name="Picture 12">
+            <a:extLst>
+              <a:ext uri="{FF2B5EF4-FFF2-40B4-BE49-F238E27FC236}">
+                <a16:creationId xmlns:a16="http://schemas.microsoft.com/office/drawing/2014/main" id="{B25EEB17-D094-499F-A968-ACBA394FA167}"/>
+              </a:ext>
+            </a:extLst>
+          </p:cNvPr>
+          <p:cNvPicPr>
+            <a:picLocks noChangeAspect="1"/>
+          </p:cNvPicPr>
+          <p:nvPr/>
+        </p:nvPicPr>
+        <p:blipFill>
+          <a:blip r:embed="rId6"/>
+          <a:stretch>
+            <a:fillRect/>
+          </a:stretch>
+        </p:blipFill>
+        <p:spPr>
+          <a:xfrm>
+            <a:off x="256115" y="3112825"/>
+            <a:ext cx="2855875" cy="1819790"/>
+          </a:xfrm>
+          <a:prstGeom prst="rect">
+            <a:avLst/>
+          </a:prstGeom>
+        </p:spPr>
+      </p:pic>
+    </p:spTree>
+    <p:extLst>
+      <p:ext uri="{BB962C8B-B14F-4D97-AF65-F5344CB8AC3E}">
+        <p14:creationId xmlns:p14="http://schemas.microsoft.com/office/powerpoint/2010/main" val="1514171254"/>
+      </p:ext>
+    </p:extLst>
+  </p:cSld>
+  <p:clrMapOvr>
+    <a:masterClrMapping/>
+  </p:clrMapOvr>
+</p:sld>
+</file>
+
+<file path=ppt/slides/slide6.xml><?xml version="1.0" encoding="utf-8"?>
+<p:sld xmlns:a="http://schemas.openxmlformats.org/drawingml/2006/main" xmlns:r="http://schemas.openxmlformats.org/officeDocument/2006/relationships" xmlns:p="http://schemas.openxmlformats.org/presentationml/2006/main">
+  <p:cSld>
+    <p:spTree>
+      <p:nvGrpSpPr>
+        <p:cNvPr id="1" name=""/>
+        <p:cNvGrpSpPr/>
+        <p:nvPr/>
+      </p:nvGrpSpPr>
+      <p:grpSpPr>
+        <a:xfrm>
+          <a:off x="0" y="0"/>
+          <a:ext cx="0" cy="0"/>
+          <a:chOff x="0" y="0"/>
+          <a:chExt cx="0" cy="0"/>
+        </a:xfrm>
+      </p:grpSpPr>
+      <p:sp>
+        <p:nvSpPr>
+          <p:cNvPr id="2" name="Title 1">
+            <a:extLst>
+              <a:ext uri="{FF2B5EF4-FFF2-40B4-BE49-F238E27FC236}">
+                <a16:creationId xmlns:a16="http://schemas.microsoft.com/office/drawing/2014/main" id="{040A3796-EA1A-4D57-9FBA-98217EBB94BD}"/>
+              </a:ext>
+            </a:extLst>
+          </p:cNvPr>
+          <p:cNvSpPr>
+            <a:spLocks noGrp="1"/>
+          </p:cNvSpPr>
+          <p:nvPr>
+            <p:ph type="title"/>
+          </p:nvPr>
+        </p:nvSpPr>
+        <p:spPr>
+          <a:xfrm>
+            <a:off x="175640" y="205975"/>
+            <a:ext cx="2676577" cy="502266"/>
+          </a:xfrm>
         </p:spPr>
         <p:txBody>
-          <a:bodyPr wrap="square" rtlCol="0">
-            <a:spAutoFit/>
-          </a:bodyPr>
+          <a:bodyPr/>
           <a:lstStyle/>
           <a:p>
             <a:r>
-              <a:rPr lang="en-US" sz="1200" dirty="0">
-                <a:solidFill>
-                  <a:schemeClr val="tx2"/>
-                </a:solidFill>
-              </a:rPr>
-              <a:t>Sentiment analysis can be used as an alternative method to measure democracy level</a:t>
+              <a:rPr lang="en-US" dirty="0"/>
+              <a:t>Literature 2</a:t>
             </a:r>
-          </a:p>
-          <a:p>
             <a:endParaRPr lang="en-ID" dirty="0"/>
           </a:p>
         </p:txBody>
       </p:sp>
-      <p:cxnSp>
-        <p:nvCxnSpPr>
-          <p:cNvPr id="13" name="Straight Connector 12">
+      <p:sp>
+        <p:nvSpPr>
+          <p:cNvPr id="3" name="Slide Number Placeholder 2">
             <a:extLst>
               <a:ext uri="{FF2B5EF4-FFF2-40B4-BE49-F238E27FC236}">
-                <a16:creationId xmlns:a16="http://schemas.microsoft.com/office/drawing/2014/main" id="{3AD2D465-AE02-4056-9B70-7278B03A1945}"/>
+                <a16:creationId xmlns:a16="http://schemas.microsoft.com/office/drawing/2014/main" id="{CA40326C-907A-4982-9134-1C5D4ACDA2CA}"/>
               </a:ext>
             </a:extLst>
           </p:cNvPr>
-          <p:cNvCxnSpPr/>
-          <p:nvPr/>
-        </p:nvCxnSpPr>
-        <p:spPr>
-          <a:xfrm>
-            <a:off x="9888" y="2251363"/>
-            <a:ext cx="2057399" cy="0"/>
-          </a:xfrm>
-          <a:prstGeom prst="line">
-            <a:avLst/>
-          </a:prstGeom>
-          <a:ln w="38100">
-            <a:solidFill>
-              <a:schemeClr val="tx2">
-                <a:lumMod val="75000"/>
-              </a:schemeClr>
-            </a:solidFill>
-          </a:ln>
-        </p:spPr>
-        <p:style>
-          <a:lnRef idx="1">
-            <a:schemeClr val="accent1"/>
-          </a:lnRef>
-          <a:fillRef idx="0">
-            <a:schemeClr val="accent1"/>
-          </a:fillRef>
-          <a:effectRef idx="0">
-            <a:schemeClr val="accent1"/>
-          </a:effectRef>
-          <a:fontRef idx="minor">
-            <a:schemeClr val="tx1"/>
-          </a:fontRef>
-        </p:style>
-      </p:cxnSp>
-      <p:sp>
-        <p:nvSpPr>
-          <p:cNvPr id="40" name="TextBox 39">
+          <p:cNvSpPr>
+            <a:spLocks noGrp="1"/>
+          </p:cNvSpPr>
+          <p:nvPr>
+            <p:ph type="sldNum" idx="12"/>
+          </p:nvPr>
+        </p:nvSpPr>
+        <p:spPr/>
+        <p:txBody>
+          <a:bodyPr/>
+          <a:lstStyle/>
+          <a:p>
+            <a:fld id="{00000000-1234-1234-1234-123412341234}" type="slidenum">
+              <a:rPr lang="en" smtClean="0"/>
+              <a:pPr/>
+              <a:t>6</a:t>
+            </a:fld>
+            <a:endParaRPr lang="en"/>
+          </a:p>
+        </p:txBody>
+      </p:sp>
+      <p:pic>
+        <p:nvPicPr>
+          <p:cNvPr id="6" name="Picture 5">
             <a:extLst>
               <a:ext uri="{FF2B5EF4-FFF2-40B4-BE49-F238E27FC236}">
-                <a16:creationId xmlns:a16="http://schemas.microsoft.com/office/drawing/2014/main" id="{D58B6FC2-6105-42B9-A26F-0814B83DAB5D}"/>
+                <a16:creationId xmlns:a16="http://schemas.microsoft.com/office/drawing/2014/main" id="{79F99ED1-BF88-4B83-AFC1-362CA568A929}"/>
               </a:ext>
             </a:extLst>
           </p:cNvPr>
-          <p:cNvSpPr txBox="1"/>
+          <p:cNvPicPr>
+            <a:picLocks noChangeAspect="1"/>
+          </p:cNvPicPr>
           <p:nvPr/>
-        </p:nvSpPr>
+        </p:nvPicPr>
+        <p:blipFill>
+          <a:blip r:embed="rId2"/>
+          <a:stretch>
+            <a:fillRect/>
+          </a:stretch>
+        </p:blipFill>
         <p:spPr>
           <a:xfrm>
-            <a:off x="4322618" y="1275918"/>
-            <a:ext cx="2254827" cy="1154162"/>
+            <a:off x="175640" y="860436"/>
+            <a:ext cx="6330170" cy="1467127"/>
           </a:xfrm>
           <a:prstGeom prst="rect">
             <a:avLst/>
           </a:prstGeom>
-          <a:noFill/>
+        </p:spPr>
+      </p:pic>
+      <p:pic>
+        <p:nvPicPr>
+          <p:cNvPr id="10" name="Picture 9">
+            <a:extLst>
+              <a:ext uri="{FF2B5EF4-FFF2-40B4-BE49-F238E27FC236}">
+                <a16:creationId xmlns:a16="http://schemas.microsoft.com/office/drawing/2014/main" id="{D60FCF3C-E1D1-4D34-A95B-B0A91A06DA1A}"/>
+              </a:ext>
+            </a:extLst>
+          </p:cNvPr>
+          <p:cNvPicPr>
+            <a:picLocks noChangeAspect="1"/>
+          </p:cNvPicPr>
+          <p:nvPr/>
+        </p:nvPicPr>
+        <p:blipFill>
+          <a:blip r:embed="rId3"/>
+          <a:stretch>
+            <a:fillRect/>
+          </a:stretch>
+        </p:blipFill>
+        <p:spPr>
+          <a:xfrm>
+            <a:off x="332509" y="2533767"/>
+            <a:ext cx="2071798" cy="2216084"/>
+          </a:xfrm>
+          <a:prstGeom prst="rect">
+            <a:avLst/>
+          </a:prstGeom>
+        </p:spPr>
+      </p:pic>
+      <p:pic>
+        <p:nvPicPr>
+          <p:cNvPr id="14" name="Picture 13">
+            <a:extLst>
+              <a:ext uri="{FF2B5EF4-FFF2-40B4-BE49-F238E27FC236}">
+                <a16:creationId xmlns:a16="http://schemas.microsoft.com/office/drawing/2014/main" id="{0080E26D-3C6A-4EB7-BC6E-1EB6708A9BE5}"/>
+              </a:ext>
+            </a:extLst>
+          </p:cNvPr>
+          <p:cNvPicPr>
+            <a:picLocks noChangeAspect="1"/>
+          </p:cNvPicPr>
+          <p:nvPr/>
+        </p:nvPicPr>
+        <p:blipFill>
+          <a:blip r:embed="rId4"/>
+          <a:stretch>
+            <a:fillRect/>
+          </a:stretch>
+        </p:blipFill>
+        <p:spPr>
+          <a:xfrm>
+            <a:off x="2852217" y="2698626"/>
+            <a:ext cx="3653593" cy="1886366"/>
+          </a:xfrm>
+          <a:prstGeom prst="rect">
+            <a:avLst/>
+          </a:prstGeom>
+        </p:spPr>
+      </p:pic>
+    </p:spTree>
+    <p:extLst>
+      <p:ext uri="{BB962C8B-B14F-4D97-AF65-F5344CB8AC3E}">
+        <p14:creationId xmlns:p14="http://schemas.microsoft.com/office/powerpoint/2010/main" val="400480603"/>
+      </p:ext>
+    </p:extLst>
+  </p:cSld>
+  <p:clrMapOvr>
+    <a:masterClrMapping/>
+  </p:clrMapOvr>
+</p:sld>
+</file>
+
+<file path=ppt/slides/slide7.xml><?xml version="1.0" encoding="utf-8"?>
+<p:sld xmlns:a="http://schemas.openxmlformats.org/drawingml/2006/main" xmlns:r="http://schemas.openxmlformats.org/officeDocument/2006/relationships" xmlns:p="http://schemas.openxmlformats.org/presentationml/2006/main">
+  <p:cSld>
+    <p:spTree>
+      <p:nvGrpSpPr>
+        <p:cNvPr id="1" name=""/>
+        <p:cNvGrpSpPr/>
+        <p:nvPr/>
+      </p:nvGrpSpPr>
+      <p:grpSpPr>
+        <a:xfrm>
+          <a:off x="0" y="0"/>
+          <a:ext cx="0" cy="0"/>
+          <a:chOff x="0" y="0"/>
+          <a:chExt cx="0" cy="0"/>
+        </a:xfrm>
+      </p:grpSpPr>
+      <p:sp>
+        <p:nvSpPr>
+          <p:cNvPr id="2" name="Title 1">
+            <a:extLst>
+              <a:ext uri="{FF2B5EF4-FFF2-40B4-BE49-F238E27FC236}">
+                <a16:creationId xmlns:a16="http://schemas.microsoft.com/office/drawing/2014/main" id="{040A3796-EA1A-4D57-9FBA-98217EBB94BD}"/>
+              </a:ext>
+            </a:extLst>
+          </p:cNvPr>
+          <p:cNvSpPr>
+            <a:spLocks noGrp="1"/>
+          </p:cNvSpPr>
+          <p:nvPr>
+            <p:ph type="title"/>
+          </p:nvPr>
+        </p:nvSpPr>
+        <p:spPr>
+          <a:xfrm>
+            <a:off x="175640" y="205975"/>
+            <a:ext cx="2676577" cy="502266"/>
+          </a:xfrm>
         </p:spPr>
         <p:txBody>
-          <a:bodyPr wrap="square" rtlCol="0">
-            <a:spAutoFit/>
-          </a:bodyPr>
+          <a:bodyPr/>
           <a:lstStyle/>
           <a:p>
             <a:r>
-              <a:rPr lang="en-US" sz="1100" dirty="0">
-                <a:solidFill>
-                  <a:schemeClr val="tx2"/>
-                </a:solidFill>
-              </a:rPr>
-              <a:t>The prediction of democracy level using sentiment analysis has higher time resolution than using regression of democracy index value</a:t>
+              <a:rPr lang="en-US" dirty="0"/>
+              <a:t>Literature 3</a:t>
             </a:r>
-          </a:p>
-          <a:p>
             <a:endParaRPr lang="en-ID" dirty="0"/>
           </a:p>
         </p:txBody>
       </p:sp>
-      <p:cxnSp>
-        <p:nvCxnSpPr>
-          <p:cNvPr id="41" name="Straight Connector 40">
+      <p:sp>
+        <p:nvSpPr>
+          <p:cNvPr id="3" name="Slide Number Placeholder 2">
             <a:extLst>
               <a:ext uri="{FF2B5EF4-FFF2-40B4-BE49-F238E27FC236}">
-                <a16:creationId xmlns:a16="http://schemas.microsoft.com/office/drawing/2014/main" id="{3C7FC8B3-B631-4C73-A9D9-211ABBBB4F40}"/>
+                <a16:creationId xmlns:a16="http://schemas.microsoft.com/office/drawing/2014/main" id="{CA40326C-907A-4982-9134-1C5D4ACDA2CA}"/>
               </a:ext>
             </a:extLst>
           </p:cNvPr>
-          <p:cNvCxnSpPr/>
-          <p:nvPr/>
-        </p:nvCxnSpPr>
-        <p:spPr>
-          <a:xfrm>
-            <a:off x="4421331" y="2251363"/>
-            <a:ext cx="2057399" cy="0"/>
-          </a:xfrm>
-          <a:prstGeom prst="line">
-            <a:avLst/>
-          </a:prstGeom>
-          <a:ln w="38100">
-            <a:solidFill>
-              <a:schemeClr val="tx2">
-                <a:lumMod val="75000"/>
-              </a:schemeClr>
-            </a:solidFill>
-          </a:ln>
-        </p:spPr>
-        <p:style>
-          <a:lnRef idx="1">
-            <a:schemeClr val="accent1"/>
-          </a:lnRef>
-          <a:fillRef idx="0">
-            <a:schemeClr val="accent1"/>
-          </a:fillRef>
-          <a:effectRef idx="0">
-            <a:schemeClr val="accent1"/>
-          </a:effectRef>
-          <a:fontRef idx="minor">
-            <a:schemeClr val="tx1"/>
-          </a:fontRef>
-        </p:style>
-      </p:cxnSp>
-      <p:sp>
-        <p:nvSpPr>
-          <p:cNvPr id="42" name="TextBox 41">
+          <p:cNvSpPr>
+            <a:spLocks noGrp="1"/>
+          </p:cNvSpPr>
+          <p:nvPr>
+            <p:ph type="sldNum" idx="12"/>
+          </p:nvPr>
+        </p:nvSpPr>
+        <p:spPr/>
+        <p:txBody>
+          <a:bodyPr/>
+          <a:lstStyle/>
+          <a:p>
+            <a:fld id="{00000000-1234-1234-1234-123412341234}" type="slidenum">
+              <a:rPr lang="en" smtClean="0"/>
+              <a:pPr/>
+              <a:t>7</a:t>
+            </a:fld>
+            <a:endParaRPr lang="en"/>
+          </a:p>
+        </p:txBody>
+      </p:sp>
+      <p:pic>
+        <p:nvPicPr>
+          <p:cNvPr id="5" name="Picture 4">
             <a:extLst>
               <a:ext uri="{FF2B5EF4-FFF2-40B4-BE49-F238E27FC236}">
-                <a16:creationId xmlns:a16="http://schemas.microsoft.com/office/drawing/2014/main" id="{5533EB84-6C7A-45B9-A7AA-85432640C56B}"/>
+                <a16:creationId xmlns:a16="http://schemas.microsoft.com/office/drawing/2014/main" id="{9A3F42CF-744D-440A-B026-047305A7366A}"/>
               </a:ext>
             </a:extLst>
           </p:cNvPr>
-          <p:cNvSpPr txBox="1"/>
+          <p:cNvPicPr>
+            <a:picLocks noChangeAspect="1"/>
+          </p:cNvPicPr>
           <p:nvPr/>
-        </p:nvSpPr>
+        </p:nvPicPr>
+        <p:blipFill>
+          <a:blip r:embed="rId2"/>
+          <a:stretch>
+            <a:fillRect/>
+          </a:stretch>
+        </p:blipFill>
         <p:spPr>
           <a:xfrm>
-            <a:off x="2166504" y="3724709"/>
-            <a:ext cx="2254827" cy="1323439"/>
+            <a:off x="0" y="930275"/>
+            <a:ext cx="6858000" cy="1514599"/>
           </a:xfrm>
           <a:prstGeom prst="rect">
             <a:avLst/>
           </a:prstGeom>
-          <a:noFill/>
+        </p:spPr>
+      </p:pic>
+      <p:pic>
+        <p:nvPicPr>
+          <p:cNvPr id="9" name="Picture 8">
+            <a:extLst>
+              <a:ext uri="{FF2B5EF4-FFF2-40B4-BE49-F238E27FC236}">
+                <a16:creationId xmlns:a16="http://schemas.microsoft.com/office/drawing/2014/main" id="{760B14ED-0201-406E-9B8F-11762112C287}"/>
+              </a:ext>
+            </a:extLst>
+          </p:cNvPr>
+          <p:cNvPicPr>
+            <a:picLocks noChangeAspect="1"/>
+          </p:cNvPicPr>
+          <p:nvPr/>
+        </p:nvPicPr>
+        <p:blipFill>
+          <a:blip r:embed="rId3"/>
+          <a:stretch>
+            <a:fillRect/>
+          </a:stretch>
+        </p:blipFill>
+        <p:spPr>
+          <a:xfrm>
+            <a:off x="175640" y="2775056"/>
+            <a:ext cx="3253360" cy="1788726"/>
+          </a:xfrm>
+          <a:prstGeom prst="rect">
+            <a:avLst/>
+          </a:prstGeom>
+        </p:spPr>
+      </p:pic>
+      <p:pic>
+        <p:nvPicPr>
+          <p:cNvPr id="12" name="Picture 11">
+            <a:extLst>
+              <a:ext uri="{FF2B5EF4-FFF2-40B4-BE49-F238E27FC236}">
+                <a16:creationId xmlns:a16="http://schemas.microsoft.com/office/drawing/2014/main" id="{87EFA1CE-DC17-4A5B-8326-DE4929B1E196}"/>
+              </a:ext>
+            </a:extLst>
+          </p:cNvPr>
+          <p:cNvPicPr>
+            <a:picLocks noChangeAspect="1"/>
+          </p:cNvPicPr>
+          <p:nvPr/>
+        </p:nvPicPr>
+        <p:blipFill>
+          <a:blip r:embed="rId4"/>
+          <a:stretch>
+            <a:fillRect/>
+          </a:stretch>
+        </p:blipFill>
+        <p:spPr>
+          <a:xfrm>
+            <a:off x="3629337" y="2763306"/>
+            <a:ext cx="3053023" cy="1800476"/>
+          </a:xfrm>
+          <a:prstGeom prst="rect">
+            <a:avLst/>
+          </a:prstGeom>
+        </p:spPr>
+      </p:pic>
+    </p:spTree>
+    <p:extLst>
+      <p:ext uri="{BB962C8B-B14F-4D97-AF65-F5344CB8AC3E}">
+        <p14:creationId xmlns:p14="http://schemas.microsoft.com/office/powerpoint/2010/main" val="1883778823"/>
+      </p:ext>
+    </p:extLst>
+  </p:cSld>
+  <p:clrMapOvr>
+    <a:masterClrMapping/>
+  </p:clrMapOvr>
+</p:sld>
+</file>
+
+<file path=ppt/slides/slide8.xml><?xml version="1.0" encoding="utf-8"?>
+<p:sld xmlns:a="http://schemas.openxmlformats.org/drawingml/2006/main" xmlns:r="http://schemas.openxmlformats.org/officeDocument/2006/relationships" xmlns:p="http://schemas.openxmlformats.org/presentationml/2006/main">
+  <p:cSld>
+    <p:spTree>
+      <p:nvGrpSpPr>
+        <p:cNvPr id="1" name=""/>
+        <p:cNvGrpSpPr/>
+        <p:nvPr/>
+      </p:nvGrpSpPr>
+      <p:grpSpPr>
+        <a:xfrm>
+          <a:off x="0" y="0"/>
+          <a:ext cx="0" cy="0"/>
+          <a:chOff x="0" y="0"/>
+          <a:chExt cx="0" cy="0"/>
+        </a:xfrm>
+      </p:grpSpPr>
+      <p:sp>
+        <p:nvSpPr>
+          <p:cNvPr id="2" name="Title 1">
+            <a:extLst>
+              <a:ext uri="{FF2B5EF4-FFF2-40B4-BE49-F238E27FC236}">
+                <a16:creationId xmlns:a16="http://schemas.microsoft.com/office/drawing/2014/main" id="{040A3796-EA1A-4D57-9FBA-98217EBB94BD}"/>
+              </a:ext>
+            </a:extLst>
+          </p:cNvPr>
+          <p:cNvSpPr>
+            <a:spLocks noGrp="1"/>
+          </p:cNvSpPr>
+          <p:nvPr>
+            <p:ph type="title"/>
+          </p:nvPr>
+        </p:nvSpPr>
+        <p:spPr>
+          <a:xfrm>
+            <a:off x="175640" y="205975"/>
+            <a:ext cx="2676577" cy="502266"/>
+          </a:xfrm>
         </p:spPr>
         <p:txBody>
-          <a:bodyPr wrap="square" rtlCol="0">
-            <a:spAutoFit/>
-          </a:bodyPr>
+          <a:bodyPr/>
           <a:lstStyle/>
           <a:p>
             <a:r>
-              <a:rPr lang="en-US" sz="1100" dirty="0">
-                <a:solidFill>
-                  <a:schemeClr val="tx2"/>
-                </a:solidFill>
-              </a:rPr>
-              <a:t>We expect there is relation between democracy index and sentiment analysis where sentiment analysis can predict democracy index in any specific year</a:t>
+              <a:rPr lang="en-US" dirty="0"/>
+              <a:t>Literature 4</a:t>
             </a:r>
-            <a:endParaRPr lang="en-ID" sz="1100" dirty="0">
-              <a:solidFill>
-                <a:schemeClr val="tx2"/>
-              </a:solidFill>
-            </a:endParaRPr>
-          </a:p>
-          <a:p>
             <a:endParaRPr lang="en-ID" dirty="0"/>
           </a:p>
         </p:txBody>
       </p:sp>
-      <p:cxnSp>
-        <p:nvCxnSpPr>
-          <p:cNvPr id="43" name="Straight Connector 42">
+      <p:sp>
+        <p:nvSpPr>
+          <p:cNvPr id="3" name="Slide Number Placeholder 2">
             <a:extLst>
               <a:ext uri="{FF2B5EF4-FFF2-40B4-BE49-F238E27FC236}">
-                <a16:creationId xmlns:a16="http://schemas.microsoft.com/office/drawing/2014/main" id="{1C685467-FD84-4642-8C5E-090074635D95}"/>
+                <a16:creationId xmlns:a16="http://schemas.microsoft.com/office/drawing/2014/main" id="{CA40326C-907A-4982-9134-1C5D4ACDA2CA}"/>
               </a:ext>
             </a:extLst>
           </p:cNvPr>
-          <p:cNvCxnSpPr/>
+          <p:cNvSpPr>
+            <a:spLocks noGrp="1"/>
+          </p:cNvSpPr>
+          <p:nvPr>
+            <p:ph type="sldNum" idx="12"/>
+          </p:nvPr>
+        </p:nvSpPr>
+        <p:spPr/>
+        <p:txBody>
+          <a:bodyPr/>
+          <a:lstStyle/>
+          <a:p>
+            <a:fld id="{00000000-1234-1234-1234-123412341234}" type="slidenum">
+              <a:rPr lang="en" smtClean="0"/>
+              <a:pPr/>
+              <a:t>8</a:t>
+            </a:fld>
+            <a:endParaRPr lang="en"/>
+          </a:p>
+        </p:txBody>
+      </p:sp>
+      <p:pic>
+        <p:nvPicPr>
+          <p:cNvPr id="6" name="Picture 5">
+            <a:extLst>
+              <a:ext uri="{FF2B5EF4-FFF2-40B4-BE49-F238E27FC236}">
+                <a16:creationId xmlns:a16="http://schemas.microsoft.com/office/drawing/2014/main" id="{26FD571D-B7D6-4E2E-8668-A85BB01F9300}"/>
+              </a:ext>
+            </a:extLst>
+          </p:cNvPr>
+          <p:cNvPicPr>
+            <a:picLocks noChangeAspect="1"/>
+          </p:cNvPicPr>
           <p:nvPr/>
-        </p:nvCxnSpPr>
+        </p:nvPicPr>
+        <p:blipFill>
+          <a:blip r:embed="rId2"/>
+          <a:stretch>
+            <a:fillRect/>
+          </a:stretch>
+        </p:blipFill>
         <p:spPr>
           <a:xfrm>
-            <a:off x="2233901" y="4876800"/>
-            <a:ext cx="2057399" cy="0"/>
+            <a:off x="0" y="764228"/>
+            <a:ext cx="6858000" cy="1615966"/>
           </a:xfrm>
-          <a:prstGeom prst="line">
+          <a:prstGeom prst="rect">
             <a:avLst/>
           </a:prstGeom>
-          <a:ln w="38100">
-            <a:solidFill>
-              <a:schemeClr val="tx2">
-                <a:lumMod val="75000"/>
-              </a:schemeClr>
-            </a:solidFill>
-          </a:ln>
         </p:spPr>
-        <p:style>
-          <a:lnRef idx="1">
-            <a:schemeClr val="accent1"/>
-          </a:lnRef>
-          <a:fillRef idx="0">
-            <a:schemeClr val="accent1"/>
-          </a:fillRef>
-          <a:effectRef idx="0">
-            <a:schemeClr val="accent1"/>
-          </a:effectRef>
-          <a:fontRef idx="minor">
-            <a:schemeClr val="tx1"/>
-          </a:fontRef>
-        </p:style>
-      </p:cxnSp>
+      </p:pic>
+      <mc:AlternateContent xmlns:mc="http://schemas.openxmlformats.org/markup-compatibility/2006">
+        <mc:Choice xmlns:a14="http://schemas.microsoft.com/office/drawing/2010/main" Requires="a14">
+          <p:sp>
+            <p:nvSpPr>
+              <p:cNvPr id="7" name="TextBox 6">
+                <a:extLst>
+                  <a:ext uri="{FF2B5EF4-FFF2-40B4-BE49-F238E27FC236}">
+                    <a16:creationId xmlns:a16="http://schemas.microsoft.com/office/drawing/2014/main" id="{9E6680E9-0E39-44BE-896E-DE2747DACC6A}"/>
+                  </a:ext>
+                </a:extLst>
+              </p:cNvPr>
+              <p:cNvSpPr txBox="1"/>
+              <p:nvPr/>
+            </p:nvSpPr>
+            <p:spPr>
+              <a:xfrm>
+                <a:off x="1646871" y="2563252"/>
+                <a:ext cx="3250505" cy="400110"/>
+              </a:xfrm>
+              <a:prstGeom prst="rect">
+                <a:avLst/>
+              </a:prstGeom>
+              <a:noFill/>
+            </p:spPr>
+            <p:txBody>
+              <a:bodyPr wrap="none" rtlCol="0">
+                <a:spAutoFit/>
+              </a:bodyPr>
+              <a:lstStyle/>
+              <a:p>
+                <a14:m>
+                  <m:oMathPara xmlns:m="http://schemas.openxmlformats.org/officeDocument/2006/math">
+                    <m:oMathParaPr>
+                      <m:jc m:val="centerGroup"/>
+                    </m:oMathParaPr>
+                    <m:oMath xmlns:m="http://schemas.openxmlformats.org/officeDocument/2006/math">
+                      <m:sSub>
+                        <m:sSubPr>
+                          <m:ctrlPr>
+                            <a:rPr lang="en-ID" sz="2000" i="1" smtClean="0">
+                              <a:solidFill>
+                                <a:schemeClr val="bg1"/>
+                              </a:solidFill>
+                              <a:latin typeface="Cambria Math" panose="02040503050406030204" pitchFamily="18" charset="0"/>
+                            </a:rPr>
+                          </m:ctrlPr>
+                        </m:sSubPr>
+                        <m:e>
+                          <m:r>
+                            <a:rPr lang="en-US" sz="2000" b="0" i="1" smtClean="0">
+                              <a:solidFill>
+                                <a:schemeClr val="bg1"/>
+                              </a:solidFill>
+                              <a:latin typeface="Cambria Math" panose="02040503050406030204" pitchFamily="18" charset="0"/>
+                            </a:rPr>
+                            <m:t>𝐹</m:t>
+                          </m:r>
+                        </m:e>
+                        <m:sub>
+                          <m:r>
+                            <a:rPr lang="en-US" sz="2000" b="0" i="1" smtClean="0">
+                              <a:solidFill>
+                                <a:schemeClr val="bg1"/>
+                              </a:solidFill>
+                              <a:latin typeface="Cambria Math" panose="02040503050406030204" pitchFamily="18" charset="0"/>
+                            </a:rPr>
+                            <m:t>𝑡</m:t>
+                          </m:r>
+                        </m:sub>
+                      </m:sSub>
+                      <m:r>
+                        <a:rPr lang="en-US" sz="2000" b="0" i="1" smtClean="0">
+                          <a:solidFill>
+                            <a:schemeClr val="bg1"/>
+                          </a:solidFill>
+                          <a:latin typeface="Cambria Math" panose="02040503050406030204" pitchFamily="18" charset="0"/>
+                        </a:rPr>
+                        <m:t>=</m:t>
+                      </m:r>
+                      <m:sSub>
+                        <m:sSubPr>
+                          <m:ctrlPr>
+                            <a:rPr lang="en-US" sz="2000" b="0" i="1" smtClean="0">
+                              <a:solidFill>
+                                <a:schemeClr val="bg1"/>
+                              </a:solidFill>
+                              <a:latin typeface="Cambria Math" panose="02040503050406030204" pitchFamily="18" charset="0"/>
+                            </a:rPr>
+                          </m:ctrlPr>
+                        </m:sSubPr>
+                        <m:e>
+                          <m:r>
+                            <a:rPr lang="en-US" sz="2000" b="0" i="1" smtClean="0">
+                              <a:solidFill>
+                                <a:schemeClr val="bg1"/>
+                              </a:solidFill>
+                              <a:latin typeface="Cambria Math" panose="02040503050406030204" pitchFamily="18" charset="0"/>
+                            </a:rPr>
+                            <m:t>𝐹</m:t>
+                          </m:r>
+                        </m:e>
+                        <m:sub>
+                          <m:r>
+                            <a:rPr lang="en-US" sz="2000" b="0" i="1" smtClean="0">
+                              <a:solidFill>
+                                <a:schemeClr val="bg1"/>
+                              </a:solidFill>
+                              <a:latin typeface="Cambria Math" panose="02040503050406030204" pitchFamily="18" charset="0"/>
+                            </a:rPr>
+                            <m:t>𝑡</m:t>
+                          </m:r>
+                          <m:r>
+                            <a:rPr lang="en-US" sz="2000" b="0" i="1" smtClean="0">
+                              <a:solidFill>
+                                <a:schemeClr val="bg1"/>
+                              </a:solidFill>
+                              <a:latin typeface="Cambria Math" panose="02040503050406030204" pitchFamily="18" charset="0"/>
+                            </a:rPr>
+                            <m:t>−1</m:t>
+                          </m:r>
+                        </m:sub>
+                      </m:sSub>
+                      <m:r>
+                        <a:rPr lang="en-US" sz="2000" b="0" i="1" smtClean="0">
+                          <a:solidFill>
+                            <a:schemeClr val="bg1"/>
+                          </a:solidFill>
+                          <a:latin typeface="Cambria Math" panose="02040503050406030204" pitchFamily="18" charset="0"/>
+                        </a:rPr>
+                        <m:t>+</m:t>
+                      </m:r>
+                      <m:r>
+                        <a:rPr lang="en-US" sz="2000" b="0" i="1" smtClean="0">
+                          <a:solidFill>
+                            <a:schemeClr val="bg1"/>
+                          </a:solidFill>
+                          <a:latin typeface="Cambria Math" panose="02040503050406030204" pitchFamily="18" charset="0"/>
+                          <a:ea typeface="Cambria Math" panose="02040503050406030204" pitchFamily="18" charset="0"/>
+                        </a:rPr>
+                        <m:t>𝛼</m:t>
+                      </m:r>
+                      <m:r>
+                        <a:rPr lang="en-US" sz="2000" b="0" i="1" smtClean="0">
+                          <a:solidFill>
+                            <a:schemeClr val="bg1"/>
+                          </a:solidFill>
+                          <a:latin typeface="Cambria Math" panose="02040503050406030204" pitchFamily="18" charset="0"/>
+                          <a:ea typeface="Cambria Math" panose="02040503050406030204" pitchFamily="18" charset="0"/>
+                        </a:rPr>
+                        <m:t>(</m:t>
+                      </m:r>
+                      <m:sSub>
+                        <m:sSubPr>
+                          <m:ctrlPr>
+                            <a:rPr lang="en-US" sz="2000" b="0" i="1" smtClean="0">
+                              <a:solidFill>
+                                <a:schemeClr val="bg1"/>
+                              </a:solidFill>
+                              <a:latin typeface="Cambria Math" panose="02040503050406030204" pitchFamily="18" charset="0"/>
+                              <a:ea typeface="Cambria Math" panose="02040503050406030204" pitchFamily="18" charset="0"/>
+                            </a:rPr>
+                          </m:ctrlPr>
+                        </m:sSubPr>
+                        <m:e>
+                          <m:r>
+                            <a:rPr lang="en-US" sz="2000" b="0" i="1" smtClean="0">
+                              <a:solidFill>
+                                <a:schemeClr val="bg1"/>
+                              </a:solidFill>
+                              <a:latin typeface="Cambria Math" panose="02040503050406030204" pitchFamily="18" charset="0"/>
+                              <a:ea typeface="Cambria Math" panose="02040503050406030204" pitchFamily="18" charset="0"/>
+                            </a:rPr>
+                            <m:t>𝐴</m:t>
+                          </m:r>
+                        </m:e>
+                        <m:sub>
+                          <m:r>
+                            <a:rPr lang="en-US" sz="2000" b="0" i="1" smtClean="0">
+                              <a:solidFill>
+                                <a:schemeClr val="bg1"/>
+                              </a:solidFill>
+                              <a:latin typeface="Cambria Math" panose="02040503050406030204" pitchFamily="18" charset="0"/>
+                              <a:ea typeface="Cambria Math" panose="02040503050406030204" pitchFamily="18" charset="0"/>
+                            </a:rPr>
+                            <m:t>𝑡</m:t>
+                          </m:r>
+                          <m:r>
+                            <a:rPr lang="en-US" sz="2000" b="0" i="1" smtClean="0">
+                              <a:solidFill>
+                                <a:schemeClr val="bg1"/>
+                              </a:solidFill>
+                              <a:latin typeface="Cambria Math" panose="02040503050406030204" pitchFamily="18" charset="0"/>
+                              <a:ea typeface="Cambria Math" panose="02040503050406030204" pitchFamily="18" charset="0"/>
+                            </a:rPr>
+                            <m:t>−1</m:t>
+                          </m:r>
+                        </m:sub>
+                      </m:sSub>
+                      <m:r>
+                        <a:rPr lang="en-US" sz="2000" b="0" i="1" smtClean="0">
+                          <a:solidFill>
+                            <a:schemeClr val="bg1"/>
+                          </a:solidFill>
+                          <a:latin typeface="Cambria Math" panose="02040503050406030204" pitchFamily="18" charset="0"/>
+                          <a:ea typeface="Cambria Math" panose="02040503050406030204" pitchFamily="18" charset="0"/>
+                        </a:rPr>
+                        <m:t>−</m:t>
+                      </m:r>
+                      <m:sSub>
+                        <m:sSubPr>
+                          <m:ctrlPr>
+                            <a:rPr lang="en-US" sz="2000" b="0" i="1" smtClean="0">
+                              <a:solidFill>
+                                <a:schemeClr val="bg1"/>
+                              </a:solidFill>
+                              <a:latin typeface="Cambria Math" panose="02040503050406030204" pitchFamily="18" charset="0"/>
+                              <a:ea typeface="Cambria Math" panose="02040503050406030204" pitchFamily="18" charset="0"/>
+                            </a:rPr>
+                          </m:ctrlPr>
+                        </m:sSubPr>
+                        <m:e>
+                          <m:r>
+                            <a:rPr lang="en-US" sz="2000" b="0" i="1" smtClean="0">
+                              <a:solidFill>
+                                <a:schemeClr val="bg1"/>
+                              </a:solidFill>
+                              <a:latin typeface="Cambria Math" panose="02040503050406030204" pitchFamily="18" charset="0"/>
+                              <a:ea typeface="Cambria Math" panose="02040503050406030204" pitchFamily="18" charset="0"/>
+                            </a:rPr>
+                            <m:t>𝐹</m:t>
+                          </m:r>
+                        </m:e>
+                        <m:sub>
+                          <m:r>
+                            <a:rPr lang="en-US" sz="2000" b="0" i="1" smtClean="0">
+                              <a:solidFill>
+                                <a:schemeClr val="bg1"/>
+                              </a:solidFill>
+                              <a:latin typeface="Cambria Math" panose="02040503050406030204" pitchFamily="18" charset="0"/>
+                              <a:ea typeface="Cambria Math" panose="02040503050406030204" pitchFamily="18" charset="0"/>
+                            </a:rPr>
+                            <m:t>𝑡</m:t>
+                          </m:r>
+                          <m:r>
+                            <a:rPr lang="en-US" sz="2000" b="0" i="1" smtClean="0">
+                              <a:solidFill>
+                                <a:schemeClr val="bg1"/>
+                              </a:solidFill>
+                              <a:latin typeface="Cambria Math" panose="02040503050406030204" pitchFamily="18" charset="0"/>
+                              <a:ea typeface="Cambria Math" panose="02040503050406030204" pitchFamily="18" charset="0"/>
+                            </a:rPr>
+                            <m:t>−1</m:t>
+                          </m:r>
+                        </m:sub>
+                      </m:sSub>
+                      <m:r>
+                        <a:rPr lang="en-US" sz="2000" b="0" i="1" smtClean="0">
+                          <a:solidFill>
+                            <a:schemeClr val="bg1"/>
+                          </a:solidFill>
+                          <a:latin typeface="Cambria Math" panose="02040503050406030204" pitchFamily="18" charset="0"/>
+                          <a:ea typeface="Cambria Math" panose="02040503050406030204" pitchFamily="18" charset="0"/>
+                        </a:rPr>
+                        <m:t>)</m:t>
+                      </m:r>
+                    </m:oMath>
+                  </m:oMathPara>
+                </a14:m>
+                <a:endParaRPr lang="en-ID" sz="2000" dirty="0">
+                  <a:solidFill>
+                    <a:schemeClr val="bg1"/>
+                  </a:solidFill>
+                </a:endParaRPr>
+              </a:p>
+            </p:txBody>
+          </p:sp>
+        </mc:Choice>
+        <mc:Fallback>
+          <p:sp>
+            <p:nvSpPr>
+              <p:cNvPr id="7" name="TextBox 6">
+                <a:extLst>
+                  <a:ext uri="{FF2B5EF4-FFF2-40B4-BE49-F238E27FC236}">
+                    <a16:creationId xmlns:a16="http://schemas.microsoft.com/office/drawing/2014/main" id="{9E6680E9-0E39-44BE-896E-DE2747DACC6A}"/>
+                  </a:ext>
+                </a:extLst>
+              </p:cNvPr>
+              <p:cNvSpPr txBox="1">
+                <a:spLocks noRot="1" noChangeAspect="1" noMove="1" noResize="1" noEditPoints="1" noAdjustHandles="1" noChangeArrowheads="1" noChangeShapeType="1" noTextEdit="1"/>
+              </p:cNvSpPr>
+              <p:nvPr/>
+            </p:nvSpPr>
+            <p:spPr>
+              <a:xfrm>
+                <a:off x="1646871" y="2563252"/>
+                <a:ext cx="3250505" cy="400110"/>
+              </a:xfrm>
+              <a:prstGeom prst="rect">
+                <a:avLst/>
+              </a:prstGeom>
+              <a:blipFill>
+                <a:blip r:embed="rId3"/>
+                <a:stretch>
+                  <a:fillRect b="-18182"/>
+                </a:stretch>
+              </a:blipFill>
+            </p:spPr>
+            <p:txBody>
+              <a:bodyPr/>
+              <a:lstStyle/>
+              <a:p>
+                <a:r>
+                  <a:rPr lang="en-ID">
+                    <a:noFill/>
+                  </a:rPr>
+                  <a:t> </a:t>
+                </a:r>
+              </a:p>
+            </p:txBody>
+          </p:sp>
+        </mc:Fallback>
+      </mc:AlternateContent>
+      <mc:AlternateContent xmlns:mc="http://schemas.openxmlformats.org/markup-compatibility/2006">
+        <mc:Choice xmlns:a14="http://schemas.microsoft.com/office/drawing/2010/main" Requires="a14">
+          <p:graphicFrame>
+            <p:nvGraphicFramePr>
+              <p:cNvPr id="8" name="Table 9">
+                <a:extLst>
+                  <a:ext uri="{FF2B5EF4-FFF2-40B4-BE49-F238E27FC236}">
+                    <a16:creationId xmlns:a16="http://schemas.microsoft.com/office/drawing/2014/main" id="{539DA21A-32BE-4CF1-ACB1-A736FA25A3EF}"/>
+                  </a:ext>
+                </a:extLst>
+              </p:cNvPr>
+              <p:cNvGraphicFramePr>
+                <a:graphicFrameLocks noGrp="1"/>
+              </p:cNvGraphicFramePr>
+              <p:nvPr>
+                <p:extLst>
+                  <p:ext uri="{D42A27DB-BD31-4B8C-83A1-F6EECF244321}">
+                    <p14:modId xmlns:p14="http://schemas.microsoft.com/office/powerpoint/2010/main" val="3419070751"/>
+                  </p:ext>
+                </p:extLst>
+              </p:nvPr>
+            </p:nvGraphicFramePr>
+            <p:xfrm>
+              <a:off x="1550415" y="3266491"/>
+              <a:ext cx="6035063" cy="1483360"/>
+            </p:xfrm>
+            <a:graphic>
+              <a:graphicData uri="http://schemas.openxmlformats.org/drawingml/2006/table">
+                <a:tbl>
+                  <a:tblPr firstRow="1" bandRow="1">
+                    <a:tableStyleId>{B7259FF8-02D3-48AD-A7E2-A4B8CD10835C}</a:tableStyleId>
+                  </a:tblPr>
+                  <a:tblGrid>
+                    <a:gridCol w="791231">
+                      <a:extLst>
+                        <a:ext uri="{9D8B030D-6E8A-4147-A177-3AD203B41FA5}">
+                          <a16:colId xmlns:a16="http://schemas.microsoft.com/office/drawing/2014/main" val="2403084717"/>
+                        </a:ext>
+                      </a:extLst>
+                    </a:gridCol>
+                    <a:gridCol w="370333">
+                      <a:extLst>
+                        <a:ext uri="{9D8B030D-6E8A-4147-A177-3AD203B41FA5}">
+                          <a16:colId xmlns:a16="http://schemas.microsoft.com/office/drawing/2014/main" val="3943052519"/>
+                        </a:ext>
+                      </a:extLst>
+                    </a:gridCol>
+                    <a:gridCol w="4873499">
+                      <a:extLst>
+                        <a:ext uri="{9D8B030D-6E8A-4147-A177-3AD203B41FA5}">
+                          <a16:colId xmlns:a16="http://schemas.microsoft.com/office/drawing/2014/main" val="1414262250"/>
+                        </a:ext>
+                      </a:extLst>
+                    </a:gridCol>
+                  </a:tblGrid>
+                  <a:tr h="370840">
+                    <a:tc>
+                      <a:txBody>
+                        <a:bodyPr/>
+                        <a:lstStyle/>
+                        <a:p>
+                          <a:pPr algn="l"/>
+                          <a14:m>
+                            <m:oMathPara xmlns:m="http://schemas.openxmlformats.org/officeDocument/2006/math">
+                              <m:oMathParaPr>
+                                <m:jc m:val="left"/>
+                              </m:oMathParaPr>
+                              <m:oMath xmlns:m="http://schemas.openxmlformats.org/officeDocument/2006/math">
+                                <m:sSub>
+                                  <m:sSubPr>
+                                    <m:ctrlPr>
+                                      <a:rPr lang="en-ID" sz="1800" i="1" smtClean="0">
+                                        <a:solidFill>
+                                          <a:schemeClr val="bg1"/>
+                                        </a:solidFill>
+                                        <a:latin typeface="Cambria Math" panose="02040503050406030204" pitchFamily="18" charset="0"/>
+                                      </a:rPr>
+                                    </m:ctrlPr>
+                                  </m:sSubPr>
+                                  <m:e>
+                                    <m:r>
+                                      <a:rPr lang="en-US" sz="1800" b="0" i="1" smtClean="0">
+                                        <a:solidFill>
+                                          <a:schemeClr val="bg1"/>
+                                        </a:solidFill>
+                                        <a:latin typeface="Cambria Math" panose="02040503050406030204" pitchFamily="18" charset="0"/>
+                                      </a:rPr>
+                                      <m:t>𝐹</m:t>
+                                    </m:r>
+                                  </m:e>
+                                  <m:sub>
+                                    <m:r>
+                                      <a:rPr lang="en-US" sz="1800" b="0" i="1" smtClean="0">
+                                        <a:solidFill>
+                                          <a:schemeClr val="bg1"/>
+                                        </a:solidFill>
+                                        <a:latin typeface="Cambria Math" panose="02040503050406030204" pitchFamily="18" charset="0"/>
+                                      </a:rPr>
+                                      <m:t>𝑡</m:t>
+                                    </m:r>
+                                  </m:sub>
+                                </m:sSub>
+                              </m:oMath>
+                            </m:oMathPara>
+                          </a14:m>
+                          <a:endParaRPr lang="en-ID" dirty="0"/>
+                        </a:p>
+                      </a:txBody>
+                      <a:tcPr>
+                        <a:lnL w="9525" cap="flat" cmpd="sng">
+                          <a:noFill/>
+                          <a:prstDash val="solid"/>
+                          <a:round/>
+                          <a:headEnd type="none" w="sm" len="sm"/>
+                          <a:tailEnd type="none" w="sm" len="sm"/>
+                        </a:lnL>
+                        <a:lnR w="9525" cap="flat" cmpd="sng">
+                          <a:noFill/>
+                          <a:prstDash val="solid"/>
+                          <a:round/>
+                          <a:headEnd type="none" w="sm" len="sm"/>
+                          <a:tailEnd type="none" w="sm" len="sm"/>
+                        </a:lnR>
+                        <a:lnT w="9525" cap="flat" cmpd="sng">
+                          <a:noFill/>
+                          <a:prstDash val="solid"/>
+                          <a:round/>
+                          <a:headEnd type="none" w="sm" len="sm"/>
+                          <a:tailEnd type="none" w="sm" len="sm"/>
+                        </a:lnT>
+                        <a:lnB w="9525" cap="flat" cmpd="sng">
+                          <a:noFill/>
+                          <a:prstDash val="solid"/>
+                          <a:round/>
+                          <a:headEnd type="none" w="sm" len="sm"/>
+                          <a:tailEnd type="none" w="sm" len="sm"/>
+                        </a:lnB>
+                        <a:lnTlToBr w="12700" cmpd="sng">
+                          <a:noFill/>
+                          <a:prstDash val="solid"/>
+                        </a:lnTlToBr>
+                        <a:lnBlToTr w="12700" cmpd="sng">
+                          <a:noFill/>
+                          <a:prstDash val="solid"/>
+                        </a:lnBlToTr>
+                      </a:tcPr>
+                    </a:tc>
+                    <a:tc>
+                      <a:txBody>
+                        <a:bodyPr/>
+                        <a:lstStyle/>
+                        <a:p>
+                          <a:r>
+                            <a:rPr lang="en-US" sz="1800" dirty="0">
+                              <a:solidFill>
+                                <a:schemeClr val="bg1"/>
+                              </a:solidFill>
+                            </a:rPr>
+                            <a:t>:</a:t>
+                          </a:r>
+                          <a:endParaRPr lang="en-ID" sz="1800" dirty="0">
+                            <a:solidFill>
+                              <a:schemeClr val="bg1"/>
+                            </a:solidFill>
+                          </a:endParaRPr>
+                        </a:p>
+                      </a:txBody>
+                      <a:tcPr>
+                        <a:lnL w="9525" cap="flat" cmpd="sng">
+                          <a:noFill/>
+                          <a:prstDash val="solid"/>
+                          <a:round/>
+                          <a:headEnd type="none" w="sm" len="sm"/>
+                          <a:tailEnd type="none" w="sm" len="sm"/>
+                        </a:lnL>
+                        <a:lnR w="9525" cap="flat" cmpd="sng">
+                          <a:noFill/>
+                          <a:prstDash val="solid"/>
+                          <a:round/>
+                          <a:headEnd type="none" w="sm" len="sm"/>
+                          <a:tailEnd type="none" w="sm" len="sm"/>
+                        </a:lnR>
+                        <a:lnT w="9525" cap="flat" cmpd="sng">
+                          <a:noFill/>
+                          <a:prstDash val="solid"/>
+                          <a:round/>
+                          <a:headEnd type="none" w="sm" len="sm"/>
+                          <a:tailEnd type="none" w="sm" len="sm"/>
+                        </a:lnT>
+                        <a:lnB w="9525" cap="flat" cmpd="sng">
+                          <a:noFill/>
+                          <a:prstDash val="solid"/>
+                          <a:round/>
+                          <a:headEnd type="none" w="sm" len="sm"/>
+                          <a:tailEnd type="none" w="sm" len="sm"/>
+                        </a:lnB>
+                        <a:lnTlToBr w="12700" cmpd="sng">
+                          <a:noFill/>
+                          <a:prstDash val="solid"/>
+                        </a:lnTlToBr>
+                        <a:lnBlToTr w="12700" cmpd="sng">
+                          <a:noFill/>
+                          <a:prstDash val="solid"/>
+                        </a:lnBlToTr>
+                      </a:tcPr>
+                    </a:tc>
+                    <a:tc>
+                      <a:txBody>
+                        <a:bodyPr/>
+                        <a:lstStyle/>
+                        <a:p>
+                          <a:r>
+                            <a:rPr lang="en-US" sz="1800" dirty="0">
+                              <a:solidFill>
+                                <a:schemeClr val="bg1"/>
+                              </a:solidFill>
+                            </a:rPr>
+                            <a:t>Forecast value of t time</a:t>
+                          </a:r>
+                        </a:p>
+                      </a:txBody>
+                      <a:tcPr>
+                        <a:lnL w="9525" cap="flat" cmpd="sng">
+                          <a:noFill/>
+                          <a:prstDash val="solid"/>
+                          <a:round/>
+                          <a:headEnd type="none" w="sm" len="sm"/>
+                          <a:tailEnd type="none" w="sm" len="sm"/>
+                        </a:lnL>
+                        <a:lnR w="9525" cap="flat" cmpd="sng">
+                          <a:noFill/>
+                          <a:prstDash val="solid"/>
+                          <a:round/>
+                          <a:headEnd type="none" w="sm" len="sm"/>
+                          <a:tailEnd type="none" w="sm" len="sm"/>
+                        </a:lnR>
+                        <a:lnT w="9525" cap="flat" cmpd="sng">
+                          <a:noFill/>
+                          <a:prstDash val="solid"/>
+                          <a:round/>
+                          <a:headEnd type="none" w="sm" len="sm"/>
+                          <a:tailEnd type="none" w="sm" len="sm"/>
+                        </a:lnT>
+                        <a:lnB w="9525" cap="flat" cmpd="sng">
+                          <a:noFill/>
+                          <a:prstDash val="solid"/>
+                          <a:round/>
+                          <a:headEnd type="none" w="sm" len="sm"/>
+                          <a:tailEnd type="none" w="sm" len="sm"/>
+                        </a:lnB>
+                        <a:lnTlToBr w="12700" cmpd="sng">
+                          <a:noFill/>
+                          <a:prstDash val="solid"/>
+                        </a:lnTlToBr>
+                        <a:lnBlToTr w="12700" cmpd="sng">
+                          <a:noFill/>
+                          <a:prstDash val="solid"/>
+                        </a:lnBlToTr>
+                      </a:tcPr>
+                    </a:tc>
+                    <a:extLst>
+                      <a:ext uri="{0D108BD9-81ED-4DB2-BD59-A6C34878D82A}">
+                        <a16:rowId xmlns:a16="http://schemas.microsoft.com/office/drawing/2014/main" val="1252057572"/>
+                      </a:ext>
+                    </a:extLst>
+                  </a:tr>
+                  <a:tr h="370840">
+                    <a:tc>
+                      <a:txBody>
+                        <a:bodyPr/>
+                        <a:lstStyle/>
+                        <a:p>
+                          <a:pPr/>
+                          <a14:m>
+                            <m:oMathPara xmlns:m="http://schemas.openxmlformats.org/officeDocument/2006/math">
+                              <m:oMathParaPr>
+                                <m:jc m:val="left"/>
+                              </m:oMathParaPr>
+                              <m:oMath xmlns:m="http://schemas.openxmlformats.org/officeDocument/2006/math">
+                                <m:sSub>
+                                  <m:sSubPr>
+                                    <m:ctrlPr>
+                                      <a:rPr lang="en-US" sz="1800" b="0" i="1" smtClean="0">
+                                        <a:solidFill>
+                                          <a:schemeClr val="bg1"/>
+                                        </a:solidFill>
+                                        <a:latin typeface="Cambria Math" panose="02040503050406030204" pitchFamily="18" charset="0"/>
+                                      </a:rPr>
+                                    </m:ctrlPr>
+                                  </m:sSubPr>
+                                  <m:e>
+                                    <m:r>
+                                      <a:rPr lang="en-US" sz="1800" b="0" i="1" smtClean="0">
+                                        <a:solidFill>
+                                          <a:schemeClr val="bg1"/>
+                                        </a:solidFill>
+                                        <a:latin typeface="Cambria Math" panose="02040503050406030204" pitchFamily="18" charset="0"/>
+                                      </a:rPr>
+                                      <m:t>𝐹</m:t>
+                                    </m:r>
+                                  </m:e>
+                                  <m:sub>
+                                    <m:r>
+                                      <a:rPr lang="en-US" sz="1800" b="0" i="1" smtClean="0">
+                                        <a:solidFill>
+                                          <a:schemeClr val="bg1"/>
+                                        </a:solidFill>
+                                        <a:latin typeface="Cambria Math" panose="02040503050406030204" pitchFamily="18" charset="0"/>
+                                      </a:rPr>
+                                      <m:t>𝑡</m:t>
+                                    </m:r>
+                                    <m:r>
+                                      <a:rPr lang="en-US" sz="1800" b="0" i="1" smtClean="0">
+                                        <a:solidFill>
+                                          <a:schemeClr val="bg1"/>
+                                        </a:solidFill>
+                                        <a:latin typeface="Cambria Math" panose="02040503050406030204" pitchFamily="18" charset="0"/>
+                                      </a:rPr>
+                                      <m:t>−1</m:t>
+                                    </m:r>
+                                  </m:sub>
+                                </m:sSub>
+                              </m:oMath>
+                            </m:oMathPara>
+                          </a14:m>
+                          <a:endParaRPr lang="en-ID" dirty="0"/>
+                        </a:p>
+                      </a:txBody>
+                      <a:tcPr>
+                        <a:lnL w="9525" cap="flat" cmpd="sng">
+                          <a:noFill/>
+                          <a:prstDash val="solid"/>
+                          <a:round/>
+                          <a:headEnd type="none" w="sm" len="sm"/>
+                          <a:tailEnd type="none" w="sm" len="sm"/>
+                        </a:lnL>
+                        <a:lnR w="9525" cap="flat" cmpd="sng">
+                          <a:noFill/>
+                          <a:prstDash val="solid"/>
+                          <a:round/>
+                          <a:headEnd type="none" w="sm" len="sm"/>
+                          <a:tailEnd type="none" w="sm" len="sm"/>
+                        </a:lnR>
+                        <a:lnT w="9525" cap="flat" cmpd="sng">
+                          <a:noFill/>
+                          <a:prstDash val="solid"/>
+                          <a:round/>
+                          <a:headEnd type="none" w="sm" len="sm"/>
+                          <a:tailEnd type="none" w="sm" len="sm"/>
+                        </a:lnT>
+                        <a:lnB w="9525" cap="flat" cmpd="sng">
+                          <a:noFill/>
+                          <a:prstDash val="solid"/>
+                          <a:round/>
+                          <a:headEnd type="none" w="sm" len="sm"/>
+                          <a:tailEnd type="none" w="sm" len="sm"/>
+                        </a:lnB>
+                        <a:lnTlToBr w="12700" cmpd="sng">
+                          <a:noFill/>
+                          <a:prstDash val="solid"/>
+                        </a:lnTlToBr>
+                        <a:lnBlToTr w="12700" cmpd="sng">
+                          <a:noFill/>
+                          <a:prstDash val="solid"/>
+                        </a:lnBlToTr>
+                      </a:tcPr>
+                    </a:tc>
+                    <a:tc>
+                      <a:txBody>
+                        <a:bodyPr/>
+                        <a:lstStyle/>
+                        <a:p>
+                          <a:r>
+                            <a:rPr lang="en-US" sz="1800" dirty="0">
+                              <a:solidFill>
+                                <a:schemeClr val="bg1"/>
+                              </a:solidFill>
+                            </a:rPr>
+                            <a:t>:</a:t>
+                          </a:r>
+                          <a:endParaRPr lang="en-ID" sz="1800" dirty="0">
+                            <a:solidFill>
+                              <a:schemeClr val="bg1"/>
+                            </a:solidFill>
+                          </a:endParaRPr>
+                        </a:p>
+                      </a:txBody>
+                      <a:tcPr>
+                        <a:lnL w="9525" cap="flat" cmpd="sng">
+                          <a:noFill/>
+                          <a:prstDash val="solid"/>
+                          <a:round/>
+                          <a:headEnd type="none" w="sm" len="sm"/>
+                          <a:tailEnd type="none" w="sm" len="sm"/>
+                        </a:lnL>
+                        <a:lnR w="9525" cap="flat" cmpd="sng">
+                          <a:noFill/>
+                          <a:prstDash val="solid"/>
+                          <a:round/>
+                          <a:headEnd type="none" w="sm" len="sm"/>
+                          <a:tailEnd type="none" w="sm" len="sm"/>
+                        </a:lnR>
+                        <a:lnT w="9525" cap="flat" cmpd="sng">
+                          <a:noFill/>
+                          <a:prstDash val="solid"/>
+                          <a:round/>
+                          <a:headEnd type="none" w="sm" len="sm"/>
+                          <a:tailEnd type="none" w="sm" len="sm"/>
+                        </a:lnT>
+                        <a:lnB w="9525" cap="flat" cmpd="sng">
+                          <a:noFill/>
+                          <a:prstDash val="solid"/>
+                          <a:round/>
+                          <a:headEnd type="none" w="sm" len="sm"/>
+                          <a:tailEnd type="none" w="sm" len="sm"/>
+                        </a:lnB>
+                        <a:lnTlToBr w="12700" cmpd="sng">
+                          <a:noFill/>
+                          <a:prstDash val="solid"/>
+                        </a:lnTlToBr>
+                        <a:lnBlToTr w="12700" cmpd="sng">
+                          <a:noFill/>
+                          <a:prstDash val="solid"/>
+                        </a:lnBlToTr>
+                      </a:tcPr>
+                    </a:tc>
+                    <a:tc>
+                      <a:txBody>
+                        <a:bodyPr/>
+                        <a:lstStyle/>
+                        <a:p>
+                          <a:r>
+                            <a:rPr lang="en-US" sz="1800" dirty="0">
+                              <a:solidFill>
+                                <a:schemeClr val="bg1"/>
+                              </a:solidFill>
+                            </a:rPr>
+                            <a:t>Forecast value of t-1 time</a:t>
+                          </a:r>
+                          <a:endParaRPr lang="en-ID" sz="1800" dirty="0">
+                            <a:solidFill>
+                              <a:schemeClr val="bg1"/>
+                            </a:solidFill>
+                          </a:endParaRPr>
+                        </a:p>
+                      </a:txBody>
+                      <a:tcPr>
+                        <a:lnL w="9525" cap="flat" cmpd="sng">
+                          <a:noFill/>
+                          <a:prstDash val="solid"/>
+                          <a:round/>
+                          <a:headEnd type="none" w="sm" len="sm"/>
+                          <a:tailEnd type="none" w="sm" len="sm"/>
+                        </a:lnL>
+                        <a:lnR w="9525" cap="flat" cmpd="sng">
+                          <a:noFill/>
+                          <a:prstDash val="solid"/>
+                          <a:round/>
+                          <a:headEnd type="none" w="sm" len="sm"/>
+                          <a:tailEnd type="none" w="sm" len="sm"/>
+                        </a:lnR>
+                        <a:lnT w="9525" cap="flat" cmpd="sng">
+                          <a:noFill/>
+                          <a:prstDash val="solid"/>
+                          <a:round/>
+                          <a:headEnd type="none" w="sm" len="sm"/>
+                          <a:tailEnd type="none" w="sm" len="sm"/>
+                        </a:lnT>
+                        <a:lnB w="9525" cap="flat" cmpd="sng">
+                          <a:noFill/>
+                          <a:prstDash val="solid"/>
+                          <a:round/>
+                          <a:headEnd type="none" w="sm" len="sm"/>
+                          <a:tailEnd type="none" w="sm" len="sm"/>
+                        </a:lnB>
+                        <a:lnTlToBr w="12700" cmpd="sng">
+                          <a:noFill/>
+                          <a:prstDash val="solid"/>
+                        </a:lnTlToBr>
+                        <a:lnBlToTr w="12700" cmpd="sng">
+                          <a:noFill/>
+                          <a:prstDash val="solid"/>
+                        </a:lnBlToTr>
+                      </a:tcPr>
+                    </a:tc>
+                    <a:extLst>
+                      <a:ext uri="{0D108BD9-81ED-4DB2-BD59-A6C34878D82A}">
+                        <a16:rowId xmlns:a16="http://schemas.microsoft.com/office/drawing/2014/main" val="65353868"/>
+                      </a:ext>
+                    </a:extLst>
+                  </a:tr>
+                  <a:tr h="370840">
+                    <a:tc>
+                      <a:txBody>
+                        <a:bodyPr/>
+                        <a:lstStyle/>
+                        <a:p>
+                          <a:pPr/>
+                          <a14:m>
+                            <m:oMathPara xmlns:m="http://schemas.openxmlformats.org/officeDocument/2006/math">
+                              <m:oMathParaPr>
+                                <m:jc m:val="left"/>
+                              </m:oMathParaPr>
+                              <m:oMath xmlns:m="http://schemas.openxmlformats.org/officeDocument/2006/math">
+                                <m:r>
+                                  <a:rPr lang="en-US" sz="1800" b="0" i="1" smtClean="0">
+                                    <a:solidFill>
+                                      <a:schemeClr val="bg1"/>
+                                    </a:solidFill>
+                                    <a:latin typeface="Cambria Math" panose="02040503050406030204" pitchFamily="18" charset="0"/>
+                                    <a:ea typeface="Cambria Math" panose="02040503050406030204" pitchFamily="18" charset="0"/>
+                                  </a:rPr>
+                                  <m:t>𝛼</m:t>
+                                </m:r>
+                              </m:oMath>
+                            </m:oMathPara>
+                          </a14:m>
+                          <a:endParaRPr lang="en-ID" dirty="0"/>
+                        </a:p>
+                      </a:txBody>
+                      <a:tcPr>
+                        <a:lnL w="9525" cap="flat" cmpd="sng">
+                          <a:noFill/>
+                          <a:prstDash val="solid"/>
+                          <a:round/>
+                          <a:headEnd type="none" w="sm" len="sm"/>
+                          <a:tailEnd type="none" w="sm" len="sm"/>
+                        </a:lnL>
+                        <a:lnR w="9525" cap="flat" cmpd="sng">
+                          <a:noFill/>
+                          <a:prstDash val="solid"/>
+                          <a:round/>
+                          <a:headEnd type="none" w="sm" len="sm"/>
+                          <a:tailEnd type="none" w="sm" len="sm"/>
+                        </a:lnR>
+                        <a:lnT w="9525" cap="flat" cmpd="sng">
+                          <a:noFill/>
+                          <a:prstDash val="solid"/>
+                          <a:round/>
+                          <a:headEnd type="none" w="sm" len="sm"/>
+                          <a:tailEnd type="none" w="sm" len="sm"/>
+                        </a:lnT>
+                        <a:lnB w="9525" cap="flat" cmpd="sng">
+                          <a:noFill/>
+                          <a:prstDash val="solid"/>
+                          <a:round/>
+                          <a:headEnd type="none" w="sm" len="sm"/>
+                          <a:tailEnd type="none" w="sm" len="sm"/>
+                        </a:lnB>
+                        <a:lnTlToBr w="12700" cmpd="sng">
+                          <a:noFill/>
+                          <a:prstDash val="solid"/>
+                        </a:lnTlToBr>
+                        <a:lnBlToTr w="12700" cmpd="sng">
+                          <a:noFill/>
+                          <a:prstDash val="solid"/>
+                        </a:lnBlToTr>
+                      </a:tcPr>
+                    </a:tc>
+                    <a:tc>
+                      <a:txBody>
+                        <a:bodyPr/>
+                        <a:lstStyle/>
+                        <a:p>
+                          <a:r>
+                            <a:rPr lang="en-US" sz="1800" dirty="0">
+                              <a:solidFill>
+                                <a:schemeClr val="bg1"/>
+                              </a:solidFill>
+                            </a:rPr>
+                            <a:t>:</a:t>
+                          </a:r>
+                          <a:endParaRPr lang="en-ID" sz="1800" dirty="0">
+                            <a:solidFill>
+                              <a:schemeClr val="bg1"/>
+                            </a:solidFill>
+                          </a:endParaRPr>
+                        </a:p>
+                      </a:txBody>
+                      <a:tcPr>
+                        <a:lnL w="9525" cap="flat" cmpd="sng">
+                          <a:noFill/>
+                          <a:prstDash val="solid"/>
+                          <a:round/>
+                          <a:headEnd type="none" w="sm" len="sm"/>
+                          <a:tailEnd type="none" w="sm" len="sm"/>
+                        </a:lnL>
+                        <a:lnR w="9525" cap="flat" cmpd="sng">
+                          <a:noFill/>
+                          <a:prstDash val="solid"/>
+                          <a:round/>
+                          <a:headEnd type="none" w="sm" len="sm"/>
+                          <a:tailEnd type="none" w="sm" len="sm"/>
+                        </a:lnR>
+                        <a:lnT w="9525" cap="flat" cmpd="sng">
+                          <a:noFill/>
+                          <a:prstDash val="solid"/>
+                          <a:round/>
+                          <a:headEnd type="none" w="sm" len="sm"/>
+                          <a:tailEnd type="none" w="sm" len="sm"/>
+                        </a:lnT>
+                        <a:lnB w="9525" cap="flat" cmpd="sng">
+                          <a:noFill/>
+                          <a:prstDash val="solid"/>
+                          <a:round/>
+                          <a:headEnd type="none" w="sm" len="sm"/>
+                          <a:tailEnd type="none" w="sm" len="sm"/>
+                        </a:lnB>
+                        <a:lnTlToBr w="12700" cmpd="sng">
+                          <a:noFill/>
+                          <a:prstDash val="solid"/>
+                        </a:lnTlToBr>
+                        <a:lnBlToTr w="12700" cmpd="sng">
+                          <a:noFill/>
+                          <a:prstDash val="solid"/>
+                        </a:lnBlToTr>
+                      </a:tcPr>
+                    </a:tc>
+                    <a:tc>
+                      <a:txBody>
+                        <a:bodyPr/>
+                        <a:lstStyle/>
+                        <a:p>
+                          <a:r>
+                            <a:rPr lang="en-US" sz="1800" dirty="0">
+                              <a:solidFill>
+                                <a:schemeClr val="bg1"/>
+                              </a:solidFill>
+                            </a:rPr>
+                            <a:t>Constant</a:t>
+                          </a:r>
+                          <a:endParaRPr lang="en-ID" sz="1800" dirty="0">
+                            <a:solidFill>
+                              <a:schemeClr val="bg1"/>
+                            </a:solidFill>
+                          </a:endParaRPr>
+                        </a:p>
+                      </a:txBody>
+                      <a:tcPr>
+                        <a:lnL w="9525" cap="flat" cmpd="sng">
+                          <a:noFill/>
+                          <a:prstDash val="solid"/>
+                          <a:round/>
+                          <a:headEnd type="none" w="sm" len="sm"/>
+                          <a:tailEnd type="none" w="sm" len="sm"/>
+                        </a:lnL>
+                        <a:lnR w="9525" cap="flat" cmpd="sng">
+                          <a:noFill/>
+                          <a:prstDash val="solid"/>
+                          <a:round/>
+                          <a:headEnd type="none" w="sm" len="sm"/>
+                          <a:tailEnd type="none" w="sm" len="sm"/>
+                        </a:lnR>
+                        <a:lnT w="9525" cap="flat" cmpd="sng">
+                          <a:noFill/>
+                          <a:prstDash val="solid"/>
+                          <a:round/>
+                          <a:headEnd type="none" w="sm" len="sm"/>
+                          <a:tailEnd type="none" w="sm" len="sm"/>
+                        </a:lnT>
+                        <a:lnB w="9525" cap="flat" cmpd="sng">
+                          <a:noFill/>
+                          <a:prstDash val="solid"/>
+                          <a:round/>
+                          <a:headEnd type="none" w="sm" len="sm"/>
+                          <a:tailEnd type="none" w="sm" len="sm"/>
+                        </a:lnB>
+                        <a:lnTlToBr w="12700" cmpd="sng">
+                          <a:noFill/>
+                          <a:prstDash val="solid"/>
+                        </a:lnTlToBr>
+                        <a:lnBlToTr w="12700" cmpd="sng">
+                          <a:noFill/>
+                          <a:prstDash val="solid"/>
+                        </a:lnBlToTr>
+                      </a:tcPr>
+                    </a:tc>
+                    <a:extLst>
+                      <a:ext uri="{0D108BD9-81ED-4DB2-BD59-A6C34878D82A}">
+                        <a16:rowId xmlns:a16="http://schemas.microsoft.com/office/drawing/2014/main" val="1631455255"/>
+                      </a:ext>
+                    </a:extLst>
+                  </a:tr>
+                  <a:tr h="370840">
+                    <a:tc>
+                      <a:txBody>
+                        <a:bodyPr/>
+                        <a:lstStyle/>
+                        <a:p>
+                          <a:pPr/>
+                          <a14:m>
+                            <m:oMathPara xmlns:m="http://schemas.openxmlformats.org/officeDocument/2006/math">
+                              <m:oMathParaPr>
+                                <m:jc m:val="left"/>
+                              </m:oMathParaPr>
+                              <m:oMath xmlns:m="http://schemas.openxmlformats.org/officeDocument/2006/math">
+                                <m:sSub>
+                                  <m:sSubPr>
+                                    <m:ctrlPr>
+                                      <a:rPr lang="en-US" sz="1800" b="0" i="1" smtClean="0">
+                                        <a:solidFill>
+                                          <a:schemeClr val="bg1"/>
+                                        </a:solidFill>
+                                        <a:latin typeface="Cambria Math" panose="02040503050406030204" pitchFamily="18" charset="0"/>
+                                        <a:ea typeface="Cambria Math" panose="02040503050406030204" pitchFamily="18" charset="0"/>
+                                      </a:rPr>
+                                    </m:ctrlPr>
+                                  </m:sSubPr>
+                                  <m:e>
+                                    <m:r>
+                                      <a:rPr lang="en-US" sz="1800" b="0" i="1" smtClean="0">
+                                        <a:solidFill>
+                                          <a:schemeClr val="bg1"/>
+                                        </a:solidFill>
+                                        <a:latin typeface="Cambria Math" panose="02040503050406030204" pitchFamily="18" charset="0"/>
+                                        <a:ea typeface="Cambria Math" panose="02040503050406030204" pitchFamily="18" charset="0"/>
+                                      </a:rPr>
+                                      <m:t>𝐴</m:t>
+                                    </m:r>
+                                  </m:e>
+                                  <m:sub>
+                                    <m:r>
+                                      <a:rPr lang="en-US" sz="1800" b="0" i="1" smtClean="0">
+                                        <a:solidFill>
+                                          <a:schemeClr val="bg1"/>
+                                        </a:solidFill>
+                                        <a:latin typeface="Cambria Math" panose="02040503050406030204" pitchFamily="18" charset="0"/>
+                                        <a:ea typeface="Cambria Math" panose="02040503050406030204" pitchFamily="18" charset="0"/>
+                                      </a:rPr>
+                                      <m:t>𝑡</m:t>
+                                    </m:r>
+                                    <m:r>
+                                      <a:rPr lang="en-US" sz="1800" b="0" i="1" smtClean="0">
+                                        <a:solidFill>
+                                          <a:schemeClr val="bg1"/>
+                                        </a:solidFill>
+                                        <a:latin typeface="Cambria Math" panose="02040503050406030204" pitchFamily="18" charset="0"/>
+                                        <a:ea typeface="Cambria Math" panose="02040503050406030204" pitchFamily="18" charset="0"/>
+                                      </a:rPr>
+                                      <m:t>−1</m:t>
+                                    </m:r>
+                                  </m:sub>
+                                </m:sSub>
+                              </m:oMath>
+                            </m:oMathPara>
+                          </a14:m>
+                          <a:endParaRPr lang="en-ID" dirty="0"/>
+                        </a:p>
+                      </a:txBody>
+                      <a:tcPr>
+                        <a:lnL w="9525" cap="flat" cmpd="sng">
+                          <a:noFill/>
+                          <a:prstDash val="solid"/>
+                          <a:round/>
+                          <a:headEnd type="none" w="sm" len="sm"/>
+                          <a:tailEnd type="none" w="sm" len="sm"/>
+                        </a:lnL>
+                        <a:lnR w="9525" cap="flat" cmpd="sng">
+                          <a:noFill/>
+                          <a:prstDash val="solid"/>
+                          <a:round/>
+                          <a:headEnd type="none" w="sm" len="sm"/>
+                          <a:tailEnd type="none" w="sm" len="sm"/>
+                        </a:lnR>
+                        <a:lnT w="9525" cap="flat" cmpd="sng">
+                          <a:noFill/>
+                          <a:prstDash val="solid"/>
+                          <a:round/>
+                          <a:headEnd type="none" w="sm" len="sm"/>
+                          <a:tailEnd type="none" w="sm" len="sm"/>
+                        </a:lnT>
+                        <a:lnB w="9525" cap="flat" cmpd="sng">
+                          <a:noFill/>
+                          <a:prstDash val="solid"/>
+                          <a:round/>
+                          <a:headEnd type="none" w="sm" len="sm"/>
+                          <a:tailEnd type="none" w="sm" len="sm"/>
+                        </a:lnB>
+                        <a:lnTlToBr w="12700" cmpd="sng">
+                          <a:noFill/>
+                          <a:prstDash val="solid"/>
+                        </a:lnTlToBr>
+                        <a:lnBlToTr w="12700" cmpd="sng">
+                          <a:noFill/>
+                          <a:prstDash val="solid"/>
+                        </a:lnBlToTr>
+                      </a:tcPr>
+                    </a:tc>
+                    <a:tc>
+                      <a:txBody>
+                        <a:bodyPr/>
+                        <a:lstStyle/>
+                        <a:p>
+                          <a:r>
+                            <a:rPr lang="en-US" sz="1800" dirty="0">
+                              <a:solidFill>
+                                <a:schemeClr val="bg1"/>
+                              </a:solidFill>
+                            </a:rPr>
+                            <a:t>:</a:t>
+                          </a:r>
+                          <a:endParaRPr lang="en-ID" sz="1800" dirty="0">
+                            <a:solidFill>
+                              <a:schemeClr val="bg1"/>
+                            </a:solidFill>
+                          </a:endParaRPr>
+                        </a:p>
+                      </a:txBody>
+                      <a:tcPr>
+                        <a:lnL w="9525" cap="flat" cmpd="sng">
+                          <a:noFill/>
+                          <a:prstDash val="solid"/>
+                          <a:round/>
+                          <a:headEnd type="none" w="sm" len="sm"/>
+                          <a:tailEnd type="none" w="sm" len="sm"/>
+                        </a:lnL>
+                        <a:lnR w="9525" cap="flat" cmpd="sng">
+                          <a:noFill/>
+                          <a:prstDash val="solid"/>
+                          <a:round/>
+                          <a:headEnd type="none" w="sm" len="sm"/>
+                          <a:tailEnd type="none" w="sm" len="sm"/>
+                        </a:lnR>
+                        <a:lnT w="9525" cap="flat" cmpd="sng">
+                          <a:noFill/>
+                          <a:prstDash val="solid"/>
+                          <a:round/>
+                          <a:headEnd type="none" w="sm" len="sm"/>
+                          <a:tailEnd type="none" w="sm" len="sm"/>
+                        </a:lnT>
+                        <a:lnB w="9525" cap="flat" cmpd="sng">
+                          <a:noFill/>
+                          <a:prstDash val="solid"/>
+                          <a:round/>
+                          <a:headEnd type="none" w="sm" len="sm"/>
+                          <a:tailEnd type="none" w="sm" len="sm"/>
+                        </a:lnB>
+                        <a:lnTlToBr w="12700" cmpd="sng">
+                          <a:noFill/>
+                          <a:prstDash val="solid"/>
+                        </a:lnTlToBr>
+                        <a:lnBlToTr w="12700" cmpd="sng">
+                          <a:noFill/>
+                          <a:prstDash val="solid"/>
+                        </a:lnBlToTr>
+                      </a:tcPr>
+                    </a:tc>
+                    <a:tc>
+                      <a:txBody>
+                        <a:bodyPr/>
+                        <a:lstStyle/>
+                        <a:p>
+                          <a:r>
+                            <a:rPr lang="en-US" sz="1800" dirty="0">
+                              <a:solidFill>
+                                <a:schemeClr val="bg1"/>
+                              </a:solidFill>
+                            </a:rPr>
+                            <a:t>Actual value of t-1 time</a:t>
+                          </a:r>
+                          <a:endParaRPr lang="en-ID" sz="1800" dirty="0">
+                            <a:solidFill>
+                              <a:schemeClr val="bg1"/>
+                            </a:solidFill>
+                          </a:endParaRPr>
+                        </a:p>
+                      </a:txBody>
+                      <a:tcPr>
+                        <a:lnL w="9525" cap="flat" cmpd="sng">
+                          <a:noFill/>
+                          <a:prstDash val="solid"/>
+                          <a:round/>
+                          <a:headEnd type="none" w="sm" len="sm"/>
+                          <a:tailEnd type="none" w="sm" len="sm"/>
+                        </a:lnL>
+                        <a:lnR w="9525" cap="flat" cmpd="sng">
+                          <a:noFill/>
+                          <a:prstDash val="solid"/>
+                          <a:round/>
+                          <a:headEnd type="none" w="sm" len="sm"/>
+                          <a:tailEnd type="none" w="sm" len="sm"/>
+                        </a:lnR>
+                        <a:lnT w="9525" cap="flat" cmpd="sng">
+                          <a:noFill/>
+                          <a:prstDash val="solid"/>
+                          <a:round/>
+                          <a:headEnd type="none" w="sm" len="sm"/>
+                          <a:tailEnd type="none" w="sm" len="sm"/>
+                        </a:lnT>
+                        <a:lnB w="9525" cap="flat" cmpd="sng">
+                          <a:noFill/>
+                          <a:prstDash val="solid"/>
+                          <a:round/>
+                          <a:headEnd type="none" w="sm" len="sm"/>
+                          <a:tailEnd type="none" w="sm" len="sm"/>
+                        </a:lnB>
+                        <a:lnTlToBr w="12700" cmpd="sng">
+                          <a:noFill/>
+                          <a:prstDash val="solid"/>
+                        </a:lnTlToBr>
+                        <a:lnBlToTr w="12700" cmpd="sng">
+                          <a:noFill/>
+                          <a:prstDash val="solid"/>
+                        </a:lnBlToTr>
+                      </a:tcPr>
+                    </a:tc>
+                    <a:extLst>
+                      <a:ext uri="{0D108BD9-81ED-4DB2-BD59-A6C34878D82A}">
+                        <a16:rowId xmlns:a16="http://schemas.microsoft.com/office/drawing/2014/main" val="3237015161"/>
+                      </a:ext>
+                    </a:extLst>
+                  </a:tr>
+                </a:tbl>
+              </a:graphicData>
+            </a:graphic>
+          </p:graphicFrame>
+        </mc:Choice>
+        <mc:Fallback>
+          <p:graphicFrame>
+            <p:nvGraphicFramePr>
+              <p:cNvPr id="8" name="Table 9">
+                <a:extLst>
+                  <a:ext uri="{FF2B5EF4-FFF2-40B4-BE49-F238E27FC236}">
+                    <a16:creationId xmlns:a16="http://schemas.microsoft.com/office/drawing/2014/main" id="{539DA21A-32BE-4CF1-ACB1-A736FA25A3EF}"/>
+                  </a:ext>
+                </a:extLst>
+              </p:cNvPr>
+              <p:cNvGraphicFramePr>
+                <a:graphicFrameLocks noGrp="1"/>
+              </p:cNvGraphicFramePr>
+              <p:nvPr>
+                <p:extLst>
+                  <p:ext uri="{D42A27DB-BD31-4B8C-83A1-F6EECF244321}">
+                    <p14:modId xmlns:p14="http://schemas.microsoft.com/office/powerpoint/2010/main" val="3419070751"/>
+                  </p:ext>
+                </p:extLst>
+              </p:nvPr>
+            </p:nvGraphicFramePr>
+            <p:xfrm>
+              <a:off x="1550415" y="3266491"/>
+              <a:ext cx="6035063" cy="1483360"/>
+            </p:xfrm>
+            <a:graphic>
+              <a:graphicData uri="http://schemas.openxmlformats.org/drawingml/2006/table">
+                <a:tbl>
+                  <a:tblPr firstRow="1" bandRow="1">
+                    <a:tableStyleId>{B7259FF8-02D3-48AD-A7E2-A4B8CD10835C}</a:tableStyleId>
+                  </a:tblPr>
+                  <a:tblGrid>
+                    <a:gridCol w="791231">
+                      <a:extLst>
+                        <a:ext uri="{9D8B030D-6E8A-4147-A177-3AD203B41FA5}">
+                          <a16:colId xmlns:a16="http://schemas.microsoft.com/office/drawing/2014/main" val="2403084717"/>
+                        </a:ext>
+                      </a:extLst>
+                    </a:gridCol>
+                    <a:gridCol w="370333">
+                      <a:extLst>
+                        <a:ext uri="{9D8B030D-6E8A-4147-A177-3AD203B41FA5}">
+                          <a16:colId xmlns:a16="http://schemas.microsoft.com/office/drawing/2014/main" val="3943052519"/>
+                        </a:ext>
+                      </a:extLst>
+                    </a:gridCol>
+                    <a:gridCol w="4873499">
+                      <a:extLst>
+                        <a:ext uri="{9D8B030D-6E8A-4147-A177-3AD203B41FA5}">
+                          <a16:colId xmlns:a16="http://schemas.microsoft.com/office/drawing/2014/main" val="1414262250"/>
+                        </a:ext>
+                      </a:extLst>
+                    </a:gridCol>
+                  </a:tblGrid>
+                  <a:tr h="370840">
+                    <a:tc>
+                      <a:txBody>
+                        <a:bodyPr/>
+                        <a:lstStyle/>
+                        <a:p>
+                          <a:endParaRPr lang="en-US"/>
+                        </a:p>
+                      </a:txBody>
+                      <a:tcPr>
+                        <a:lnL w="9525" cap="flat" cmpd="sng">
+                          <a:noFill/>
+                          <a:prstDash val="solid"/>
+                          <a:round/>
+                          <a:headEnd type="none" w="sm" len="sm"/>
+                          <a:tailEnd type="none" w="sm" len="sm"/>
+                        </a:lnL>
+                        <a:lnR w="9525" cap="flat" cmpd="sng">
+                          <a:noFill/>
+                          <a:prstDash val="solid"/>
+                          <a:round/>
+                          <a:headEnd type="none" w="sm" len="sm"/>
+                          <a:tailEnd type="none" w="sm" len="sm"/>
+                        </a:lnR>
+                        <a:lnT w="9525" cap="flat" cmpd="sng">
+                          <a:noFill/>
+                          <a:prstDash val="solid"/>
+                          <a:round/>
+                          <a:headEnd type="none" w="sm" len="sm"/>
+                          <a:tailEnd type="none" w="sm" len="sm"/>
+                        </a:lnT>
+                        <a:lnB w="9525" cap="flat" cmpd="sng">
+                          <a:noFill/>
+                          <a:prstDash val="solid"/>
+                          <a:round/>
+                          <a:headEnd type="none" w="sm" len="sm"/>
+                          <a:tailEnd type="none" w="sm" len="sm"/>
+                        </a:lnB>
+                        <a:lnTlToBr w="12700" cmpd="sng">
+                          <a:noFill/>
+                          <a:prstDash val="solid"/>
+                        </a:lnTlToBr>
+                        <a:lnBlToTr w="12700" cmpd="sng">
+                          <a:noFill/>
+                          <a:prstDash val="solid"/>
+                        </a:lnBlToTr>
+                        <a:blipFill>
+                          <a:blip r:embed="rId4"/>
+                          <a:stretch>
+                            <a:fillRect t="-8197" r="-662308" b="-324590"/>
+                          </a:stretch>
+                        </a:blipFill>
+                      </a:tcPr>
+                    </a:tc>
+                    <a:tc>
+                      <a:txBody>
+                        <a:bodyPr/>
+                        <a:lstStyle/>
+                        <a:p>
+                          <a:r>
+                            <a:rPr lang="en-US" sz="1800" dirty="0">
+                              <a:solidFill>
+                                <a:schemeClr val="bg1"/>
+                              </a:solidFill>
+                            </a:rPr>
+                            <a:t>:</a:t>
+                          </a:r>
+                          <a:endParaRPr lang="en-ID" sz="1800" dirty="0">
+                            <a:solidFill>
+                              <a:schemeClr val="bg1"/>
+                            </a:solidFill>
+                          </a:endParaRPr>
+                        </a:p>
+                      </a:txBody>
+                      <a:tcPr>
+                        <a:lnL w="9525" cap="flat" cmpd="sng">
+                          <a:noFill/>
+                          <a:prstDash val="solid"/>
+                          <a:round/>
+                          <a:headEnd type="none" w="sm" len="sm"/>
+                          <a:tailEnd type="none" w="sm" len="sm"/>
+                        </a:lnL>
+                        <a:lnR w="9525" cap="flat" cmpd="sng">
+                          <a:noFill/>
+                          <a:prstDash val="solid"/>
+                          <a:round/>
+                          <a:headEnd type="none" w="sm" len="sm"/>
+                          <a:tailEnd type="none" w="sm" len="sm"/>
+                        </a:lnR>
+                        <a:lnT w="9525" cap="flat" cmpd="sng">
+                          <a:noFill/>
+                          <a:prstDash val="solid"/>
+                          <a:round/>
+                          <a:headEnd type="none" w="sm" len="sm"/>
+                          <a:tailEnd type="none" w="sm" len="sm"/>
+                        </a:lnT>
+                        <a:lnB w="9525" cap="flat" cmpd="sng">
+                          <a:noFill/>
+                          <a:prstDash val="solid"/>
+                          <a:round/>
+                          <a:headEnd type="none" w="sm" len="sm"/>
+                          <a:tailEnd type="none" w="sm" len="sm"/>
+                        </a:lnB>
+                        <a:lnTlToBr w="12700" cmpd="sng">
+                          <a:noFill/>
+                          <a:prstDash val="solid"/>
+                        </a:lnTlToBr>
+                        <a:lnBlToTr w="12700" cmpd="sng">
+                          <a:noFill/>
+                          <a:prstDash val="solid"/>
+                        </a:lnBlToTr>
+                      </a:tcPr>
+                    </a:tc>
+                    <a:tc>
+                      <a:txBody>
+                        <a:bodyPr/>
+                        <a:lstStyle/>
+                        <a:p>
+                          <a:r>
+                            <a:rPr lang="en-US" sz="1800" dirty="0">
+                              <a:solidFill>
+                                <a:schemeClr val="bg1"/>
+                              </a:solidFill>
+                            </a:rPr>
+                            <a:t>Forecast value of t time</a:t>
+                          </a:r>
+                        </a:p>
+                      </a:txBody>
+                      <a:tcPr>
+                        <a:lnL w="9525" cap="flat" cmpd="sng">
+                          <a:noFill/>
+                          <a:prstDash val="solid"/>
+                          <a:round/>
+                          <a:headEnd type="none" w="sm" len="sm"/>
+                          <a:tailEnd type="none" w="sm" len="sm"/>
+                        </a:lnL>
+                        <a:lnR w="9525" cap="flat" cmpd="sng">
+                          <a:noFill/>
+                          <a:prstDash val="solid"/>
+                          <a:round/>
+                          <a:headEnd type="none" w="sm" len="sm"/>
+                          <a:tailEnd type="none" w="sm" len="sm"/>
+                        </a:lnR>
+                        <a:lnT w="9525" cap="flat" cmpd="sng">
+                          <a:noFill/>
+                          <a:prstDash val="solid"/>
+                          <a:round/>
+                          <a:headEnd type="none" w="sm" len="sm"/>
+                          <a:tailEnd type="none" w="sm" len="sm"/>
+                        </a:lnT>
+                        <a:lnB w="9525" cap="flat" cmpd="sng">
+                          <a:noFill/>
+                          <a:prstDash val="solid"/>
+                          <a:round/>
+                          <a:headEnd type="none" w="sm" len="sm"/>
+                          <a:tailEnd type="none" w="sm" len="sm"/>
+                        </a:lnB>
+                        <a:lnTlToBr w="12700" cmpd="sng">
+                          <a:noFill/>
+                          <a:prstDash val="solid"/>
+                        </a:lnTlToBr>
+                        <a:lnBlToTr w="12700" cmpd="sng">
+                          <a:noFill/>
+                          <a:prstDash val="solid"/>
+                        </a:lnBlToTr>
+                      </a:tcPr>
+                    </a:tc>
+                    <a:extLst>
+                      <a:ext uri="{0D108BD9-81ED-4DB2-BD59-A6C34878D82A}">
+                        <a16:rowId xmlns:a16="http://schemas.microsoft.com/office/drawing/2014/main" val="1252057572"/>
+                      </a:ext>
+                    </a:extLst>
+                  </a:tr>
+                  <a:tr h="370840">
+                    <a:tc>
+                      <a:txBody>
+                        <a:bodyPr/>
+                        <a:lstStyle/>
+                        <a:p>
+                          <a:endParaRPr lang="en-US"/>
+                        </a:p>
+                      </a:txBody>
+                      <a:tcPr>
+                        <a:lnL w="9525" cap="flat" cmpd="sng">
+                          <a:noFill/>
+                          <a:prstDash val="solid"/>
+                          <a:round/>
+                          <a:headEnd type="none" w="sm" len="sm"/>
+                          <a:tailEnd type="none" w="sm" len="sm"/>
+                        </a:lnL>
+                        <a:lnR w="9525" cap="flat" cmpd="sng">
+                          <a:noFill/>
+                          <a:prstDash val="solid"/>
+                          <a:round/>
+                          <a:headEnd type="none" w="sm" len="sm"/>
+                          <a:tailEnd type="none" w="sm" len="sm"/>
+                        </a:lnR>
+                        <a:lnT w="9525" cap="flat" cmpd="sng">
+                          <a:noFill/>
+                          <a:prstDash val="solid"/>
+                          <a:round/>
+                          <a:headEnd type="none" w="sm" len="sm"/>
+                          <a:tailEnd type="none" w="sm" len="sm"/>
+                        </a:lnT>
+                        <a:lnB w="9525" cap="flat" cmpd="sng">
+                          <a:noFill/>
+                          <a:prstDash val="solid"/>
+                          <a:round/>
+                          <a:headEnd type="none" w="sm" len="sm"/>
+                          <a:tailEnd type="none" w="sm" len="sm"/>
+                        </a:lnB>
+                        <a:lnTlToBr w="12700" cmpd="sng">
+                          <a:noFill/>
+                          <a:prstDash val="solid"/>
+                        </a:lnTlToBr>
+                        <a:lnBlToTr w="12700" cmpd="sng">
+                          <a:noFill/>
+                          <a:prstDash val="solid"/>
+                        </a:lnBlToTr>
+                        <a:blipFill>
+                          <a:blip r:embed="rId4"/>
+                          <a:stretch>
+                            <a:fillRect t="-106452" r="-662308" b="-219355"/>
+                          </a:stretch>
+                        </a:blipFill>
+                      </a:tcPr>
+                    </a:tc>
+                    <a:tc>
+                      <a:txBody>
+                        <a:bodyPr/>
+                        <a:lstStyle/>
+                        <a:p>
+                          <a:r>
+                            <a:rPr lang="en-US" sz="1800" dirty="0">
+                              <a:solidFill>
+                                <a:schemeClr val="bg1"/>
+                              </a:solidFill>
+                            </a:rPr>
+                            <a:t>:</a:t>
+                          </a:r>
+                          <a:endParaRPr lang="en-ID" sz="1800" dirty="0">
+                            <a:solidFill>
+                              <a:schemeClr val="bg1"/>
+                            </a:solidFill>
+                          </a:endParaRPr>
+                        </a:p>
+                      </a:txBody>
+                      <a:tcPr>
+                        <a:lnL w="9525" cap="flat" cmpd="sng">
+                          <a:noFill/>
+                          <a:prstDash val="solid"/>
+                          <a:round/>
+                          <a:headEnd type="none" w="sm" len="sm"/>
+                          <a:tailEnd type="none" w="sm" len="sm"/>
+                        </a:lnL>
+                        <a:lnR w="9525" cap="flat" cmpd="sng">
+                          <a:noFill/>
+                          <a:prstDash val="solid"/>
+                          <a:round/>
+                          <a:headEnd type="none" w="sm" len="sm"/>
+                          <a:tailEnd type="none" w="sm" len="sm"/>
+                        </a:lnR>
+                        <a:lnT w="9525" cap="flat" cmpd="sng">
+                          <a:noFill/>
+                          <a:prstDash val="solid"/>
+                          <a:round/>
+                          <a:headEnd type="none" w="sm" len="sm"/>
+                          <a:tailEnd type="none" w="sm" len="sm"/>
+                        </a:lnT>
+                        <a:lnB w="9525" cap="flat" cmpd="sng">
+                          <a:noFill/>
+                          <a:prstDash val="solid"/>
+                          <a:round/>
+                          <a:headEnd type="none" w="sm" len="sm"/>
+                          <a:tailEnd type="none" w="sm" len="sm"/>
+                        </a:lnB>
+                        <a:lnTlToBr w="12700" cmpd="sng">
+                          <a:noFill/>
+                          <a:prstDash val="solid"/>
+                        </a:lnTlToBr>
+                        <a:lnBlToTr w="12700" cmpd="sng">
+                          <a:noFill/>
+                          <a:prstDash val="solid"/>
+                        </a:lnBlToTr>
+                      </a:tcPr>
+                    </a:tc>
+                    <a:tc>
+                      <a:txBody>
+                        <a:bodyPr/>
+                        <a:lstStyle/>
+                        <a:p>
+                          <a:r>
+                            <a:rPr lang="en-US" sz="1800" dirty="0">
+                              <a:solidFill>
+                                <a:schemeClr val="bg1"/>
+                              </a:solidFill>
+                            </a:rPr>
+                            <a:t>Forecast value of t-1 time</a:t>
+                          </a:r>
+                          <a:endParaRPr lang="en-ID" sz="1800" dirty="0">
+                            <a:solidFill>
+                              <a:schemeClr val="bg1"/>
+                            </a:solidFill>
+                          </a:endParaRPr>
+                        </a:p>
+                      </a:txBody>
+                      <a:tcPr>
+                        <a:lnL w="9525" cap="flat" cmpd="sng">
+                          <a:noFill/>
+                          <a:prstDash val="solid"/>
+                          <a:round/>
+                          <a:headEnd type="none" w="sm" len="sm"/>
+                          <a:tailEnd type="none" w="sm" len="sm"/>
+                        </a:lnL>
+                        <a:lnR w="9525" cap="flat" cmpd="sng">
+                          <a:noFill/>
+                          <a:prstDash val="solid"/>
+                          <a:round/>
+                          <a:headEnd type="none" w="sm" len="sm"/>
+                          <a:tailEnd type="none" w="sm" len="sm"/>
+                        </a:lnR>
+                        <a:lnT w="9525" cap="flat" cmpd="sng">
+                          <a:noFill/>
+                          <a:prstDash val="solid"/>
+                          <a:round/>
+                          <a:headEnd type="none" w="sm" len="sm"/>
+                          <a:tailEnd type="none" w="sm" len="sm"/>
+                        </a:lnT>
+                        <a:lnB w="9525" cap="flat" cmpd="sng">
+                          <a:noFill/>
+                          <a:prstDash val="solid"/>
+                          <a:round/>
+                          <a:headEnd type="none" w="sm" len="sm"/>
+                          <a:tailEnd type="none" w="sm" len="sm"/>
+                        </a:lnB>
+                        <a:lnTlToBr w="12700" cmpd="sng">
+                          <a:noFill/>
+                          <a:prstDash val="solid"/>
+                        </a:lnTlToBr>
+                        <a:lnBlToTr w="12700" cmpd="sng">
+                          <a:noFill/>
+                          <a:prstDash val="solid"/>
+                        </a:lnBlToTr>
+                      </a:tcPr>
+                    </a:tc>
+                    <a:extLst>
+                      <a:ext uri="{0D108BD9-81ED-4DB2-BD59-A6C34878D82A}">
+                        <a16:rowId xmlns:a16="http://schemas.microsoft.com/office/drawing/2014/main" val="65353868"/>
+                      </a:ext>
+                    </a:extLst>
+                  </a:tr>
+                  <a:tr h="370840">
+                    <a:tc>
+                      <a:txBody>
+                        <a:bodyPr/>
+                        <a:lstStyle/>
+                        <a:p>
+                          <a:endParaRPr lang="en-US"/>
+                        </a:p>
+                      </a:txBody>
+                      <a:tcPr>
+                        <a:lnL w="9525" cap="flat" cmpd="sng">
+                          <a:noFill/>
+                          <a:prstDash val="solid"/>
+                          <a:round/>
+                          <a:headEnd type="none" w="sm" len="sm"/>
+                          <a:tailEnd type="none" w="sm" len="sm"/>
+                        </a:lnL>
+                        <a:lnR w="9525" cap="flat" cmpd="sng">
+                          <a:noFill/>
+                          <a:prstDash val="solid"/>
+                          <a:round/>
+                          <a:headEnd type="none" w="sm" len="sm"/>
+                          <a:tailEnd type="none" w="sm" len="sm"/>
+                        </a:lnR>
+                        <a:lnT w="9525" cap="flat" cmpd="sng">
+                          <a:noFill/>
+                          <a:prstDash val="solid"/>
+                          <a:round/>
+                          <a:headEnd type="none" w="sm" len="sm"/>
+                          <a:tailEnd type="none" w="sm" len="sm"/>
+                        </a:lnT>
+                        <a:lnB w="9525" cap="flat" cmpd="sng">
+                          <a:noFill/>
+                          <a:prstDash val="solid"/>
+                          <a:round/>
+                          <a:headEnd type="none" w="sm" len="sm"/>
+                          <a:tailEnd type="none" w="sm" len="sm"/>
+                        </a:lnB>
+                        <a:lnTlToBr w="12700" cmpd="sng">
+                          <a:noFill/>
+                          <a:prstDash val="solid"/>
+                        </a:lnTlToBr>
+                        <a:lnBlToTr w="12700" cmpd="sng">
+                          <a:noFill/>
+                          <a:prstDash val="solid"/>
+                        </a:lnBlToTr>
+                        <a:blipFill>
+                          <a:blip r:embed="rId4"/>
+                          <a:stretch>
+                            <a:fillRect t="-209836" r="-662308" b="-122951"/>
+                          </a:stretch>
+                        </a:blipFill>
+                      </a:tcPr>
+                    </a:tc>
+                    <a:tc>
+                      <a:txBody>
+                        <a:bodyPr/>
+                        <a:lstStyle/>
+                        <a:p>
+                          <a:r>
+                            <a:rPr lang="en-US" sz="1800" dirty="0">
+                              <a:solidFill>
+                                <a:schemeClr val="bg1"/>
+                              </a:solidFill>
+                            </a:rPr>
+                            <a:t>:</a:t>
+                          </a:r>
+                          <a:endParaRPr lang="en-ID" sz="1800" dirty="0">
+                            <a:solidFill>
+                              <a:schemeClr val="bg1"/>
+                            </a:solidFill>
+                          </a:endParaRPr>
+                        </a:p>
+                      </a:txBody>
+                      <a:tcPr>
+                        <a:lnL w="9525" cap="flat" cmpd="sng">
+                          <a:noFill/>
+                          <a:prstDash val="solid"/>
+                          <a:round/>
+                          <a:headEnd type="none" w="sm" len="sm"/>
+                          <a:tailEnd type="none" w="sm" len="sm"/>
+                        </a:lnL>
+                        <a:lnR w="9525" cap="flat" cmpd="sng">
+                          <a:noFill/>
+                          <a:prstDash val="solid"/>
+                          <a:round/>
+                          <a:headEnd type="none" w="sm" len="sm"/>
+                          <a:tailEnd type="none" w="sm" len="sm"/>
+                        </a:lnR>
+                        <a:lnT w="9525" cap="flat" cmpd="sng">
+                          <a:noFill/>
+                          <a:prstDash val="solid"/>
+                          <a:round/>
+                          <a:headEnd type="none" w="sm" len="sm"/>
+                          <a:tailEnd type="none" w="sm" len="sm"/>
+                        </a:lnT>
+                        <a:lnB w="9525" cap="flat" cmpd="sng">
+                          <a:noFill/>
+                          <a:prstDash val="solid"/>
+                          <a:round/>
+                          <a:headEnd type="none" w="sm" len="sm"/>
+                          <a:tailEnd type="none" w="sm" len="sm"/>
+                        </a:lnB>
+                        <a:lnTlToBr w="12700" cmpd="sng">
+                          <a:noFill/>
+                          <a:prstDash val="solid"/>
+                        </a:lnTlToBr>
+                        <a:lnBlToTr w="12700" cmpd="sng">
+                          <a:noFill/>
+                          <a:prstDash val="solid"/>
+                        </a:lnBlToTr>
+                      </a:tcPr>
+                    </a:tc>
+                    <a:tc>
+                      <a:txBody>
+                        <a:bodyPr/>
+                        <a:lstStyle/>
+                        <a:p>
+                          <a:r>
+                            <a:rPr lang="en-US" sz="1800" dirty="0">
+                              <a:solidFill>
+                                <a:schemeClr val="bg1"/>
+                              </a:solidFill>
+                            </a:rPr>
+                            <a:t>Constant</a:t>
+                          </a:r>
+                          <a:endParaRPr lang="en-ID" sz="1800" dirty="0">
+                            <a:solidFill>
+                              <a:schemeClr val="bg1"/>
+                            </a:solidFill>
+                          </a:endParaRPr>
+                        </a:p>
+                      </a:txBody>
+                      <a:tcPr>
+                        <a:lnL w="9525" cap="flat" cmpd="sng">
+                          <a:noFill/>
+                          <a:prstDash val="solid"/>
+                          <a:round/>
+                          <a:headEnd type="none" w="sm" len="sm"/>
+                          <a:tailEnd type="none" w="sm" len="sm"/>
+                        </a:lnL>
+                        <a:lnR w="9525" cap="flat" cmpd="sng">
+                          <a:noFill/>
+                          <a:prstDash val="solid"/>
+                          <a:round/>
+                          <a:headEnd type="none" w="sm" len="sm"/>
+                          <a:tailEnd type="none" w="sm" len="sm"/>
+                        </a:lnR>
+                        <a:lnT w="9525" cap="flat" cmpd="sng">
+                          <a:noFill/>
+                          <a:prstDash val="solid"/>
+                          <a:round/>
+                          <a:headEnd type="none" w="sm" len="sm"/>
+                          <a:tailEnd type="none" w="sm" len="sm"/>
+                        </a:lnT>
+                        <a:lnB w="9525" cap="flat" cmpd="sng">
+                          <a:noFill/>
+                          <a:prstDash val="solid"/>
+                          <a:round/>
+                          <a:headEnd type="none" w="sm" len="sm"/>
+                          <a:tailEnd type="none" w="sm" len="sm"/>
+                        </a:lnB>
+                        <a:lnTlToBr w="12700" cmpd="sng">
+                          <a:noFill/>
+                          <a:prstDash val="solid"/>
+                        </a:lnTlToBr>
+                        <a:lnBlToTr w="12700" cmpd="sng">
+                          <a:noFill/>
+                          <a:prstDash val="solid"/>
+                        </a:lnBlToTr>
+                      </a:tcPr>
+                    </a:tc>
+                    <a:extLst>
+                      <a:ext uri="{0D108BD9-81ED-4DB2-BD59-A6C34878D82A}">
+                        <a16:rowId xmlns:a16="http://schemas.microsoft.com/office/drawing/2014/main" val="1631455255"/>
+                      </a:ext>
+                    </a:extLst>
+                  </a:tr>
+                  <a:tr h="370840">
+                    <a:tc>
+                      <a:txBody>
+                        <a:bodyPr/>
+                        <a:lstStyle/>
+                        <a:p>
+                          <a:endParaRPr lang="en-US"/>
+                        </a:p>
+                      </a:txBody>
+                      <a:tcPr>
+                        <a:lnL w="9525" cap="flat" cmpd="sng">
+                          <a:noFill/>
+                          <a:prstDash val="solid"/>
+                          <a:round/>
+                          <a:headEnd type="none" w="sm" len="sm"/>
+                          <a:tailEnd type="none" w="sm" len="sm"/>
+                        </a:lnL>
+                        <a:lnR w="9525" cap="flat" cmpd="sng">
+                          <a:noFill/>
+                          <a:prstDash val="solid"/>
+                          <a:round/>
+                          <a:headEnd type="none" w="sm" len="sm"/>
+                          <a:tailEnd type="none" w="sm" len="sm"/>
+                        </a:lnR>
+                        <a:lnT w="9525" cap="flat" cmpd="sng">
+                          <a:noFill/>
+                          <a:prstDash val="solid"/>
+                          <a:round/>
+                          <a:headEnd type="none" w="sm" len="sm"/>
+                          <a:tailEnd type="none" w="sm" len="sm"/>
+                        </a:lnT>
+                        <a:lnB w="9525" cap="flat" cmpd="sng">
+                          <a:noFill/>
+                          <a:prstDash val="solid"/>
+                          <a:round/>
+                          <a:headEnd type="none" w="sm" len="sm"/>
+                          <a:tailEnd type="none" w="sm" len="sm"/>
+                        </a:lnB>
+                        <a:lnTlToBr w="12700" cmpd="sng">
+                          <a:noFill/>
+                          <a:prstDash val="solid"/>
+                        </a:lnTlToBr>
+                        <a:lnBlToTr w="12700" cmpd="sng">
+                          <a:noFill/>
+                          <a:prstDash val="solid"/>
+                        </a:lnBlToTr>
+                        <a:blipFill>
+                          <a:blip r:embed="rId4"/>
+                          <a:stretch>
+                            <a:fillRect t="-309836" r="-662308" b="-22951"/>
+                          </a:stretch>
+                        </a:blipFill>
+                      </a:tcPr>
+                    </a:tc>
+                    <a:tc>
+                      <a:txBody>
+                        <a:bodyPr/>
+                        <a:lstStyle/>
+                        <a:p>
+                          <a:r>
+                            <a:rPr lang="en-US" sz="1800" dirty="0">
+                              <a:solidFill>
+                                <a:schemeClr val="bg1"/>
+                              </a:solidFill>
+                            </a:rPr>
+                            <a:t>:</a:t>
+                          </a:r>
+                          <a:endParaRPr lang="en-ID" sz="1800" dirty="0">
+                            <a:solidFill>
+                              <a:schemeClr val="bg1"/>
+                            </a:solidFill>
+                          </a:endParaRPr>
+                        </a:p>
+                      </a:txBody>
+                      <a:tcPr>
+                        <a:lnL w="9525" cap="flat" cmpd="sng">
+                          <a:noFill/>
+                          <a:prstDash val="solid"/>
+                          <a:round/>
+                          <a:headEnd type="none" w="sm" len="sm"/>
+                          <a:tailEnd type="none" w="sm" len="sm"/>
+                        </a:lnL>
+                        <a:lnR w="9525" cap="flat" cmpd="sng">
+                          <a:noFill/>
+                          <a:prstDash val="solid"/>
+                          <a:round/>
+                          <a:headEnd type="none" w="sm" len="sm"/>
+                          <a:tailEnd type="none" w="sm" len="sm"/>
+                        </a:lnR>
+                        <a:lnT w="9525" cap="flat" cmpd="sng">
+                          <a:noFill/>
+                          <a:prstDash val="solid"/>
+                          <a:round/>
+                          <a:headEnd type="none" w="sm" len="sm"/>
+                          <a:tailEnd type="none" w="sm" len="sm"/>
+                        </a:lnT>
+                        <a:lnB w="9525" cap="flat" cmpd="sng">
+                          <a:noFill/>
+                          <a:prstDash val="solid"/>
+                          <a:round/>
+                          <a:headEnd type="none" w="sm" len="sm"/>
+                          <a:tailEnd type="none" w="sm" len="sm"/>
+                        </a:lnB>
+                        <a:lnTlToBr w="12700" cmpd="sng">
+                          <a:noFill/>
+                          <a:prstDash val="solid"/>
+                        </a:lnTlToBr>
+                        <a:lnBlToTr w="12700" cmpd="sng">
+                          <a:noFill/>
+                          <a:prstDash val="solid"/>
+                        </a:lnBlToTr>
+                      </a:tcPr>
+                    </a:tc>
+                    <a:tc>
+                      <a:txBody>
+                        <a:bodyPr/>
+                        <a:lstStyle/>
+                        <a:p>
+                          <a:r>
+                            <a:rPr lang="en-US" sz="1800" dirty="0">
+                              <a:solidFill>
+                                <a:schemeClr val="bg1"/>
+                              </a:solidFill>
+                            </a:rPr>
+                            <a:t>Actual value of t-1 time</a:t>
+                          </a:r>
+                          <a:endParaRPr lang="en-ID" sz="1800" dirty="0">
+                            <a:solidFill>
+                              <a:schemeClr val="bg1"/>
+                            </a:solidFill>
+                          </a:endParaRPr>
+                        </a:p>
+                      </a:txBody>
+                      <a:tcPr>
+                        <a:lnL w="9525" cap="flat" cmpd="sng">
+                          <a:noFill/>
+                          <a:prstDash val="solid"/>
+                          <a:round/>
+                          <a:headEnd type="none" w="sm" len="sm"/>
+                          <a:tailEnd type="none" w="sm" len="sm"/>
+                        </a:lnL>
+                        <a:lnR w="9525" cap="flat" cmpd="sng">
+                          <a:noFill/>
+                          <a:prstDash val="solid"/>
+                          <a:round/>
+                          <a:headEnd type="none" w="sm" len="sm"/>
+                          <a:tailEnd type="none" w="sm" len="sm"/>
+                        </a:lnR>
+                        <a:lnT w="9525" cap="flat" cmpd="sng">
+                          <a:noFill/>
+                          <a:prstDash val="solid"/>
+                          <a:round/>
+                          <a:headEnd type="none" w="sm" len="sm"/>
+                          <a:tailEnd type="none" w="sm" len="sm"/>
+                        </a:lnT>
+                        <a:lnB w="9525" cap="flat" cmpd="sng">
+                          <a:noFill/>
+                          <a:prstDash val="solid"/>
+                          <a:round/>
+                          <a:headEnd type="none" w="sm" len="sm"/>
+                          <a:tailEnd type="none" w="sm" len="sm"/>
+                        </a:lnB>
+                        <a:lnTlToBr w="12700" cmpd="sng">
+                          <a:noFill/>
+                          <a:prstDash val="solid"/>
+                        </a:lnTlToBr>
+                        <a:lnBlToTr w="12700" cmpd="sng">
+                          <a:noFill/>
+                          <a:prstDash val="solid"/>
+                        </a:lnBlToTr>
+                      </a:tcPr>
+                    </a:tc>
+                    <a:extLst>
+                      <a:ext uri="{0D108BD9-81ED-4DB2-BD59-A6C34878D82A}">
+                        <a16:rowId xmlns:a16="http://schemas.microsoft.com/office/drawing/2014/main" val="3237015161"/>
+                      </a:ext>
+                    </a:extLst>
+                  </a:tr>
+                </a:tbl>
+              </a:graphicData>
+            </a:graphic>
+          </p:graphicFrame>
+        </mc:Fallback>
+      </mc:AlternateContent>
     </p:spTree>
     <p:extLst>
       <p:ext uri="{BB962C8B-B14F-4D97-AF65-F5344CB8AC3E}">
-        <p14:creationId xmlns:p14="http://schemas.microsoft.com/office/powerpoint/2010/main" val="133471204"/>
+        <p14:creationId xmlns:p14="http://schemas.microsoft.com/office/powerpoint/2010/main" val="1835959871"/>
+      </p:ext>
+    </p:extLst>
+  </p:cSld>
+  <p:clrMapOvr>
+    <a:masterClrMapping/>
+  </p:clrMapOvr>
+</p:sld>
+</file>
+
+<file path=ppt/slides/slide9.xml><?xml version="1.0" encoding="utf-8"?>
+<p:sld xmlns:a="http://schemas.openxmlformats.org/drawingml/2006/main" xmlns:r="http://schemas.openxmlformats.org/officeDocument/2006/relationships" xmlns:p="http://schemas.openxmlformats.org/presentationml/2006/main">
+  <p:cSld>
+    <p:spTree>
+      <p:nvGrpSpPr>
+        <p:cNvPr id="1" name=""/>
+        <p:cNvGrpSpPr/>
+        <p:nvPr/>
+      </p:nvGrpSpPr>
+      <p:grpSpPr>
+        <a:xfrm>
+          <a:off x="0" y="0"/>
+          <a:ext cx="0" cy="0"/>
+          <a:chOff x="0" y="0"/>
+          <a:chExt cx="0" cy="0"/>
+        </a:xfrm>
+      </p:grpSpPr>
+      <p:sp>
+        <p:nvSpPr>
+          <p:cNvPr id="2" name="Title 1">
+            <a:extLst>
+              <a:ext uri="{FF2B5EF4-FFF2-40B4-BE49-F238E27FC236}">
+                <a16:creationId xmlns:a16="http://schemas.microsoft.com/office/drawing/2014/main" id="{040A3796-EA1A-4D57-9FBA-98217EBB94BD}"/>
+              </a:ext>
+            </a:extLst>
+          </p:cNvPr>
+          <p:cNvSpPr>
+            <a:spLocks noGrp="1"/>
+          </p:cNvSpPr>
+          <p:nvPr>
+            <p:ph type="title"/>
+          </p:nvPr>
+        </p:nvSpPr>
+        <p:spPr>
+          <a:xfrm>
+            <a:off x="175640" y="205975"/>
+            <a:ext cx="2676577" cy="502266"/>
+          </a:xfrm>
+        </p:spPr>
+        <p:txBody>
+          <a:bodyPr/>
+          <a:lstStyle/>
+          <a:p>
+            <a:r>
+              <a:rPr lang="en-US" dirty="0"/>
+              <a:t>Literature 5</a:t>
+            </a:r>
+            <a:endParaRPr lang="en-ID" dirty="0"/>
+          </a:p>
+        </p:txBody>
+      </p:sp>
+      <p:sp>
+        <p:nvSpPr>
+          <p:cNvPr id="3" name="Slide Number Placeholder 2">
+            <a:extLst>
+              <a:ext uri="{FF2B5EF4-FFF2-40B4-BE49-F238E27FC236}">
+                <a16:creationId xmlns:a16="http://schemas.microsoft.com/office/drawing/2014/main" id="{CA40326C-907A-4982-9134-1C5D4ACDA2CA}"/>
+              </a:ext>
+            </a:extLst>
+          </p:cNvPr>
+          <p:cNvSpPr>
+            <a:spLocks noGrp="1"/>
+          </p:cNvSpPr>
+          <p:nvPr>
+            <p:ph type="sldNum" idx="12"/>
+          </p:nvPr>
+        </p:nvSpPr>
+        <p:spPr/>
+        <p:txBody>
+          <a:bodyPr/>
+          <a:lstStyle/>
+          <a:p>
+            <a:fld id="{00000000-1234-1234-1234-123412341234}" type="slidenum">
+              <a:rPr lang="en" smtClean="0"/>
+              <a:pPr/>
+              <a:t>9</a:t>
+            </a:fld>
+            <a:endParaRPr lang="en"/>
+          </a:p>
+        </p:txBody>
+      </p:sp>
+      <p:pic>
+        <p:nvPicPr>
+          <p:cNvPr id="5" name="Picture 4">
+            <a:extLst>
+              <a:ext uri="{FF2B5EF4-FFF2-40B4-BE49-F238E27FC236}">
+                <a16:creationId xmlns:a16="http://schemas.microsoft.com/office/drawing/2014/main" id="{F1C4D0EF-FEC0-4541-9256-591C5F7DC58C}"/>
+              </a:ext>
+            </a:extLst>
+          </p:cNvPr>
+          <p:cNvPicPr>
+            <a:picLocks noChangeAspect="1"/>
+          </p:cNvPicPr>
+          <p:nvPr/>
+        </p:nvPicPr>
+        <p:blipFill>
+          <a:blip r:embed="rId2"/>
+          <a:stretch>
+            <a:fillRect/>
+          </a:stretch>
+        </p:blipFill>
+        <p:spPr>
+          <a:xfrm>
+            <a:off x="2782741" y="685939"/>
+            <a:ext cx="3899619" cy="1885811"/>
+          </a:xfrm>
+          <a:prstGeom prst="rect">
+            <a:avLst/>
+          </a:prstGeom>
+        </p:spPr>
+      </p:pic>
+      <p:pic>
+        <p:nvPicPr>
+          <p:cNvPr id="10" name="Picture 9">
+            <a:extLst>
+              <a:ext uri="{FF2B5EF4-FFF2-40B4-BE49-F238E27FC236}">
+                <a16:creationId xmlns:a16="http://schemas.microsoft.com/office/drawing/2014/main" id="{387064B9-3DD5-4462-AABB-AE2084240CE1}"/>
+              </a:ext>
+            </a:extLst>
+          </p:cNvPr>
+          <p:cNvPicPr>
+            <a:picLocks noChangeAspect="1"/>
+          </p:cNvPicPr>
+          <p:nvPr/>
+        </p:nvPicPr>
+        <p:blipFill>
+          <a:blip r:embed="rId3"/>
+          <a:stretch>
+            <a:fillRect/>
+          </a:stretch>
+        </p:blipFill>
+        <p:spPr>
+          <a:xfrm>
+            <a:off x="374073" y="898169"/>
+            <a:ext cx="1461350" cy="1461350"/>
+          </a:xfrm>
+          <a:prstGeom prst="rect">
+            <a:avLst/>
+          </a:prstGeom>
+        </p:spPr>
+      </p:pic>
+      <p:pic>
+        <p:nvPicPr>
+          <p:cNvPr id="12" name="Picture 11">
+            <a:extLst>
+              <a:ext uri="{FF2B5EF4-FFF2-40B4-BE49-F238E27FC236}">
+                <a16:creationId xmlns:a16="http://schemas.microsoft.com/office/drawing/2014/main" id="{954CEFDD-86D7-4ED5-A70C-0732037A6097}"/>
+              </a:ext>
+            </a:extLst>
+          </p:cNvPr>
+          <p:cNvPicPr>
+            <a:picLocks noChangeAspect="1"/>
+          </p:cNvPicPr>
+          <p:nvPr/>
+        </p:nvPicPr>
+        <p:blipFill>
+          <a:blip r:embed="rId4"/>
+          <a:stretch>
+            <a:fillRect/>
+          </a:stretch>
+        </p:blipFill>
+        <p:spPr>
+          <a:xfrm>
+            <a:off x="86037" y="3214756"/>
+            <a:ext cx="1635553" cy="1702462"/>
+          </a:xfrm>
+          <a:prstGeom prst="rect">
+            <a:avLst/>
+          </a:prstGeom>
+        </p:spPr>
+      </p:pic>
+      <p:pic>
+        <p:nvPicPr>
+          <p:cNvPr id="14" name="Picture 13">
+            <a:extLst>
+              <a:ext uri="{FF2B5EF4-FFF2-40B4-BE49-F238E27FC236}">
+                <a16:creationId xmlns:a16="http://schemas.microsoft.com/office/drawing/2014/main" id="{96BDF9ED-82AA-40F1-AD82-E1D2C3250246}"/>
+              </a:ext>
+            </a:extLst>
+          </p:cNvPr>
+          <p:cNvPicPr>
+            <a:picLocks noChangeAspect="1"/>
+          </p:cNvPicPr>
+          <p:nvPr/>
+        </p:nvPicPr>
+        <p:blipFill>
+          <a:blip r:embed="rId5"/>
+          <a:stretch>
+            <a:fillRect/>
+          </a:stretch>
+        </p:blipFill>
+        <p:spPr>
+          <a:xfrm>
+            <a:off x="1998865" y="3244188"/>
+            <a:ext cx="1864691" cy="1702463"/>
+          </a:xfrm>
+          <a:prstGeom prst="rect">
+            <a:avLst/>
+          </a:prstGeom>
+        </p:spPr>
+      </p:pic>
+      <p:pic>
+        <p:nvPicPr>
+          <p:cNvPr id="16" name="Picture 15">
+            <a:extLst>
+              <a:ext uri="{FF2B5EF4-FFF2-40B4-BE49-F238E27FC236}">
+                <a16:creationId xmlns:a16="http://schemas.microsoft.com/office/drawing/2014/main" id="{E5DC9B83-D229-42DA-9C01-A96C631792AA}"/>
+              </a:ext>
+            </a:extLst>
+          </p:cNvPr>
+          <p:cNvPicPr>
+            <a:picLocks noChangeAspect="1"/>
+          </p:cNvPicPr>
+          <p:nvPr/>
+        </p:nvPicPr>
+        <p:blipFill>
+          <a:blip r:embed="rId6"/>
+          <a:stretch>
+            <a:fillRect/>
+          </a:stretch>
+        </p:blipFill>
+        <p:spPr>
+          <a:xfrm>
+            <a:off x="4152588" y="3194450"/>
+            <a:ext cx="2619375" cy="1743075"/>
+          </a:xfrm>
+          <a:prstGeom prst="rect">
+            <a:avLst/>
+          </a:prstGeom>
+        </p:spPr>
+      </p:pic>
+    </p:spTree>
+    <p:extLst>
+      <p:ext uri="{BB962C8B-B14F-4D97-AF65-F5344CB8AC3E}">
+        <p14:creationId xmlns:p14="http://schemas.microsoft.com/office/powerpoint/2010/main" val="4110509102"/>
       </p:ext>
     </p:extLst>
   </p:cSld>

--- a/bab 1.pptx
+++ b/bab 1.pptx
@@ -14709,8 +14709,8 @@
           </a:prstGeom>
         </p:spPr>
       </p:pic>
-      <mc:AlternateContent xmlns:mc="http://schemas.openxmlformats.org/markup-compatibility/2006">
-        <mc:Choice xmlns:a14="http://schemas.microsoft.com/office/drawing/2010/main" Requires="a14">
+      <mc:AlternateContent xmlns:mc="http://schemas.openxmlformats.org/markup-compatibility/2006" xmlns:a14="http://schemas.microsoft.com/office/drawing/2010/main">
+        <mc:Choice Requires="a14">
           <p:sp>
             <p:nvSpPr>
               <p:cNvPr id="7" name="TextBox 6">
@@ -14739,6 +14739,7 @@
               </a:bodyPr>
               <a:lstStyle/>
               <a:p>
+                <a:pPr/>
                 <a14:m>
                   <m:oMathPara xmlns:m="http://schemas.openxmlformats.org/officeDocument/2006/math">
                     <m:oMathParaPr>
@@ -14986,7 +14987,7 @@
             </p:txBody>
           </p:sp>
         </mc:Choice>
-        <mc:Fallback>
+        <mc:Fallback xmlns="">
           <p:sp>
             <p:nvSpPr>
               <p:cNvPr id="7" name="TextBox 6">
@@ -15031,8 +15032,8 @@
           </p:sp>
         </mc:Fallback>
       </mc:AlternateContent>
-      <mc:AlternateContent xmlns:mc="http://schemas.openxmlformats.org/markup-compatibility/2006">
-        <mc:Choice xmlns:a14="http://schemas.microsoft.com/office/drawing/2010/main" Requires="a14">
+      <mc:AlternateContent xmlns:mc="http://schemas.openxmlformats.org/markup-compatibility/2006" xmlns:a14="http://schemas.microsoft.com/office/drawing/2010/main">
+        <mc:Choice Requires="a14">
           <p:graphicFrame>
             <p:nvGraphicFramePr>
               <p:cNvPr id="8" name="Table 9">
@@ -15948,7 +15949,7 @@
             </a:graphic>
           </p:graphicFrame>
         </mc:Choice>
-        <mc:Fallback>
+        <mc:Fallback xmlns="">
           <p:graphicFrame>
             <p:nvGraphicFramePr>
               <p:cNvPr id="8" name="Table 9">
